--- a/design_files/DiseñoSistema.pptx
+++ b/design_files/DiseñoSistema.pptx
@@ -4,20 +4,27 @@
   <p:sldMasterIdLst>
     <p:sldMasterId id="2147483648" r:id="rId1"/>
   </p:sldMasterIdLst>
+  <p:notesMasterIdLst>
+    <p:notesMasterId r:id="rId19"/>
+  </p:notesMasterIdLst>
   <p:sldIdLst>
     <p:sldId id="257" r:id="rId2"/>
-    <p:sldId id="258" r:id="rId3"/>
-    <p:sldId id="260" r:id="rId4"/>
-    <p:sldId id="265" r:id="rId5"/>
-    <p:sldId id="261" r:id="rId6"/>
-    <p:sldId id="264" r:id="rId7"/>
-    <p:sldId id="267" r:id="rId8"/>
-    <p:sldId id="268" r:id="rId9"/>
-    <p:sldId id="270" r:id="rId10"/>
-    <p:sldId id="271" r:id="rId11"/>
-    <p:sldId id="273" r:id="rId12"/>
-    <p:sldId id="259" r:id="rId13"/>
-    <p:sldId id="263" r:id="rId14"/>
+    <p:sldId id="274" r:id="rId3"/>
+    <p:sldId id="258" r:id="rId4"/>
+    <p:sldId id="260" r:id="rId5"/>
+    <p:sldId id="265" r:id="rId6"/>
+    <p:sldId id="261" r:id="rId7"/>
+    <p:sldId id="264" r:id="rId8"/>
+    <p:sldId id="267" r:id="rId9"/>
+    <p:sldId id="275" r:id="rId10"/>
+    <p:sldId id="268" r:id="rId11"/>
+    <p:sldId id="270" r:id="rId12"/>
+    <p:sldId id="271" r:id="rId13"/>
+    <p:sldId id="273" r:id="rId14"/>
+    <p:sldId id="276" r:id="rId15"/>
+    <p:sldId id="259" r:id="rId16"/>
+    <p:sldId id="263" r:id="rId17"/>
+    <p:sldId id="277" r:id="rId18"/>
   </p:sldIdLst>
   <p:sldSz cx="12192000" cy="6858000"/>
   <p:notesSz cx="6858000" cy="9144000"/>
@@ -124,6 +131,1330 @@
 </p:presentation>
 </file>
 
+<file path=ppt/commentAuthors.xml><?xml version="1.0" encoding="utf-8"?>
+<p:cmAuthorLst xmlns:a="http://schemas.openxmlformats.org/drawingml/2006/main" xmlns:r="http://schemas.openxmlformats.org/officeDocument/2006/relationships" xmlns:p="http://schemas.openxmlformats.org/presentationml/2006/main">
+  <p:cmAuthor id="1" name="Nagato Y." initials="NY" lastIdx="1" clrIdx="0">
+    <p:extLst>
+      <p:ext uri="{19B8F6BF-5375-455C-9EA6-DF929625EA0E}">
+        <p15:presenceInfo xmlns:p15="http://schemas.microsoft.com/office/powerpoint/2012/main" userId="Nagato Y." providerId="None"/>
+      </p:ext>
+    </p:extLst>
+  </p:cmAuthor>
+</p:cmAuthorLst>
+</file>
+
+<file path=ppt/notesMasters/notesMaster1.xml><?xml version="1.0" encoding="utf-8"?>
+<p:notesMaster xmlns:a="http://schemas.openxmlformats.org/drawingml/2006/main" xmlns:r="http://schemas.openxmlformats.org/officeDocument/2006/relationships" xmlns:p="http://schemas.openxmlformats.org/presentationml/2006/main">
+  <p:cSld>
+    <p:bg>
+      <p:bgRef idx="1001">
+        <a:schemeClr val="bg1"/>
+      </p:bgRef>
+    </p:bg>
+    <p:spTree>
+      <p:nvGrpSpPr>
+        <p:cNvPr id="1" name=""/>
+        <p:cNvGrpSpPr/>
+        <p:nvPr/>
+      </p:nvGrpSpPr>
+      <p:grpSpPr>
+        <a:xfrm>
+          <a:off x="0" y="0"/>
+          <a:ext cx="0" cy="0"/>
+          <a:chOff x="0" y="0"/>
+          <a:chExt cx="0" cy="0"/>
+        </a:xfrm>
+      </p:grpSpPr>
+      <p:sp>
+        <p:nvSpPr>
+          <p:cNvPr id="2" name="Marcador de encabezado 1"/>
+          <p:cNvSpPr>
+            <a:spLocks noGrp="1"/>
+          </p:cNvSpPr>
+          <p:nvPr>
+            <p:ph type="hdr" sz="quarter"/>
+          </p:nvPr>
+        </p:nvSpPr>
+        <p:spPr>
+          <a:xfrm>
+            <a:off x="0" y="0"/>
+            <a:ext cx="2971800" cy="458788"/>
+          </a:xfrm>
+          <a:prstGeom prst="rect">
+            <a:avLst/>
+          </a:prstGeom>
+        </p:spPr>
+        <p:txBody>
+          <a:bodyPr vert="horz" lIns="91440" tIns="45720" rIns="91440" bIns="45720" rtlCol="0"/>
+          <a:lstStyle>
+            <a:lvl1pPr algn="l">
+              <a:defRPr sz="1200"/>
+            </a:lvl1pPr>
+          </a:lstStyle>
+          <a:p>
+            <a:endParaRPr lang="es-MX"/>
+          </a:p>
+        </p:txBody>
+      </p:sp>
+      <p:sp>
+        <p:nvSpPr>
+          <p:cNvPr id="3" name="Marcador de fecha 2"/>
+          <p:cNvSpPr>
+            <a:spLocks noGrp="1"/>
+          </p:cNvSpPr>
+          <p:nvPr>
+            <p:ph type="dt" idx="1"/>
+          </p:nvPr>
+        </p:nvSpPr>
+        <p:spPr>
+          <a:xfrm>
+            <a:off x="3884613" y="0"/>
+            <a:ext cx="2971800" cy="458788"/>
+          </a:xfrm>
+          <a:prstGeom prst="rect">
+            <a:avLst/>
+          </a:prstGeom>
+        </p:spPr>
+        <p:txBody>
+          <a:bodyPr vert="horz" lIns="91440" tIns="45720" rIns="91440" bIns="45720" rtlCol="0"/>
+          <a:lstStyle>
+            <a:lvl1pPr algn="r">
+              <a:defRPr sz="1200"/>
+            </a:lvl1pPr>
+          </a:lstStyle>
+          <a:p>
+            <a:fld id="{45859D0A-DA49-47A7-8C88-501595E953FC}" type="datetimeFigureOut">
+              <a:rPr lang="es-MX" smtClean="0"/>
+              <a:t>05/05/2020</a:t>
+            </a:fld>
+            <a:endParaRPr lang="es-MX"/>
+          </a:p>
+        </p:txBody>
+      </p:sp>
+      <p:sp>
+        <p:nvSpPr>
+          <p:cNvPr id="4" name="Marcador de imagen de diapositiva 3"/>
+          <p:cNvSpPr>
+            <a:spLocks noGrp="1" noRot="1" noChangeAspect="1"/>
+          </p:cNvSpPr>
+          <p:nvPr>
+            <p:ph type="sldImg" idx="2"/>
+          </p:nvPr>
+        </p:nvSpPr>
+        <p:spPr>
+          <a:xfrm>
+            <a:off x="685800" y="1143000"/>
+            <a:ext cx="5486400" cy="3086100"/>
+          </a:xfrm>
+          <a:prstGeom prst="rect">
+            <a:avLst/>
+          </a:prstGeom>
+          <a:noFill/>
+          <a:ln w="12700">
+            <a:solidFill>
+              <a:prstClr val="black"/>
+            </a:solidFill>
+          </a:ln>
+        </p:spPr>
+        <p:txBody>
+          <a:bodyPr vert="horz" lIns="91440" tIns="45720" rIns="91440" bIns="45720" rtlCol="0" anchor="ctr"/>
+          <a:lstStyle/>
+          <a:p>
+            <a:endParaRPr lang="es-MX"/>
+          </a:p>
+        </p:txBody>
+      </p:sp>
+      <p:sp>
+        <p:nvSpPr>
+          <p:cNvPr id="5" name="Marcador de notas 4"/>
+          <p:cNvSpPr>
+            <a:spLocks noGrp="1"/>
+          </p:cNvSpPr>
+          <p:nvPr>
+            <p:ph type="body" sz="quarter" idx="3"/>
+          </p:nvPr>
+        </p:nvSpPr>
+        <p:spPr>
+          <a:xfrm>
+            <a:off x="685800" y="4400550"/>
+            <a:ext cx="5486400" cy="3600450"/>
+          </a:xfrm>
+          <a:prstGeom prst="rect">
+            <a:avLst/>
+          </a:prstGeom>
+        </p:spPr>
+        <p:txBody>
+          <a:bodyPr vert="horz" lIns="91440" tIns="45720" rIns="91440" bIns="45720" rtlCol="0"/>
+          <a:lstStyle/>
+          <a:p>
+            <a:pPr lvl="0"/>
+            <a:r>
+              <a:rPr lang="es-ES"/>
+              <a:t>Haga clic para modificar los estilos de texto del patrón</a:t>
+            </a:r>
+          </a:p>
+          <a:p>
+            <a:pPr lvl="1"/>
+            <a:r>
+              <a:rPr lang="es-ES"/>
+              <a:t>Segundo nivel</a:t>
+            </a:r>
+          </a:p>
+          <a:p>
+            <a:pPr lvl="2"/>
+            <a:r>
+              <a:rPr lang="es-ES"/>
+              <a:t>Tercer nivel</a:t>
+            </a:r>
+          </a:p>
+          <a:p>
+            <a:pPr lvl="3"/>
+            <a:r>
+              <a:rPr lang="es-ES"/>
+              <a:t>Cuarto nivel</a:t>
+            </a:r>
+          </a:p>
+          <a:p>
+            <a:pPr lvl="4"/>
+            <a:r>
+              <a:rPr lang="es-ES"/>
+              <a:t>Quinto nivel</a:t>
+            </a:r>
+            <a:endParaRPr lang="es-MX"/>
+          </a:p>
+        </p:txBody>
+      </p:sp>
+      <p:sp>
+        <p:nvSpPr>
+          <p:cNvPr id="6" name="Marcador de pie de página 5"/>
+          <p:cNvSpPr>
+            <a:spLocks noGrp="1"/>
+          </p:cNvSpPr>
+          <p:nvPr>
+            <p:ph type="ftr" sz="quarter" idx="4"/>
+          </p:nvPr>
+        </p:nvSpPr>
+        <p:spPr>
+          <a:xfrm>
+            <a:off x="0" y="8685213"/>
+            <a:ext cx="2971800" cy="458787"/>
+          </a:xfrm>
+          <a:prstGeom prst="rect">
+            <a:avLst/>
+          </a:prstGeom>
+        </p:spPr>
+        <p:txBody>
+          <a:bodyPr vert="horz" lIns="91440" tIns="45720" rIns="91440" bIns="45720" rtlCol="0" anchor="b"/>
+          <a:lstStyle>
+            <a:lvl1pPr algn="l">
+              <a:defRPr sz="1200"/>
+            </a:lvl1pPr>
+          </a:lstStyle>
+          <a:p>
+            <a:endParaRPr lang="es-MX"/>
+          </a:p>
+        </p:txBody>
+      </p:sp>
+      <p:sp>
+        <p:nvSpPr>
+          <p:cNvPr id="7" name="Marcador de número de diapositiva 6"/>
+          <p:cNvSpPr>
+            <a:spLocks noGrp="1"/>
+          </p:cNvSpPr>
+          <p:nvPr>
+            <p:ph type="sldNum" sz="quarter" idx="5"/>
+          </p:nvPr>
+        </p:nvSpPr>
+        <p:spPr>
+          <a:xfrm>
+            <a:off x="3884613" y="8685213"/>
+            <a:ext cx="2971800" cy="458787"/>
+          </a:xfrm>
+          <a:prstGeom prst="rect">
+            <a:avLst/>
+          </a:prstGeom>
+        </p:spPr>
+        <p:txBody>
+          <a:bodyPr vert="horz" lIns="91440" tIns="45720" rIns="91440" bIns="45720" rtlCol="0" anchor="b"/>
+          <a:lstStyle>
+            <a:lvl1pPr algn="r">
+              <a:defRPr sz="1200"/>
+            </a:lvl1pPr>
+          </a:lstStyle>
+          <a:p>
+            <a:fld id="{ECE997C6-1E72-4AE9-A2D2-7BE43B081B66}" type="slidenum">
+              <a:rPr lang="es-MX" smtClean="0"/>
+              <a:t>‹Nº›</a:t>
+            </a:fld>
+            <a:endParaRPr lang="es-MX"/>
+          </a:p>
+        </p:txBody>
+      </p:sp>
+    </p:spTree>
+    <p:extLst>
+      <p:ext uri="{BB962C8B-B14F-4D97-AF65-F5344CB8AC3E}">
+        <p14:creationId xmlns:p14="http://schemas.microsoft.com/office/powerpoint/2010/main" val="2580432722"/>
+      </p:ext>
+    </p:extLst>
+  </p:cSld>
+  <p:clrMap bg1="lt1" tx1="dk1" bg2="lt2" tx2="dk2" accent1="accent1" accent2="accent2" accent3="accent3" accent4="accent4" accent5="accent5" accent6="accent6" hlink="hlink" folHlink="folHlink"/>
+  <p:notesStyle>
+    <a:lvl1pPr marL="0" algn="l" defTabSz="914400" rtl="0" eaLnBrk="1" latinLnBrk="0" hangingPunct="1">
+      <a:defRPr sz="1200" kern="1200">
+        <a:solidFill>
+          <a:schemeClr val="tx1"/>
+        </a:solidFill>
+        <a:latin typeface="+mn-lt"/>
+        <a:ea typeface="+mn-ea"/>
+        <a:cs typeface="+mn-cs"/>
+      </a:defRPr>
+    </a:lvl1pPr>
+    <a:lvl2pPr marL="457200" algn="l" defTabSz="914400" rtl="0" eaLnBrk="1" latinLnBrk="0" hangingPunct="1">
+      <a:defRPr sz="1200" kern="1200">
+        <a:solidFill>
+          <a:schemeClr val="tx1"/>
+        </a:solidFill>
+        <a:latin typeface="+mn-lt"/>
+        <a:ea typeface="+mn-ea"/>
+        <a:cs typeface="+mn-cs"/>
+      </a:defRPr>
+    </a:lvl2pPr>
+    <a:lvl3pPr marL="914400" algn="l" defTabSz="914400" rtl="0" eaLnBrk="1" latinLnBrk="0" hangingPunct="1">
+      <a:defRPr sz="1200" kern="1200">
+        <a:solidFill>
+          <a:schemeClr val="tx1"/>
+        </a:solidFill>
+        <a:latin typeface="+mn-lt"/>
+        <a:ea typeface="+mn-ea"/>
+        <a:cs typeface="+mn-cs"/>
+      </a:defRPr>
+    </a:lvl3pPr>
+    <a:lvl4pPr marL="1371600" algn="l" defTabSz="914400" rtl="0" eaLnBrk="1" latinLnBrk="0" hangingPunct="1">
+      <a:defRPr sz="1200" kern="1200">
+        <a:solidFill>
+          <a:schemeClr val="tx1"/>
+        </a:solidFill>
+        <a:latin typeface="+mn-lt"/>
+        <a:ea typeface="+mn-ea"/>
+        <a:cs typeface="+mn-cs"/>
+      </a:defRPr>
+    </a:lvl4pPr>
+    <a:lvl5pPr marL="1828800" algn="l" defTabSz="914400" rtl="0" eaLnBrk="1" latinLnBrk="0" hangingPunct="1">
+      <a:defRPr sz="1200" kern="1200">
+        <a:solidFill>
+          <a:schemeClr val="tx1"/>
+        </a:solidFill>
+        <a:latin typeface="+mn-lt"/>
+        <a:ea typeface="+mn-ea"/>
+        <a:cs typeface="+mn-cs"/>
+      </a:defRPr>
+    </a:lvl5pPr>
+    <a:lvl6pPr marL="2286000" algn="l" defTabSz="914400" rtl="0" eaLnBrk="1" latinLnBrk="0" hangingPunct="1">
+      <a:defRPr sz="1200" kern="1200">
+        <a:solidFill>
+          <a:schemeClr val="tx1"/>
+        </a:solidFill>
+        <a:latin typeface="+mn-lt"/>
+        <a:ea typeface="+mn-ea"/>
+        <a:cs typeface="+mn-cs"/>
+      </a:defRPr>
+    </a:lvl6pPr>
+    <a:lvl7pPr marL="2743200" algn="l" defTabSz="914400" rtl="0" eaLnBrk="1" latinLnBrk="0" hangingPunct="1">
+      <a:defRPr sz="1200" kern="1200">
+        <a:solidFill>
+          <a:schemeClr val="tx1"/>
+        </a:solidFill>
+        <a:latin typeface="+mn-lt"/>
+        <a:ea typeface="+mn-ea"/>
+        <a:cs typeface="+mn-cs"/>
+      </a:defRPr>
+    </a:lvl7pPr>
+    <a:lvl8pPr marL="3200400" algn="l" defTabSz="914400" rtl="0" eaLnBrk="1" latinLnBrk="0" hangingPunct="1">
+      <a:defRPr sz="1200" kern="1200">
+        <a:solidFill>
+          <a:schemeClr val="tx1"/>
+        </a:solidFill>
+        <a:latin typeface="+mn-lt"/>
+        <a:ea typeface="+mn-ea"/>
+        <a:cs typeface="+mn-cs"/>
+      </a:defRPr>
+    </a:lvl8pPr>
+    <a:lvl9pPr marL="3657600" algn="l" defTabSz="914400" rtl="0" eaLnBrk="1" latinLnBrk="0" hangingPunct="1">
+      <a:defRPr sz="1200" kern="1200">
+        <a:solidFill>
+          <a:schemeClr val="tx1"/>
+        </a:solidFill>
+        <a:latin typeface="+mn-lt"/>
+        <a:ea typeface="+mn-ea"/>
+        <a:cs typeface="+mn-cs"/>
+      </a:defRPr>
+    </a:lvl9pPr>
+  </p:notesStyle>
+</p:notesMaster>
+</file>
+
+<file path=ppt/notesSlides/notesSlide1.xml><?xml version="1.0" encoding="utf-8"?>
+<p:notes xmlns:a="http://schemas.openxmlformats.org/drawingml/2006/main" xmlns:r="http://schemas.openxmlformats.org/officeDocument/2006/relationships" xmlns:p="http://schemas.openxmlformats.org/presentationml/2006/main">
+  <p:cSld>
+    <p:spTree>
+      <p:nvGrpSpPr>
+        <p:cNvPr id="1" name=""/>
+        <p:cNvGrpSpPr/>
+        <p:nvPr/>
+      </p:nvGrpSpPr>
+      <p:grpSpPr>
+        <a:xfrm>
+          <a:off x="0" y="0"/>
+          <a:ext cx="0" cy="0"/>
+          <a:chOff x="0" y="0"/>
+          <a:chExt cx="0" cy="0"/>
+        </a:xfrm>
+      </p:grpSpPr>
+      <p:sp>
+        <p:nvSpPr>
+          <p:cNvPr id="2" name="Marcador de imagen de diapositiva 1"/>
+          <p:cNvSpPr>
+            <a:spLocks noGrp="1" noRot="1" noChangeAspect="1"/>
+          </p:cNvSpPr>
+          <p:nvPr>
+            <p:ph type="sldImg"/>
+          </p:nvPr>
+        </p:nvSpPr>
+        <p:spPr/>
+      </p:sp>
+      <p:sp>
+        <p:nvSpPr>
+          <p:cNvPr id="3" name="Marcador de notas 2"/>
+          <p:cNvSpPr>
+            <a:spLocks noGrp="1"/>
+          </p:cNvSpPr>
+          <p:nvPr>
+            <p:ph type="body" idx="1"/>
+          </p:nvPr>
+        </p:nvSpPr>
+        <p:spPr/>
+        <p:txBody>
+          <a:bodyPr/>
+          <a:lstStyle/>
+          <a:p>
+            <a:r>
+              <a:rPr lang="es-MX" dirty="0"/>
+              <a:t>AMBOS Pantalla de </a:t>
+            </a:r>
+            <a:r>
+              <a:rPr lang="es-MX" dirty="0" err="1"/>
+              <a:t>Login</a:t>
+            </a:r>
+            <a:endParaRPr lang="es-MX" dirty="0"/>
+          </a:p>
+        </p:txBody>
+      </p:sp>
+      <p:sp>
+        <p:nvSpPr>
+          <p:cNvPr id="4" name="Marcador de número de diapositiva 3"/>
+          <p:cNvSpPr>
+            <a:spLocks noGrp="1"/>
+          </p:cNvSpPr>
+          <p:nvPr>
+            <p:ph type="sldNum" sz="quarter" idx="5"/>
+          </p:nvPr>
+        </p:nvSpPr>
+        <p:spPr/>
+        <p:txBody>
+          <a:bodyPr/>
+          <a:lstStyle/>
+          <a:p>
+            <a:fld id="{ECE997C6-1E72-4AE9-A2D2-7BE43B081B66}" type="slidenum">
+              <a:rPr lang="es-MX" smtClean="0"/>
+              <a:t>1</a:t>
+            </a:fld>
+            <a:endParaRPr lang="es-MX"/>
+          </a:p>
+        </p:txBody>
+      </p:sp>
+    </p:spTree>
+    <p:extLst>
+      <p:ext uri="{BB962C8B-B14F-4D97-AF65-F5344CB8AC3E}">
+        <p14:creationId xmlns:p14="http://schemas.microsoft.com/office/powerpoint/2010/main" val="3606524404"/>
+      </p:ext>
+    </p:extLst>
+  </p:cSld>
+  <p:clrMapOvr>
+    <a:masterClrMapping/>
+  </p:clrMapOvr>
+</p:notes>
+</file>
+
+<file path=ppt/notesSlides/notesSlide10.xml><?xml version="1.0" encoding="utf-8"?>
+<p:notes xmlns:a="http://schemas.openxmlformats.org/drawingml/2006/main" xmlns:r="http://schemas.openxmlformats.org/officeDocument/2006/relationships" xmlns:p="http://schemas.openxmlformats.org/presentationml/2006/main">
+  <p:cSld>
+    <p:spTree>
+      <p:nvGrpSpPr>
+        <p:cNvPr id="1" name=""/>
+        <p:cNvGrpSpPr/>
+        <p:nvPr/>
+      </p:nvGrpSpPr>
+      <p:grpSpPr>
+        <a:xfrm>
+          <a:off x="0" y="0"/>
+          <a:ext cx="0" cy="0"/>
+          <a:chOff x="0" y="0"/>
+          <a:chExt cx="0" cy="0"/>
+        </a:xfrm>
+      </p:grpSpPr>
+      <p:sp>
+        <p:nvSpPr>
+          <p:cNvPr id="2" name="Marcador de imagen de diapositiva 1"/>
+          <p:cNvSpPr>
+            <a:spLocks noGrp="1" noRot="1" noChangeAspect="1"/>
+          </p:cNvSpPr>
+          <p:nvPr>
+            <p:ph type="sldImg"/>
+          </p:nvPr>
+        </p:nvSpPr>
+        <p:spPr/>
+      </p:sp>
+      <p:sp>
+        <p:nvSpPr>
+          <p:cNvPr id="3" name="Marcador de notas 2"/>
+          <p:cNvSpPr>
+            <a:spLocks noGrp="1"/>
+          </p:cNvSpPr>
+          <p:nvPr>
+            <p:ph type="body" idx="1"/>
+          </p:nvPr>
+        </p:nvSpPr>
+        <p:spPr/>
+        <p:txBody>
+          <a:bodyPr/>
+          <a:lstStyle/>
+          <a:p>
+            <a:r>
+              <a:rPr lang="es-MX" dirty="0"/>
+              <a:t>VENTAS Pantalla del producto</a:t>
+            </a:r>
+          </a:p>
+        </p:txBody>
+      </p:sp>
+      <p:sp>
+        <p:nvSpPr>
+          <p:cNvPr id="4" name="Marcador de número de diapositiva 3"/>
+          <p:cNvSpPr>
+            <a:spLocks noGrp="1"/>
+          </p:cNvSpPr>
+          <p:nvPr>
+            <p:ph type="sldNum" sz="quarter" idx="5"/>
+          </p:nvPr>
+        </p:nvSpPr>
+        <p:spPr/>
+        <p:txBody>
+          <a:bodyPr/>
+          <a:lstStyle/>
+          <a:p>
+            <a:fld id="{ECE997C6-1E72-4AE9-A2D2-7BE43B081B66}" type="slidenum">
+              <a:rPr lang="es-MX" smtClean="0"/>
+              <a:t>12</a:t>
+            </a:fld>
+            <a:endParaRPr lang="es-MX"/>
+          </a:p>
+        </p:txBody>
+      </p:sp>
+    </p:spTree>
+    <p:extLst>
+      <p:ext uri="{BB962C8B-B14F-4D97-AF65-F5344CB8AC3E}">
+        <p14:creationId xmlns:p14="http://schemas.microsoft.com/office/powerpoint/2010/main" val="1634859513"/>
+      </p:ext>
+    </p:extLst>
+  </p:cSld>
+  <p:clrMapOvr>
+    <a:masterClrMapping/>
+  </p:clrMapOvr>
+</p:notes>
+</file>
+
+<file path=ppt/notesSlides/notesSlide11.xml><?xml version="1.0" encoding="utf-8"?>
+<p:notes xmlns:a="http://schemas.openxmlformats.org/drawingml/2006/main" xmlns:r="http://schemas.openxmlformats.org/officeDocument/2006/relationships" xmlns:p="http://schemas.openxmlformats.org/presentationml/2006/main">
+  <p:cSld>
+    <p:spTree>
+      <p:nvGrpSpPr>
+        <p:cNvPr id="1" name=""/>
+        <p:cNvGrpSpPr/>
+        <p:nvPr/>
+      </p:nvGrpSpPr>
+      <p:grpSpPr>
+        <a:xfrm>
+          <a:off x="0" y="0"/>
+          <a:ext cx="0" cy="0"/>
+          <a:chOff x="0" y="0"/>
+          <a:chExt cx="0" cy="0"/>
+        </a:xfrm>
+      </p:grpSpPr>
+      <p:sp>
+        <p:nvSpPr>
+          <p:cNvPr id="2" name="Marcador de imagen de diapositiva 1"/>
+          <p:cNvSpPr>
+            <a:spLocks noGrp="1" noRot="1" noChangeAspect="1"/>
+          </p:cNvSpPr>
+          <p:nvPr>
+            <p:ph type="sldImg"/>
+          </p:nvPr>
+        </p:nvSpPr>
+        <p:spPr/>
+      </p:sp>
+      <p:sp>
+        <p:nvSpPr>
+          <p:cNvPr id="3" name="Marcador de notas 2"/>
+          <p:cNvSpPr>
+            <a:spLocks noGrp="1"/>
+          </p:cNvSpPr>
+          <p:nvPr>
+            <p:ph type="body" idx="1"/>
+          </p:nvPr>
+        </p:nvSpPr>
+        <p:spPr/>
+        <p:txBody>
+          <a:bodyPr/>
+          <a:lstStyle/>
+          <a:p>
+            <a:r>
+              <a:rPr lang="es-MX" dirty="0"/>
+              <a:t>VENTAS Pantalla de generar una venta</a:t>
+            </a:r>
+          </a:p>
+        </p:txBody>
+      </p:sp>
+      <p:sp>
+        <p:nvSpPr>
+          <p:cNvPr id="4" name="Marcador de número de diapositiva 3"/>
+          <p:cNvSpPr>
+            <a:spLocks noGrp="1"/>
+          </p:cNvSpPr>
+          <p:nvPr>
+            <p:ph type="sldNum" sz="quarter" idx="5"/>
+          </p:nvPr>
+        </p:nvSpPr>
+        <p:spPr/>
+        <p:txBody>
+          <a:bodyPr/>
+          <a:lstStyle/>
+          <a:p>
+            <a:fld id="{ECE997C6-1E72-4AE9-A2D2-7BE43B081B66}" type="slidenum">
+              <a:rPr lang="es-MX" smtClean="0"/>
+              <a:t>13</a:t>
+            </a:fld>
+            <a:endParaRPr lang="es-MX"/>
+          </a:p>
+        </p:txBody>
+      </p:sp>
+    </p:spTree>
+    <p:extLst>
+      <p:ext uri="{BB962C8B-B14F-4D97-AF65-F5344CB8AC3E}">
+        <p14:creationId xmlns:p14="http://schemas.microsoft.com/office/powerpoint/2010/main" val="3125435434"/>
+      </p:ext>
+    </p:extLst>
+  </p:cSld>
+  <p:clrMapOvr>
+    <a:masterClrMapping/>
+  </p:clrMapOvr>
+</p:notes>
+</file>
+
+<file path=ppt/notesSlides/notesSlide2.xml><?xml version="1.0" encoding="utf-8"?>
+<p:notes xmlns:a="http://schemas.openxmlformats.org/drawingml/2006/main" xmlns:r="http://schemas.openxmlformats.org/officeDocument/2006/relationships" xmlns:p="http://schemas.openxmlformats.org/presentationml/2006/main">
+  <p:cSld>
+    <p:spTree>
+      <p:nvGrpSpPr>
+        <p:cNvPr id="1" name=""/>
+        <p:cNvGrpSpPr/>
+        <p:nvPr/>
+      </p:nvGrpSpPr>
+      <p:grpSpPr>
+        <a:xfrm>
+          <a:off x="0" y="0"/>
+          <a:ext cx="0" cy="0"/>
+          <a:chOff x="0" y="0"/>
+          <a:chExt cx="0" cy="0"/>
+        </a:xfrm>
+      </p:grpSpPr>
+      <p:sp>
+        <p:nvSpPr>
+          <p:cNvPr id="2" name="Marcador de imagen de diapositiva 1"/>
+          <p:cNvSpPr>
+            <a:spLocks noGrp="1" noRot="1" noChangeAspect="1"/>
+          </p:cNvSpPr>
+          <p:nvPr>
+            <p:ph type="sldImg"/>
+          </p:nvPr>
+        </p:nvSpPr>
+        <p:spPr/>
+      </p:sp>
+      <p:sp>
+        <p:nvSpPr>
+          <p:cNvPr id="3" name="Marcador de notas 2"/>
+          <p:cNvSpPr>
+            <a:spLocks noGrp="1"/>
+          </p:cNvSpPr>
+          <p:nvPr>
+            <p:ph type="body" idx="1"/>
+          </p:nvPr>
+        </p:nvSpPr>
+        <p:spPr/>
+        <p:txBody>
+          <a:bodyPr/>
+          <a:lstStyle/>
+          <a:p>
+            <a:r>
+              <a:rPr lang="es-MX" dirty="0"/>
+              <a:t>Pantalla de inicio para el administrador</a:t>
+            </a:r>
+          </a:p>
+        </p:txBody>
+      </p:sp>
+      <p:sp>
+        <p:nvSpPr>
+          <p:cNvPr id="4" name="Marcador de número de diapositiva 3"/>
+          <p:cNvSpPr>
+            <a:spLocks noGrp="1"/>
+          </p:cNvSpPr>
+          <p:nvPr>
+            <p:ph type="sldNum" sz="quarter" idx="5"/>
+          </p:nvPr>
+        </p:nvSpPr>
+        <p:spPr/>
+        <p:txBody>
+          <a:bodyPr/>
+          <a:lstStyle/>
+          <a:p>
+            <a:fld id="{ECE997C6-1E72-4AE9-A2D2-7BE43B081B66}" type="slidenum">
+              <a:rPr lang="es-MX" smtClean="0"/>
+              <a:t>3</a:t>
+            </a:fld>
+            <a:endParaRPr lang="es-MX"/>
+          </a:p>
+        </p:txBody>
+      </p:sp>
+    </p:spTree>
+    <p:extLst>
+      <p:ext uri="{BB962C8B-B14F-4D97-AF65-F5344CB8AC3E}">
+        <p14:creationId xmlns:p14="http://schemas.microsoft.com/office/powerpoint/2010/main" val="2220776436"/>
+      </p:ext>
+    </p:extLst>
+  </p:cSld>
+  <p:clrMapOvr>
+    <a:masterClrMapping/>
+  </p:clrMapOvr>
+</p:notes>
+</file>
+
+<file path=ppt/notesSlides/notesSlide3.xml><?xml version="1.0" encoding="utf-8"?>
+<p:notes xmlns:a="http://schemas.openxmlformats.org/drawingml/2006/main" xmlns:r="http://schemas.openxmlformats.org/officeDocument/2006/relationships" xmlns:p="http://schemas.openxmlformats.org/presentationml/2006/main">
+  <p:cSld>
+    <p:spTree>
+      <p:nvGrpSpPr>
+        <p:cNvPr id="1" name=""/>
+        <p:cNvGrpSpPr/>
+        <p:nvPr/>
+      </p:nvGrpSpPr>
+      <p:grpSpPr>
+        <a:xfrm>
+          <a:off x="0" y="0"/>
+          <a:ext cx="0" cy="0"/>
+          <a:chOff x="0" y="0"/>
+          <a:chExt cx="0" cy="0"/>
+        </a:xfrm>
+      </p:grpSpPr>
+      <p:sp>
+        <p:nvSpPr>
+          <p:cNvPr id="2" name="Marcador de imagen de diapositiva 1"/>
+          <p:cNvSpPr>
+            <a:spLocks noGrp="1" noRot="1" noChangeAspect="1"/>
+          </p:cNvSpPr>
+          <p:nvPr>
+            <p:ph type="sldImg"/>
+          </p:nvPr>
+        </p:nvSpPr>
+        <p:spPr/>
+      </p:sp>
+      <p:sp>
+        <p:nvSpPr>
+          <p:cNvPr id="3" name="Marcador de notas 2"/>
+          <p:cNvSpPr>
+            <a:spLocks noGrp="1"/>
+          </p:cNvSpPr>
+          <p:nvPr>
+            <p:ph type="body" idx="1"/>
+          </p:nvPr>
+        </p:nvSpPr>
+        <p:spPr/>
+        <p:txBody>
+          <a:bodyPr/>
+          <a:lstStyle/>
+          <a:p>
+            <a:r>
+              <a:rPr lang="es-MX" dirty="0"/>
+              <a:t>ADMINISTRADOR Pantalla de lista de productos</a:t>
+            </a:r>
+          </a:p>
+        </p:txBody>
+      </p:sp>
+      <p:sp>
+        <p:nvSpPr>
+          <p:cNvPr id="4" name="Marcador de número de diapositiva 3"/>
+          <p:cNvSpPr>
+            <a:spLocks noGrp="1"/>
+          </p:cNvSpPr>
+          <p:nvPr>
+            <p:ph type="sldNum" sz="quarter" idx="5"/>
+          </p:nvPr>
+        </p:nvSpPr>
+        <p:spPr/>
+        <p:txBody>
+          <a:bodyPr/>
+          <a:lstStyle/>
+          <a:p>
+            <a:fld id="{ECE997C6-1E72-4AE9-A2D2-7BE43B081B66}" type="slidenum">
+              <a:rPr lang="es-MX" smtClean="0"/>
+              <a:t>4</a:t>
+            </a:fld>
+            <a:endParaRPr lang="es-MX"/>
+          </a:p>
+        </p:txBody>
+      </p:sp>
+    </p:spTree>
+    <p:extLst>
+      <p:ext uri="{BB962C8B-B14F-4D97-AF65-F5344CB8AC3E}">
+        <p14:creationId xmlns:p14="http://schemas.microsoft.com/office/powerpoint/2010/main" val="1400331423"/>
+      </p:ext>
+    </p:extLst>
+  </p:cSld>
+  <p:clrMapOvr>
+    <a:masterClrMapping/>
+  </p:clrMapOvr>
+</p:notes>
+</file>
+
+<file path=ppt/notesSlides/notesSlide4.xml><?xml version="1.0" encoding="utf-8"?>
+<p:notes xmlns:a="http://schemas.openxmlformats.org/drawingml/2006/main" xmlns:r="http://schemas.openxmlformats.org/officeDocument/2006/relationships" xmlns:p="http://schemas.openxmlformats.org/presentationml/2006/main">
+  <p:cSld>
+    <p:spTree>
+      <p:nvGrpSpPr>
+        <p:cNvPr id="1" name=""/>
+        <p:cNvGrpSpPr/>
+        <p:nvPr/>
+      </p:nvGrpSpPr>
+      <p:grpSpPr>
+        <a:xfrm>
+          <a:off x="0" y="0"/>
+          <a:ext cx="0" cy="0"/>
+          <a:chOff x="0" y="0"/>
+          <a:chExt cx="0" cy="0"/>
+        </a:xfrm>
+      </p:grpSpPr>
+      <p:sp>
+        <p:nvSpPr>
+          <p:cNvPr id="2" name="Marcador de imagen de diapositiva 1"/>
+          <p:cNvSpPr>
+            <a:spLocks noGrp="1" noRot="1" noChangeAspect="1"/>
+          </p:cNvSpPr>
+          <p:nvPr>
+            <p:ph type="sldImg"/>
+          </p:nvPr>
+        </p:nvSpPr>
+        <p:spPr/>
+      </p:sp>
+      <p:sp>
+        <p:nvSpPr>
+          <p:cNvPr id="3" name="Marcador de notas 2"/>
+          <p:cNvSpPr>
+            <a:spLocks noGrp="1"/>
+          </p:cNvSpPr>
+          <p:nvPr>
+            <p:ph type="body" idx="1"/>
+          </p:nvPr>
+        </p:nvSpPr>
+        <p:spPr/>
+        <p:txBody>
+          <a:bodyPr/>
+          <a:lstStyle/>
+          <a:p>
+            <a:r>
+              <a:rPr lang="es-MX" dirty="0"/>
+              <a:t>ADMINISTRADOR Pantalla del producto</a:t>
+            </a:r>
+          </a:p>
+        </p:txBody>
+      </p:sp>
+      <p:sp>
+        <p:nvSpPr>
+          <p:cNvPr id="4" name="Marcador de número de diapositiva 3"/>
+          <p:cNvSpPr>
+            <a:spLocks noGrp="1"/>
+          </p:cNvSpPr>
+          <p:nvPr>
+            <p:ph type="sldNum" sz="quarter" idx="5"/>
+          </p:nvPr>
+        </p:nvSpPr>
+        <p:spPr/>
+        <p:txBody>
+          <a:bodyPr/>
+          <a:lstStyle/>
+          <a:p>
+            <a:fld id="{ECE997C6-1E72-4AE9-A2D2-7BE43B081B66}" type="slidenum">
+              <a:rPr lang="es-MX" smtClean="0"/>
+              <a:t>5</a:t>
+            </a:fld>
+            <a:endParaRPr lang="es-MX"/>
+          </a:p>
+        </p:txBody>
+      </p:sp>
+    </p:spTree>
+    <p:extLst>
+      <p:ext uri="{BB962C8B-B14F-4D97-AF65-F5344CB8AC3E}">
+        <p14:creationId xmlns:p14="http://schemas.microsoft.com/office/powerpoint/2010/main" val="1491888635"/>
+      </p:ext>
+    </p:extLst>
+  </p:cSld>
+  <p:clrMapOvr>
+    <a:masterClrMapping/>
+  </p:clrMapOvr>
+</p:notes>
+</file>
+
+<file path=ppt/notesSlides/notesSlide5.xml><?xml version="1.0" encoding="utf-8"?>
+<p:notes xmlns:a="http://schemas.openxmlformats.org/drawingml/2006/main" xmlns:r="http://schemas.openxmlformats.org/officeDocument/2006/relationships" xmlns:p="http://schemas.openxmlformats.org/presentationml/2006/main">
+  <p:cSld>
+    <p:spTree>
+      <p:nvGrpSpPr>
+        <p:cNvPr id="1" name=""/>
+        <p:cNvGrpSpPr/>
+        <p:nvPr/>
+      </p:nvGrpSpPr>
+      <p:grpSpPr>
+        <a:xfrm>
+          <a:off x="0" y="0"/>
+          <a:ext cx="0" cy="0"/>
+          <a:chOff x="0" y="0"/>
+          <a:chExt cx="0" cy="0"/>
+        </a:xfrm>
+      </p:grpSpPr>
+      <p:sp>
+        <p:nvSpPr>
+          <p:cNvPr id="2" name="Marcador de imagen de diapositiva 1"/>
+          <p:cNvSpPr>
+            <a:spLocks noGrp="1" noRot="1" noChangeAspect="1"/>
+          </p:cNvSpPr>
+          <p:nvPr>
+            <p:ph type="sldImg"/>
+          </p:nvPr>
+        </p:nvSpPr>
+        <p:spPr/>
+      </p:sp>
+      <p:sp>
+        <p:nvSpPr>
+          <p:cNvPr id="3" name="Marcador de notas 2"/>
+          <p:cNvSpPr>
+            <a:spLocks noGrp="1"/>
+          </p:cNvSpPr>
+          <p:nvPr>
+            <p:ph type="body" idx="1"/>
+          </p:nvPr>
+        </p:nvSpPr>
+        <p:spPr/>
+        <p:txBody>
+          <a:bodyPr/>
+          <a:lstStyle/>
+          <a:p>
+            <a:r>
+              <a:rPr lang="es-MX" dirty="0"/>
+              <a:t>ADMINISTRADOR Pantalla de Inventario</a:t>
+            </a:r>
+          </a:p>
+        </p:txBody>
+      </p:sp>
+      <p:sp>
+        <p:nvSpPr>
+          <p:cNvPr id="4" name="Marcador de número de diapositiva 3"/>
+          <p:cNvSpPr>
+            <a:spLocks noGrp="1"/>
+          </p:cNvSpPr>
+          <p:nvPr>
+            <p:ph type="sldNum" sz="quarter" idx="5"/>
+          </p:nvPr>
+        </p:nvSpPr>
+        <p:spPr/>
+        <p:txBody>
+          <a:bodyPr/>
+          <a:lstStyle/>
+          <a:p>
+            <a:fld id="{ECE997C6-1E72-4AE9-A2D2-7BE43B081B66}" type="slidenum">
+              <a:rPr lang="es-MX" smtClean="0"/>
+              <a:t>6</a:t>
+            </a:fld>
+            <a:endParaRPr lang="es-MX"/>
+          </a:p>
+        </p:txBody>
+      </p:sp>
+    </p:spTree>
+    <p:extLst>
+      <p:ext uri="{BB962C8B-B14F-4D97-AF65-F5344CB8AC3E}">
+        <p14:creationId xmlns:p14="http://schemas.microsoft.com/office/powerpoint/2010/main" val="588707249"/>
+      </p:ext>
+    </p:extLst>
+  </p:cSld>
+  <p:clrMapOvr>
+    <a:masterClrMapping/>
+  </p:clrMapOvr>
+</p:notes>
+</file>
+
+<file path=ppt/notesSlides/notesSlide6.xml><?xml version="1.0" encoding="utf-8"?>
+<p:notes xmlns:a="http://schemas.openxmlformats.org/drawingml/2006/main" xmlns:r="http://schemas.openxmlformats.org/officeDocument/2006/relationships" xmlns:p="http://schemas.openxmlformats.org/presentationml/2006/main">
+  <p:cSld>
+    <p:spTree>
+      <p:nvGrpSpPr>
+        <p:cNvPr id="1" name=""/>
+        <p:cNvGrpSpPr/>
+        <p:nvPr/>
+      </p:nvGrpSpPr>
+      <p:grpSpPr>
+        <a:xfrm>
+          <a:off x="0" y="0"/>
+          <a:ext cx="0" cy="0"/>
+          <a:chOff x="0" y="0"/>
+          <a:chExt cx="0" cy="0"/>
+        </a:xfrm>
+      </p:grpSpPr>
+      <p:sp>
+        <p:nvSpPr>
+          <p:cNvPr id="2" name="Marcador de imagen de diapositiva 1"/>
+          <p:cNvSpPr>
+            <a:spLocks noGrp="1" noRot="1" noChangeAspect="1"/>
+          </p:cNvSpPr>
+          <p:nvPr>
+            <p:ph type="sldImg"/>
+          </p:nvPr>
+        </p:nvSpPr>
+        <p:spPr/>
+      </p:sp>
+      <p:sp>
+        <p:nvSpPr>
+          <p:cNvPr id="3" name="Marcador de notas 2"/>
+          <p:cNvSpPr>
+            <a:spLocks noGrp="1"/>
+          </p:cNvSpPr>
+          <p:nvPr>
+            <p:ph type="body" idx="1"/>
+          </p:nvPr>
+        </p:nvSpPr>
+        <p:spPr/>
+        <p:txBody>
+          <a:bodyPr/>
+          <a:lstStyle/>
+          <a:p>
+            <a:r>
+              <a:rPr lang="es-MX" dirty="0"/>
+              <a:t>ADMINISTRADOR Pantalla de Lista de Usuarios</a:t>
+            </a:r>
+          </a:p>
+        </p:txBody>
+      </p:sp>
+      <p:sp>
+        <p:nvSpPr>
+          <p:cNvPr id="4" name="Marcador de número de diapositiva 3"/>
+          <p:cNvSpPr>
+            <a:spLocks noGrp="1"/>
+          </p:cNvSpPr>
+          <p:nvPr>
+            <p:ph type="sldNum" sz="quarter" idx="5"/>
+          </p:nvPr>
+        </p:nvSpPr>
+        <p:spPr/>
+        <p:txBody>
+          <a:bodyPr/>
+          <a:lstStyle/>
+          <a:p>
+            <a:fld id="{ECE997C6-1E72-4AE9-A2D2-7BE43B081B66}" type="slidenum">
+              <a:rPr lang="es-MX" smtClean="0"/>
+              <a:t>7</a:t>
+            </a:fld>
+            <a:endParaRPr lang="es-MX"/>
+          </a:p>
+        </p:txBody>
+      </p:sp>
+    </p:spTree>
+    <p:extLst>
+      <p:ext uri="{BB962C8B-B14F-4D97-AF65-F5344CB8AC3E}">
+        <p14:creationId xmlns:p14="http://schemas.microsoft.com/office/powerpoint/2010/main" val="4057843061"/>
+      </p:ext>
+    </p:extLst>
+  </p:cSld>
+  <p:clrMapOvr>
+    <a:masterClrMapping/>
+  </p:clrMapOvr>
+</p:notes>
+</file>
+
+<file path=ppt/notesSlides/notesSlide7.xml><?xml version="1.0" encoding="utf-8"?>
+<p:notes xmlns:a="http://schemas.openxmlformats.org/drawingml/2006/main" xmlns:r="http://schemas.openxmlformats.org/officeDocument/2006/relationships" xmlns:p="http://schemas.openxmlformats.org/presentationml/2006/main">
+  <p:cSld>
+    <p:spTree>
+      <p:nvGrpSpPr>
+        <p:cNvPr id="1" name=""/>
+        <p:cNvGrpSpPr/>
+        <p:nvPr/>
+      </p:nvGrpSpPr>
+      <p:grpSpPr>
+        <a:xfrm>
+          <a:off x="0" y="0"/>
+          <a:ext cx="0" cy="0"/>
+          <a:chOff x="0" y="0"/>
+          <a:chExt cx="0" cy="0"/>
+        </a:xfrm>
+      </p:grpSpPr>
+      <p:sp>
+        <p:nvSpPr>
+          <p:cNvPr id="2" name="Marcador de imagen de diapositiva 1"/>
+          <p:cNvSpPr>
+            <a:spLocks noGrp="1" noRot="1" noChangeAspect="1"/>
+          </p:cNvSpPr>
+          <p:nvPr>
+            <p:ph type="sldImg"/>
+          </p:nvPr>
+        </p:nvSpPr>
+        <p:spPr/>
+      </p:sp>
+      <p:sp>
+        <p:nvSpPr>
+          <p:cNvPr id="3" name="Marcador de notas 2"/>
+          <p:cNvSpPr>
+            <a:spLocks noGrp="1"/>
+          </p:cNvSpPr>
+          <p:nvPr>
+            <p:ph type="body" idx="1"/>
+          </p:nvPr>
+        </p:nvSpPr>
+        <p:spPr/>
+        <p:txBody>
+          <a:bodyPr/>
+          <a:lstStyle/>
+          <a:p>
+            <a:r>
+              <a:rPr lang="es-MX" dirty="0"/>
+              <a:t>ADMINISTRADOR Pantalla de usuario</a:t>
+            </a:r>
+          </a:p>
+        </p:txBody>
+      </p:sp>
+      <p:sp>
+        <p:nvSpPr>
+          <p:cNvPr id="4" name="Marcador de número de diapositiva 3"/>
+          <p:cNvSpPr>
+            <a:spLocks noGrp="1"/>
+          </p:cNvSpPr>
+          <p:nvPr>
+            <p:ph type="sldNum" sz="quarter" idx="5"/>
+          </p:nvPr>
+        </p:nvSpPr>
+        <p:spPr/>
+        <p:txBody>
+          <a:bodyPr/>
+          <a:lstStyle/>
+          <a:p>
+            <a:fld id="{ECE997C6-1E72-4AE9-A2D2-7BE43B081B66}" type="slidenum">
+              <a:rPr lang="es-MX" smtClean="0"/>
+              <a:t>8</a:t>
+            </a:fld>
+            <a:endParaRPr lang="es-MX"/>
+          </a:p>
+        </p:txBody>
+      </p:sp>
+    </p:spTree>
+    <p:extLst>
+      <p:ext uri="{BB962C8B-B14F-4D97-AF65-F5344CB8AC3E}">
+        <p14:creationId xmlns:p14="http://schemas.microsoft.com/office/powerpoint/2010/main" val="195928037"/>
+      </p:ext>
+    </p:extLst>
+  </p:cSld>
+  <p:clrMapOvr>
+    <a:masterClrMapping/>
+  </p:clrMapOvr>
+</p:notes>
+</file>
+
+<file path=ppt/notesSlides/notesSlide8.xml><?xml version="1.0" encoding="utf-8"?>
+<p:notes xmlns:a="http://schemas.openxmlformats.org/drawingml/2006/main" xmlns:r="http://schemas.openxmlformats.org/officeDocument/2006/relationships" xmlns:p="http://schemas.openxmlformats.org/presentationml/2006/main">
+  <p:cSld>
+    <p:spTree>
+      <p:nvGrpSpPr>
+        <p:cNvPr id="1" name=""/>
+        <p:cNvGrpSpPr/>
+        <p:nvPr/>
+      </p:nvGrpSpPr>
+      <p:grpSpPr>
+        <a:xfrm>
+          <a:off x="0" y="0"/>
+          <a:ext cx="0" cy="0"/>
+          <a:chOff x="0" y="0"/>
+          <a:chExt cx="0" cy="0"/>
+        </a:xfrm>
+      </p:grpSpPr>
+      <p:sp>
+        <p:nvSpPr>
+          <p:cNvPr id="2" name="Marcador de imagen de diapositiva 1"/>
+          <p:cNvSpPr>
+            <a:spLocks noGrp="1" noRot="1" noChangeAspect="1"/>
+          </p:cNvSpPr>
+          <p:nvPr>
+            <p:ph type="sldImg"/>
+          </p:nvPr>
+        </p:nvSpPr>
+        <p:spPr/>
+      </p:sp>
+      <p:sp>
+        <p:nvSpPr>
+          <p:cNvPr id="3" name="Marcador de notas 2"/>
+          <p:cNvSpPr>
+            <a:spLocks noGrp="1"/>
+          </p:cNvSpPr>
+          <p:nvPr>
+            <p:ph type="body" idx="1"/>
+          </p:nvPr>
+        </p:nvSpPr>
+        <p:spPr/>
+        <p:txBody>
+          <a:bodyPr/>
+          <a:lstStyle/>
+          <a:p>
+            <a:r>
+              <a:rPr lang="es-MX" dirty="0"/>
+              <a:t>VENTAS Pantalla de Inicio</a:t>
+            </a:r>
+          </a:p>
+        </p:txBody>
+      </p:sp>
+      <p:sp>
+        <p:nvSpPr>
+          <p:cNvPr id="4" name="Marcador de número de diapositiva 3"/>
+          <p:cNvSpPr>
+            <a:spLocks noGrp="1"/>
+          </p:cNvSpPr>
+          <p:nvPr>
+            <p:ph type="sldNum" sz="quarter" idx="5"/>
+          </p:nvPr>
+        </p:nvSpPr>
+        <p:spPr/>
+        <p:txBody>
+          <a:bodyPr/>
+          <a:lstStyle/>
+          <a:p>
+            <a:fld id="{ECE997C6-1E72-4AE9-A2D2-7BE43B081B66}" type="slidenum">
+              <a:rPr lang="es-MX" smtClean="0"/>
+              <a:t>10</a:t>
+            </a:fld>
+            <a:endParaRPr lang="es-MX"/>
+          </a:p>
+        </p:txBody>
+      </p:sp>
+    </p:spTree>
+    <p:extLst>
+      <p:ext uri="{BB962C8B-B14F-4D97-AF65-F5344CB8AC3E}">
+        <p14:creationId xmlns:p14="http://schemas.microsoft.com/office/powerpoint/2010/main" val="2705571142"/>
+      </p:ext>
+    </p:extLst>
+  </p:cSld>
+  <p:clrMapOvr>
+    <a:masterClrMapping/>
+  </p:clrMapOvr>
+</p:notes>
+</file>
+
+<file path=ppt/notesSlides/notesSlide9.xml><?xml version="1.0" encoding="utf-8"?>
+<p:notes xmlns:a="http://schemas.openxmlformats.org/drawingml/2006/main" xmlns:r="http://schemas.openxmlformats.org/officeDocument/2006/relationships" xmlns:p="http://schemas.openxmlformats.org/presentationml/2006/main">
+  <p:cSld>
+    <p:spTree>
+      <p:nvGrpSpPr>
+        <p:cNvPr id="1" name=""/>
+        <p:cNvGrpSpPr/>
+        <p:nvPr/>
+      </p:nvGrpSpPr>
+      <p:grpSpPr>
+        <a:xfrm>
+          <a:off x="0" y="0"/>
+          <a:ext cx="0" cy="0"/>
+          <a:chOff x="0" y="0"/>
+          <a:chExt cx="0" cy="0"/>
+        </a:xfrm>
+      </p:grpSpPr>
+      <p:sp>
+        <p:nvSpPr>
+          <p:cNvPr id="2" name="Marcador de imagen de diapositiva 1"/>
+          <p:cNvSpPr>
+            <a:spLocks noGrp="1" noRot="1" noChangeAspect="1"/>
+          </p:cNvSpPr>
+          <p:nvPr>
+            <p:ph type="sldImg"/>
+          </p:nvPr>
+        </p:nvSpPr>
+        <p:spPr/>
+      </p:sp>
+      <p:sp>
+        <p:nvSpPr>
+          <p:cNvPr id="3" name="Marcador de notas 2"/>
+          <p:cNvSpPr>
+            <a:spLocks noGrp="1"/>
+          </p:cNvSpPr>
+          <p:nvPr>
+            <p:ph type="body" idx="1"/>
+          </p:nvPr>
+        </p:nvSpPr>
+        <p:spPr/>
+        <p:txBody>
+          <a:bodyPr/>
+          <a:lstStyle/>
+          <a:p>
+            <a:r>
+              <a:rPr lang="es-MX" dirty="0"/>
+              <a:t>VENTAS Pantalla Lista de Productos</a:t>
+            </a:r>
+          </a:p>
+        </p:txBody>
+      </p:sp>
+      <p:sp>
+        <p:nvSpPr>
+          <p:cNvPr id="4" name="Marcador de número de diapositiva 3"/>
+          <p:cNvSpPr>
+            <a:spLocks noGrp="1"/>
+          </p:cNvSpPr>
+          <p:nvPr>
+            <p:ph type="sldNum" sz="quarter" idx="5"/>
+          </p:nvPr>
+        </p:nvSpPr>
+        <p:spPr/>
+        <p:txBody>
+          <a:bodyPr/>
+          <a:lstStyle/>
+          <a:p>
+            <a:fld id="{ECE997C6-1E72-4AE9-A2D2-7BE43B081B66}" type="slidenum">
+              <a:rPr lang="es-MX" smtClean="0"/>
+              <a:t>11</a:t>
+            </a:fld>
+            <a:endParaRPr lang="es-MX"/>
+          </a:p>
+        </p:txBody>
+      </p:sp>
+    </p:spTree>
+    <p:extLst>
+      <p:ext uri="{BB962C8B-B14F-4D97-AF65-F5344CB8AC3E}">
+        <p14:creationId xmlns:p14="http://schemas.microsoft.com/office/powerpoint/2010/main" val="4103607755"/>
+      </p:ext>
+    </p:extLst>
+  </p:cSld>
+  <p:clrMapOvr>
+    <a:masterClrMapping/>
+  </p:clrMapOvr>
+</p:notes>
+</file>
+
 <file path=ppt/slideLayouts/slideLayout1.xml><?xml version="1.0" encoding="utf-8"?>
 <p:sldLayout xmlns:a="http://schemas.openxmlformats.org/drawingml/2006/main" xmlns:r="http://schemas.openxmlformats.org/officeDocument/2006/relationships" xmlns:p="http://schemas.openxmlformats.org/presentationml/2006/main" type="title" preserve="1">
   <p:cSld name="Diapositiva de título">
@@ -273,7 +1604,7 @@
           <a:p>
             <a:fld id="{E38EFF44-D552-4CA2-BE29-4B9F5B35B9F2}" type="datetimeFigureOut">
               <a:rPr lang="es-MX" smtClean="0"/>
-              <a:t>29/04/2020</a:t>
+              <a:t>05/05/2020</a:t>
             </a:fld>
             <a:endParaRPr lang="es-MX"/>
           </a:p>
@@ -473,7 +1804,7 @@
           <a:p>
             <a:fld id="{E38EFF44-D552-4CA2-BE29-4B9F5B35B9F2}" type="datetimeFigureOut">
               <a:rPr lang="es-MX" smtClean="0"/>
-              <a:t>29/04/2020</a:t>
+              <a:t>05/05/2020</a:t>
             </a:fld>
             <a:endParaRPr lang="es-MX"/>
           </a:p>
@@ -683,7 +2014,7 @@
           <a:p>
             <a:fld id="{E38EFF44-D552-4CA2-BE29-4B9F5B35B9F2}" type="datetimeFigureOut">
               <a:rPr lang="es-MX" smtClean="0"/>
-              <a:t>29/04/2020</a:t>
+              <a:t>05/05/2020</a:t>
             </a:fld>
             <a:endParaRPr lang="es-MX"/>
           </a:p>
@@ -883,7 +2214,7 @@
           <a:p>
             <a:fld id="{E38EFF44-D552-4CA2-BE29-4B9F5B35B9F2}" type="datetimeFigureOut">
               <a:rPr lang="es-MX" smtClean="0"/>
-              <a:t>29/04/2020</a:t>
+              <a:t>05/05/2020</a:t>
             </a:fld>
             <a:endParaRPr lang="es-MX"/>
           </a:p>
@@ -1159,7 +2490,7 @@
           <a:p>
             <a:fld id="{E38EFF44-D552-4CA2-BE29-4B9F5B35B9F2}" type="datetimeFigureOut">
               <a:rPr lang="es-MX" smtClean="0"/>
-              <a:t>29/04/2020</a:t>
+              <a:t>05/05/2020</a:t>
             </a:fld>
             <a:endParaRPr lang="es-MX"/>
           </a:p>
@@ -1427,7 +2758,7 @@
           <a:p>
             <a:fld id="{E38EFF44-D552-4CA2-BE29-4B9F5B35B9F2}" type="datetimeFigureOut">
               <a:rPr lang="es-MX" smtClean="0"/>
-              <a:t>29/04/2020</a:t>
+              <a:t>05/05/2020</a:t>
             </a:fld>
             <a:endParaRPr lang="es-MX"/>
           </a:p>
@@ -1842,7 +3173,7 @@
           <a:p>
             <a:fld id="{E38EFF44-D552-4CA2-BE29-4B9F5B35B9F2}" type="datetimeFigureOut">
               <a:rPr lang="es-MX" smtClean="0"/>
-              <a:t>29/04/2020</a:t>
+              <a:t>05/05/2020</a:t>
             </a:fld>
             <a:endParaRPr lang="es-MX"/>
           </a:p>
@@ -1984,7 +3315,7 @@
           <a:p>
             <a:fld id="{E38EFF44-D552-4CA2-BE29-4B9F5B35B9F2}" type="datetimeFigureOut">
               <a:rPr lang="es-MX" smtClean="0"/>
-              <a:t>29/04/2020</a:t>
+              <a:t>05/05/2020</a:t>
             </a:fld>
             <a:endParaRPr lang="es-MX"/>
           </a:p>
@@ -2097,7 +3428,7 @@
           <a:p>
             <a:fld id="{E38EFF44-D552-4CA2-BE29-4B9F5B35B9F2}" type="datetimeFigureOut">
               <a:rPr lang="es-MX" smtClean="0"/>
-              <a:t>29/04/2020</a:t>
+              <a:t>05/05/2020</a:t>
             </a:fld>
             <a:endParaRPr lang="es-MX"/>
           </a:p>
@@ -2410,7 +3741,7 @@
           <a:p>
             <a:fld id="{E38EFF44-D552-4CA2-BE29-4B9F5B35B9F2}" type="datetimeFigureOut">
               <a:rPr lang="es-MX" smtClean="0"/>
-              <a:t>29/04/2020</a:t>
+              <a:t>05/05/2020</a:t>
             </a:fld>
             <a:endParaRPr lang="es-MX"/>
           </a:p>
@@ -2699,7 +4030,7 @@
           <a:p>
             <a:fld id="{E38EFF44-D552-4CA2-BE29-4B9F5B35B9F2}" type="datetimeFigureOut">
               <a:rPr lang="es-MX" smtClean="0"/>
-              <a:t>29/04/2020</a:t>
+              <a:t>05/05/2020</a:t>
             </a:fld>
             <a:endParaRPr lang="es-MX"/>
           </a:p>
@@ -2942,7 +4273,7 @@
           <a:p>
             <a:fld id="{E38EFF44-D552-4CA2-BE29-4B9F5B35B9F2}" type="datetimeFigureOut">
               <a:rPr lang="es-MX" smtClean="0"/>
-              <a:t>29/04/2020</a:t>
+              <a:t>05/05/2020</a:t>
             </a:fld>
             <a:endParaRPr lang="es-MX"/>
           </a:p>
@@ -3382,7 +4713,7 @@
           <p:nvPr/>
         </p:nvPicPr>
         <p:blipFill>
-          <a:blip r:embed="rId2">
+          <a:blip r:embed="rId3">
             <a:extLst>
               <a:ext uri="{28A0092B-C50C-407E-A947-70E740481C1C}">
                 <a14:useLocalDpi xmlns:a14="http://schemas.microsoft.com/office/drawing/2010/main" val="0"/>
@@ -3467,7 +4798,7 @@
           <p:nvPr/>
         </p:nvPicPr>
         <p:blipFill rotWithShape="1">
-          <a:blip r:embed="rId3">
+          <a:blip r:embed="rId4">
             <a:extLst>
               <a:ext uri="{28A0092B-C50C-407E-A947-70E740481C1C}">
                 <a14:useLocalDpi xmlns:a14="http://schemas.microsoft.com/office/drawing/2010/main" val="0"/>
@@ -3646,7 +4977,1234 @@
           <p:nvPr/>
         </p:nvPicPr>
         <p:blipFill>
-          <a:blip r:embed="rId2">
+          <a:blip r:embed="rId3">
+            <a:extLst>
+              <a:ext uri="{28A0092B-C50C-407E-A947-70E740481C1C}">
+                <a14:useLocalDpi xmlns:a14="http://schemas.microsoft.com/office/drawing/2010/main" val="0"/>
+              </a:ext>
+            </a:extLst>
+          </a:blip>
+          <a:srcRect/>
+          <a:stretch>
+            <a:fillRect/>
+          </a:stretch>
+        </p:blipFill>
+        <p:spPr bwMode="auto">
+          <a:xfrm>
+            <a:off x="0" y="0"/>
+            <a:ext cx="12192000" cy="6858000"/>
+          </a:xfrm>
+          <a:prstGeom prst="rect">
+            <a:avLst/>
+          </a:prstGeom>
+          <a:noFill/>
+          <a:extLst>
+            <a:ext uri="{909E8E84-426E-40DD-AFC4-6F175D3DCCD1}">
+              <a14:hiddenFill xmlns:a14="http://schemas.microsoft.com/office/drawing/2010/main">
+                <a:solidFill>
+                  <a:srgbClr val="FFFFFF"/>
+                </a:solidFill>
+              </a14:hiddenFill>
+            </a:ext>
+          </a:extLst>
+        </p:spPr>
+      </p:pic>
+      <p:sp>
+        <p:nvSpPr>
+          <p:cNvPr id="2" name="Rectángulo 1">
+            <a:extLst>
+              <a:ext uri="{FF2B5EF4-FFF2-40B4-BE49-F238E27FC236}">
+                <a16:creationId xmlns:a16="http://schemas.microsoft.com/office/drawing/2014/main" id="{59B01730-D6F6-4AB8-A1E7-6B6266866797}"/>
+              </a:ext>
+            </a:extLst>
+          </p:cNvPr>
+          <p:cNvSpPr/>
+          <p:nvPr/>
+        </p:nvSpPr>
+        <p:spPr>
+          <a:xfrm>
+            <a:off x="1" y="0"/>
+            <a:ext cx="12192000" cy="2060812"/>
+          </a:xfrm>
+          <a:prstGeom prst="rect">
+            <a:avLst/>
+          </a:prstGeom>
+          <a:solidFill>
+            <a:schemeClr val="accent1"/>
+          </a:solidFill>
+          <a:ln>
+            <a:noFill/>
+          </a:ln>
+        </p:spPr>
+        <p:style>
+          <a:lnRef idx="2">
+            <a:schemeClr val="accent1">
+              <a:shade val="50000"/>
+            </a:schemeClr>
+          </a:lnRef>
+          <a:fillRef idx="1">
+            <a:schemeClr val="accent1"/>
+          </a:fillRef>
+          <a:effectRef idx="0">
+            <a:schemeClr val="accent1"/>
+          </a:effectRef>
+          <a:fontRef idx="minor">
+            <a:schemeClr val="lt1"/>
+          </a:fontRef>
+        </p:style>
+        <p:txBody>
+          <a:bodyPr rtlCol="0" anchor="ctr"/>
+          <a:lstStyle/>
+          <a:p>
+            <a:pPr algn="ctr"/>
+            <a:endParaRPr lang="es-MX" dirty="0"/>
+          </a:p>
+        </p:txBody>
+      </p:sp>
+      <p:sp>
+        <p:nvSpPr>
+          <p:cNvPr id="3" name="Rectángulo: esquinas redondeadas 2">
+            <a:extLst>
+              <a:ext uri="{FF2B5EF4-FFF2-40B4-BE49-F238E27FC236}">
+                <a16:creationId xmlns:a16="http://schemas.microsoft.com/office/drawing/2014/main" id="{621DA4F7-3F91-4D5B-918E-63448EA177F0}"/>
+              </a:ext>
+            </a:extLst>
+          </p:cNvPr>
+          <p:cNvSpPr/>
+          <p:nvPr/>
+        </p:nvSpPr>
+        <p:spPr>
+          <a:xfrm>
+            <a:off x="561832" y="177419"/>
+            <a:ext cx="1173500" cy="1050879"/>
+          </a:xfrm>
+          <a:prstGeom prst="roundRect">
+            <a:avLst/>
+          </a:prstGeom>
+        </p:spPr>
+        <p:style>
+          <a:lnRef idx="1">
+            <a:schemeClr val="accent2"/>
+          </a:lnRef>
+          <a:fillRef idx="2">
+            <a:schemeClr val="accent2"/>
+          </a:fillRef>
+          <a:effectRef idx="1">
+            <a:schemeClr val="accent2"/>
+          </a:effectRef>
+          <a:fontRef idx="minor">
+            <a:schemeClr val="dk1"/>
+          </a:fontRef>
+        </p:style>
+        <p:txBody>
+          <a:bodyPr rtlCol="0" anchor="ctr"/>
+          <a:lstStyle/>
+          <a:p>
+            <a:pPr algn="ctr"/>
+            <a:r>
+              <a:rPr lang="es-MX" sz="2800" b="1" dirty="0"/>
+              <a:t>LOGO</a:t>
+            </a:r>
+            <a:endParaRPr lang="es-MX" sz="1200" b="1" dirty="0"/>
+          </a:p>
+        </p:txBody>
+      </p:sp>
+      <p:sp>
+        <p:nvSpPr>
+          <p:cNvPr id="4" name="CuadroTexto 3">
+            <a:extLst>
+              <a:ext uri="{FF2B5EF4-FFF2-40B4-BE49-F238E27FC236}">
+                <a16:creationId xmlns:a16="http://schemas.microsoft.com/office/drawing/2014/main" id="{BABAC0A5-4532-433C-A136-652A44CCB19A}"/>
+              </a:ext>
+            </a:extLst>
+          </p:cNvPr>
+          <p:cNvSpPr txBox="1"/>
+          <p:nvPr/>
+        </p:nvSpPr>
+        <p:spPr>
+          <a:xfrm>
+            <a:off x="9455832" y="211541"/>
+            <a:ext cx="2174336" cy="461665"/>
+          </a:xfrm>
+          <a:prstGeom prst="rect">
+            <a:avLst/>
+          </a:prstGeom>
+          <a:noFill/>
+        </p:spPr>
+        <p:txBody>
+          <a:bodyPr wrap="square" rtlCol="0">
+            <a:spAutoFit/>
+          </a:bodyPr>
+          <a:lstStyle/>
+          <a:p>
+            <a:pPr algn="r"/>
+            <a:r>
+              <a:rPr lang="es-MX" sz="2400" dirty="0" err="1"/>
+              <a:t>User</a:t>
+            </a:r>
+            <a:r>
+              <a:rPr lang="es-MX" sz="2400" dirty="0"/>
+              <a:t> </a:t>
+            </a:r>
+            <a:r>
+              <a:rPr lang="es-MX" sz="2400" dirty="0" err="1"/>
+              <a:t>Name</a:t>
+            </a:r>
+            <a:endParaRPr lang="es-MX" sz="2400" dirty="0"/>
+          </a:p>
+        </p:txBody>
+      </p:sp>
+      <p:sp>
+        <p:nvSpPr>
+          <p:cNvPr id="5" name="CuadroTexto 4">
+            <a:extLst>
+              <a:ext uri="{FF2B5EF4-FFF2-40B4-BE49-F238E27FC236}">
+                <a16:creationId xmlns:a16="http://schemas.microsoft.com/office/drawing/2014/main" id="{FD9E610A-FBE1-4931-98C5-7EF6E3E99B41}"/>
+              </a:ext>
+            </a:extLst>
+          </p:cNvPr>
+          <p:cNvSpPr txBox="1"/>
+          <p:nvPr/>
+        </p:nvSpPr>
+        <p:spPr>
+          <a:xfrm flipH="1">
+            <a:off x="8584442" y="941696"/>
+            <a:ext cx="3045726" cy="369332"/>
+          </a:xfrm>
+          <a:prstGeom prst="rect">
+            <a:avLst/>
+          </a:prstGeom>
+          <a:noFill/>
+        </p:spPr>
+        <p:txBody>
+          <a:bodyPr wrap="square" rtlCol="0">
+            <a:spAutoFit/>
+          </a:bodyPr>
+          <a:lstStyle/>
+          <a:p>
+            <a:r>
+              <a:rPr lang="es-MX" dirty="0"/>
+              <a:t>Miércoles, 29 de abril de 2020</a:t>
+            </a:r>
+          </a:p>
+        </p:txBody>
+      </p:sp>
+      <p:sp>
+        <p:nvSpPr>
+          <p:cNvPr id="6" name="Rectángulo: esquinas superiores redondeadas 5">
+            <a:extLst>
+              <a:ext uri="{FF2B5EF4-FFF2-40B4-BE49-F238E27FC236}">
+                <a16:creationId xmlns:a16="http://schemas.microsoft.com/office/drawing/2014/main" id="{28351434-4AA8-4ADC-8F9A-BABFCB6E088C}"/>
+              </a:ext>
+            </a:extLst>
+          </p:cNvPr>
+          <p:cNvSpPr/>
+          <p:nvPr/>
+        </p:nvSpPr>
+        <p:spPr>
+          <a:xfrm>
+            <a:off x="4255828" y="1501252"/>
+            <a:ext cx="1501254" cy="559559"/>
+          </a:xfrm>
+          <a:prstGeom prst="round2SameRect">
+            <a:avLst/>
+          </a:prstGeom>
+          <a:ln/>
+        </p:spPr>
+        <p:style>
+          <a:lnRef idx="3">
+            <a:schemeClr val="lt1"/>
+          </a:lnRef>
+          <a:fillRef idx="1">
+            <a:schemeClr val="accent5"/>
+          </a:fillRef>
+          <a:effectRef idx="1">
+            <a:schemeClr val="accent5"/>
+          </a:effectRef>
+          <a:fontRef idx="minor">
+            <a:schemeClr val="lt1"/>
+          </a:fontRef>
+        </p:style>
+        <p:txBody>
+          <a:bodyPr rtlCol="0" anchor="ctr"/>
+          <a:lstStyle/>
+          <a:p>
+            <a:pPr algn="ctr"/>
+            <a:r>
+              <a:rPr lang="es-MX" dirty="0"/>
+              <a:t>Productos</a:t>
+            </a:r>
+          </a:p>
+        </p:txBody>
+      </p:sp>
+      <p:sp>
+        <p:nvSpPr>
+          <p:cNvPr id="7" name="Rectángulo: esquinas superiores redondeadas 6">
+            <a:extLst>
+              <a:ext uri="{FF2B5EF4-FFF2-40B4-BE49-F238E27FC236}">
+                <a16:creationId xmlns:a16="http://schemas.microsoft.com/office/drawing/2014/main" id="{8B7AC154-1731-4299-BFDB-DF392E9622A1}"/>
+              </a:ext>
+            </a:extLst>
+          </p:cNvPr>
+          <p:cNvSpPr/>
+          <p:nvPr/>
+        </p:nvSpPr>
+        <p:spPr>
+          <a:xfrm>
+            <a:off x="6434919" y="1501252"/>
+            <a:ext cx="1501254" cy="559559"/>
+          </a:xfrm>
+          <a:prstGeom prst="round2SameRect">
+            <a:avLst/>
+          </a:prstGeom>
+          <a:ln/>
+        </p:spPr>
+        <p:style>
+          <a:lnRef idx="3">
+            <a:schemeClr val="lt1"/>
+          </a:lnRef>
+          <a:fillRef idx="1">
+            <a:schemeClr val="accent5"/>
+          </a:fillRef>
+          <a:effectRef idx="1">
+            <a:schemeClr val="accent5"/>
+          </a:effectRef>
+          <a:fontRef idx="minor">
+            <a:schemeClr val="lt1"/>
+          </a:fontRef>
+        </p:style>
+        <p:txBody>
+          <a:bodyPr rtlCol="0" anchor="ctr"/>
+          <a:lstStyle/>
+          <a:p>
+            <a:pPr algn="ctr"/>
+            <a:r>
+              <a:rPr lang="es-MX" dirty="0"/>
+              <a:t>Venta</a:t>
+            </a:r>
+          </a:p>
+        </p:txBody>
+      </p:sp>
+      <p:sp>
+        <p:nvSpPr>
+          <p:cNvPr id="9" name="Rectángulo 8">
+            <a:extLst>
+              <a:ext uri="{FF2B5EF4-FFF2-40B4-BE49-F238E27FC236}">
+                <a16:creationId xmlns:a16="http://schemas.microsoft.com/office/drawing/2014/main" id="{3AD50EBC-6C2F-4516-8562-1A9B7AA0EC6A}"/>
+              </a:ext>
+            </a:extLst>
+          </p:cNvPr>
+          <p:cNvSpPr/>
+          <p:nvPr/>
+        </p:nvSpPr>
+        <p:spPr>
+          <a:xfrm>
+            <a:off x="4201236" y="2313295"/>
+            <a:ext cx="3789528" cy="2231409"/>
+          </a:xfrm>
+          <a:prstGeom prst="rect">
+            <a:avLst/>
+          </a:prstGeom>
+          <a:solidFill>
+            <a:schemeClr val="bg1"/>
+          </a:solidFill>
+          <a:ln>
+            <a:noFill/>
+          </a:ln>
+        </p:spPr>
+        <p:style>
+          <a:lnRef idx="1">
+            <a:schemeClr val="accent1"/>
+          </a:lnRef>
+          <a:fillRef idx="2">
+            <a:schemeClr val="accent1"/>
+          </a:fillRef>
+          <a:effectRef idx="1">
+            <a:schemeClr val="accent1"/>
+          </a:effectRef>
+          <a:fontRef idx="minor">
+            <a:schemeClr val="dk1"/>
+          </a:fontRef>
+        </p:style>
+        <p:txBody>
+          <a:bodyPr rtlCol="0" anchor="ctr"/>
+          <a:lstStyle/>
+          <a:p>
+            <a:pPr algn="ctr"/>
+            <a:r>
+              <a:rPr lang="es-MX" dirty="0"/>
+              <a:t>Texto de bienvenida</a:t>
+            </a:r>
+          </a:p>
+          <a:p>
+            <a:pPr algn="ctr"/>
+            <a:r>
+              <a:rPr lang="es-MX" dirty="0"/>
+              <a:t>Y</a:t>
+            </a:r>
+          </a:p>
+          <a:p>
+            <a:pPr algn="ctr"/>
+            <a:r>
+              <a:rPr lang="es-MX" dirty="0"/>
+              <a:t>Breve explicación</a:t>
+            </a:r>
+          </a:p>
+        </p:txBody>
+      </p:sp>
+    </p:spTree>
+    <p:extLst>
+      <p:ext uri="{BB962C8B-B14F-4D97-AF65-F5344CB8AC3E}">
+        <p14:creationId xmlns:p14="http://schemas.microsoft.com/office/powerpoint/2010/main" val="2279937437"/>
+      </p:ext>
+    </p:extLst>
+  </p:cSld>
+  <p:clrMapOvr>
+    <a:masterClrMapping/>
+  </p:clrMapOvr>
+</p:sld>
+</file>
+
+<file path=ppt/slides/slide11.xml><?xml version="1.0" encoding="utf-8"?>
+<p:sld xmlns:a="http://schemas.openxmlformats.org/drawingml/2006/main" xmlns:r="http://schemas.openxmlformats.org/officeDocument/2006/relationships" xmlns:p="http://schemas.openxmlformats.org/presentationml/2006/main">
+  <p:cSld>
+    <p:spTree>
+      <p:nvGrpSpPr>
+        <p:cNvPr id="1" name=""/>
+        <p:cNvGrpSpPr/>
+        <p:nvPr/>
+      </p:nvGrpSpPr>
+      <p:grpSpPr>
+        <a:xfrm>
+          <a:off x="0" y="0"/>
+          <a:ext cx="0" cy="0"/>
+          <a:chOff x="0" y="0"/>
+          <a:chExt cx="0" cy="0"/>
+        </a:xfrm>
+      </p:grpSpPr>
+      <p:pic>
+        <p:nvPicPr>
+          <p:cNvPr id="10" name="Picture 2">
+            <a:extLst>
+              <a:ext uri="{FF2B5EF4-FFF2-40B4-BE49-F238E27FC236}">
+                <a16:creationId xmlns:a16="http://schemas.microsoft.com/office/drawing/2014/main" id="{F97E4313-B928-45CF-953D-014440A04D69}"/>
+              </a:ext>
+            </a:extLst>
+          </p:cNvPr>
+          <p:cNvPicPr>
+            <a:picLocks noChangeAspect="1" noChangeArrowheads="1"/>
+          </p:cNvPicPr>
+          <p:nvPr/>
+        </p:nvPicPr>
+        <p:blipFill>
+          <a:blip r:embed="rId3">
+            <a:extLst>
+              <a:ext uri="{28A0092B-C50C-407E-A947-70E740481C1C}">
+                <a14:useLocalDpi xmlns:a14="http://schemas.microsoft.com/office/drawing/2010/main" val="0"/>
+              </a:ext>
+            </a:extLst>
+          </a:blip>
+          <a:srcRect/>
+          <a:stretch>
+            <a:fillRect/>
+          </a:stretch>
+        </p:blipFill>
+        <p:spPr bwMode="auto">
+          <a:xfrm>
+            <a:off x="0" y="0"/>
+            <a:ext cx="12192000" cy="6858000"/>
+          </a:xfrm>
+          <a:prstGeom prst="rect">
+            <a:avLst/>
+          </a:prstGeom>
+          <a:noFill/>
+          <a:extLst>
+            <a:ext uri="{909E8E84-426E-40DD-AFC4-6F175D3DCCD1}">
+              <a14:hiddenFill xmlns:a14="http://schemas.microsoft.com/office/drawing/2010/main">
+                <a:solidFill>
+                  <a:srgbClr val="FFFFFF"/>
+                </a:solidFill>
+              </a14:hiddenFill>
+            </a:ext>
+          </a:extLst>
+        </p:spPr>
+      </p:pic>
+      <p:sp>
+        <p:nvSpPr>
+          <p:cNvPr id="2" name="Rectángulo 1">
+            <a:extLst>
+              <a:ext uri="{FF2B5EF4-FFF2-40B4-BE49-F238E27FC236}">
+                <a16:creationId xmlns:a16="http://schemas.microsoft.com/office/drawing/2014/main" id="{59B01730-D6F6-4AB8-A1E7-6B6266866797}"/>
+              </a:ext>
+            </a:extLst>
+          </p:cNvPr>
+          <p:cNvSpPr/>
+          <p:nvPr/>
+        </p:nvSpPr>
+        <p:spPr>
+          <a:xfrm>
+            <a:off x="1" y="0"/>
+            <a:ext cx="12192000" cy="2060812"/>
+          </a:xfrm>
+          <a:prstGeom prst="rect">
+            <a:avLst/>
+          </a:prstGeom>
+          <a:solidFill>
+            <a:schemeClr val="accent1"/>
+          </a:solidFill>
+          <a:ln>
+            <a:noFill/>
+          </a:ln>
+        </p:spPr>
+        <p:style>
+          <a:lnRef idx="2">
+            <a:schemeClr val="accent1">
+              <a:shade val="50000"/>
+            </a:schemeClr>
+          </a:lnRef>
+          <a:fillRef idx="1">
+            <a:schemeClr val="accent1"/>
+          </a:fillRef>
+          <a:effectRef idx="0">
+            <a:schemeClr val="accent1"/>
+          </a:effectRef>
+          <a:fontRef idx="minor">
+            <a:schemeClr val="lt1"/>
+          </a:fontRef>
+        </p:style>
+        <p:txBody>
+          <a:bodyPr rtlCol="0" anchor="ctr"/>
+          <a:lstStyle/>
+          <a:p>
+            <a:pPr algn="ctr"/>
+            <a:endParaRPr lang="es-MX" dirty="0"/>
+          </a:p>
+        </p:txBody>
+      </p:sp>
+      <p:sp>
+        <p:nvSpPr>
+          <p:cNvPr id="3" name="Rectángulo: esquinas redondeadas 2">
+            <a:extLst>
+              <a:ext uri="{FF2B5EF4-FFF2-40B4-BE49-F238E27FC236}">
+                <a16:creationId xmlns:a16="http://schemas.microsoft.com/office/drawing/2014/main" id="{621DA4F7-3F91-4D5B-918E-63448EA177F0}"/>
+              </a:ext>
+            </a:extLst>
+          </p:cNvPr>
+          <p:cNvSpPr/>
+          <p:nvPr/>
+        </p:nvSpPr>
+        <p:spPr>
+          <a:xfrm>
+            <a:off x="561832" y="177419"/>
+            <a:ext cx="1173500" cy="1050879"/>
+          </a:xfrm>
+          <a:prstGeom prst="roundRect">
+            <a:avLst/>
+          </a:prstGeom>
+        </p:spPr>
+        <p:style>
+          <a:lnRef idx="1">
+            <a:schemeClr val="accent2"/>
+          </a:lnRef>
+          <a:fillRef idx="2">
+            <a:schemeClr val="accent2"/>
+          </a:fillRef>
+          <a:effectRef idx="1">
+            <a:schemeClr val="accent2"/>
+          </a:effectRef>
+          <a:fontRef idx="minor">
+            <a:schemeClr val="dk1"/>
+          </a:fontRef>
+        </p:style>
+        <p:txBody>
+          <a:bodyPr rtlCol="0" anchor="ctr"/>
+          <a:lstStyle/>
+          <a:p>
+            <a:pPr algn="ctr"/>
+            <a:r>
+              <a:rPr lang="es-MX" sz="2800" b="1" dirty="0"/>
+              <a:t>LOGO</a:t>
+            </a:r>
+            <a:endParaRPr lang="es-MX" sz="1200" b="1" dirty="0"/>
+          </a:p>
+        </p:txBody>
+      </p:sp>
+      <p:sp>
+        <p:nvSpPr>
+          <p:cNvPr id="4" name="CuadroTexto 3">
+            <a:extLst>
+              <a:ext uri="{FF2B5EF4-FFF2-40B4-BE49-F238E27FC236}">
+                <a16:creationId xmlns:a16="http://schemas.microsoft.com/office/drawing/2014/main" id="{BABAC0A5-4532-433C-A136-652A44CCB19A}"/>
+              </a:ext>
+            </a:extLst>
+          </p:cNvPr>
+          <p:cNvSpPr txBox="1"/>
+          <p:nvPr/>
+        </p:nvSpPr>
+        <p:spPr>
+          <a:xfrm>
+            <a:off x="9455832" y="211541"/>
+            <a:ext cx="2174336" cy="461665"/>
+          </a:xfrm>
+          <a:prstGeom prst="rect">
+            <a:avLst/>
+          </a:prstGeom>
+          <a:noFill/>
+        </p:spPr>
+        <p:txBody>
+          <a:bodyPr wrap="square" rtlCol="0">
+            <a:spAutoFit/>
+          </a:bodyPr>
+          <a:lstStyle/>
+          <a:p>
+            <a:pPr algn="r"/>
+            <a:r>
+              <a:rPr lang="es-MX" sz="2400" dirty="0" err="1"/>
+              <a:t>User</a:t>
+            </a:r>
+            <a:r>
+              <a:rPr lang="es-MX" sz="2400" dirty="0"/>
+              <a:t> </a:t>
+            </a:r>
+            <a:r>
+              <a:rPr lang="es-MX" sz="2400" dirty="0" err="1"/>
+              <a:t>Name</a:t>
+            </a:r>
+            <a:endParaRPr lang="es-MX" sz="2400" dirty="0"/>
+          </a:p>
+        </p:txBody>
+      </p:sp>
+      <p:sp>
+        <p:nvSpPr>
+          <p:cNvPr id="5" name="CuadroTexto 4">
+            <a:extLst>
+              <a:ext uri="{FF2B5EF4-FFF2-40B4-BE49-F238E27FC236}">
+                <a16:creationId xmlns:a16="http://schemas.microsoft.com/office/drawing/2014/main" id="{FD9E610A-FBE1-4931-98C5-7EF6E3E99B41}"/>
+              </a:ext>
+            </a:extLst>
+          </p:cNvPr>
+          <p:cNvSpPr txBox="1"/>
+          <p:nvPr/>
+        </p:nvSpPr>
+        <p:spPr>
+          <a:xfrm flipH="1">
+            <a:off x="8584442" y="941696"/>
+            <a:ext cx="3045726" cy="369332"/>
+          </a:xfrm>
+          <a:prstGeom prst="rect">
+            <a:avLst/>
+          </a:prstGeom>
+          <a:noFill/>
+        </p:spPr>
+        <p:txBody>
+          <a:bodyPr wrap="square" rtlCol="0">
+            <a:spAutoFit/>
+          </a:bodyPr>
+          <a:lstStyle/>
+          <a:p>
+            <a:r>
+              <a:rPr lang="es-MX" dirty="0"/>
+              <a:t>Miércoles, 29 de abril de 2020</a:t>
+            </a:r>
+          </a:p>
+        </p:txBody>
+      </p:sp>
+      <p:sp>
+        <p:nvSpPr>
+          <p:cNvPr id="11" name="Rectángulo 10">
+            <a:extLst>
+              <a:ext uri="{FF2B5EF4-FFF2-40B4-BE49-F238E27FC236}">
+                <a16:creationId xmlns:a16="http://schemas.microsoft.com/office/drawing/2014/main" id="{4712A57A-C1B3-4678-AB53-2811910AC39F}"/>
+              </a:ext>
+            </a:extLst>
+          </p:cNvPr>
+          <p:cNvSpPr/>
+          <p:nvPr/>
+        </p:nvSpPr>
+        <p:spPr>
+          <a:xfrm>
+            <a:off x="1735333" y="2251034"/>
+            <a:ext cx="8445898" cy="4606966"/>
+          </a:xfrm>
+          <a:prstGeom prst="rect">
+            <a:avLst/>
+          </a:prstGeom>
+          <a:solidFill>
+            <a:schemeClr val="bg1"/>
+          </a:solidFill>
+          <a:ln>
+            <a:noFill/>
+          </a:ln>
+        </p:spPr>
+        <p:style>
+          <a:lnRef idx="1">
+            <a:schemeClr val="accent1"/>
+          </a:lnRef>
+          <a:fillRef idx="2">
+            <a:schemeClr val="accent1"/>
+          </a:fillRef>
+          <a:effectRef idx="1">
+            <a:schemeClr val="accent1"/>
+          </a:effectRef>
+          <a:fontRef idx="minor">
+            <a:schemeClr val="dk1"/>
+          </a:fontRef>
+        </p:style>
+        <p:txBody>
+          <a:bodyPr rtlCol="0" anchor="ctr"/>
+          <a:lstStyle/>
+          <a:p>
+            <a:pPr algn="ctr"/>
+            <a:endParaRPr lang="es-MX"/>
+          </a:p>
+        </p:txBody>
+      </p:sp>
+      <p:sp>
+        <p:nvSpPr>
+          <p:cNvPr id="12" name="CuadroTexto 11">
+            <a:extLst>
+              <a:ext uri="{FF2B5EF4-FFF2-40B4-BE49-F238E27FC236}">
+                <a16:creationId xmlns:a16="http://schemas.microsoft.com/office/drawing/2014/main" id="{BEC64E75-25B1-4F39-A2EE-BFFCBB1246B4}"/>
+              </a:ext>
+            </a:extLst>
+          </p:cNvPr>
+          <p:cNvSpPr txBox="1"/>
+          <p:nvPr/>
+        </p:nvSpPr>
+        <p:spPr>
+          <a:xfrm>
+            <a:off x="4164841" y="2430142"/>
+            <a:ext cx="3862317" cy="523220"/>
+          </a:xfrm>
+          <a:prstGeom prst="rect">
+            <a:avLst/>
+          </a:prstGeom>
+          <a:noFill/>
+        </p:spPr>
+        <p:txBody>
+          <a:bodyPr wrap="square" rtlCol="0">
+            <a:spAutoFit/>
+          </a:bodyPr>
+          <a:lstStyle/>
+          <a:p>
+            <a:pPr algn="ctr"/>
+            <a:r>
+              <a:rPr lang="es-MX" sz="2800" dirty="0"/>
+              <a:t>Lista de productos</a:t>
+            </a:r>
+          </a:p>
+        </p:txBody>
+      </p:sp>
+      <p:sp>
+        <p:nvSpPr>
+          <p:cNvPr id="13" name="Rectángulo: esquinas redondeadas 12">
+            <a:extLst>
+              <a:ext uri="{FF2B5EF4-FFF2-40B4-BE49-F238E27FC236}">
+                <a16:creationId xmlns:a16="http://schemas.microsoft.com/office/drawing/2014/main" id="{4594CF18-72ED-4D79-AFD6-A0F33278D4F1}"/>
+              </a:ext>
+            </a:extLst>
+          </p:cNvPr>
+          <p:cNvSpPr/>
+          <p:nvPr/>
+        </p:nvSpPr>
+        <p:spPr>
+          <a:xfrm>
+            <a:off x="3952163" y="3002508"/>
+            <a:ext cx="4287671" cy="426492"/>
+          </a:xfrm>
+          <a:prstGeom prst="roundRect">
+            <a:avLst/>
+          </a:prstGeom>
+          <a:solidFill>
+            <a:schemeClr val="bg1"/>
+          </a:solidFill>
+          <a:ln>
+            <a:solidFill>
+              <a:schemeClr val="tx1"/>
+            </a:solidFill>
+          </a:ln>
+        </p:spPr>
+        <p:style>
+          <a:lnRef idx="2">
+            <a:schemeClr val="accent1">
+              <a:shade val="50000"/>
+            </a:schemeClr>
+          </a:lnRef>
+          <a:fillRef idx="1">
+            <a:schemeClr val="accent1"/>
+          </a:fillRef>
+          <a:effectRef idx="0">
+            <a:schemeClr val="accent1"/>
+          </a:effectRef>
+          <a:fontRef idx="minor">
+            <a:schemeClr val="lt1"/>
+          </a:fontRef>
+        </p:style>
+        <p:txBody>
+          <a:bodyPr rtlCol="0" anchor="ctr"/>
+          <a:lstStyle/>
+          <a:p>
+            <a:r>
+              <a:rPr lang="es-MX" dirty="0">
+                <a:solidFill>
+                  <a:schemeClr val="bg2">
+                    <a:lumMod val="90000"/>
+                  </a:schemeClr>
+                </a:solidFill>
+              </a:rPr>
+              <a:t>Palabra</a:t>
+            </a:r>
+          </a:p>
+        </p:txBody>
+      </p:sp>
+      <p:sp>
+        <p:nvSpPr>
+          <p:cNvPr id="14" name="Rectángulo: esquinas redondeadas 13">
+            <a:extLst>
+              <a:ext uri="{FF2B5EF4-FFF2-40B4-BE49-F238E27FC236}">
+                <a16:creationId xmlns:a16="http://schemas.microsoft.com/office/drawing/2014/main" id="{D37DC2B6-D082-4485-AA27-8E216A37CC82}"/>
+              </a:ext>
+            </a:extLst>
+          </p:cNvPr>
+          <p:cNvSpPr/>
+          <p:nvPr/>
+        </p:nvSpPr>
+        <p:spPr>
+          <a:xfrm>
+            <a:off x="6844560" y="3002508"/>
+            <a:ext cx="1392071" cy="426491"/>
+          </a:xfrm>
+          <a:prstGeom prst="roundRect">
+            <a:avLst/>
+          </a:prstGeom>
+        </p:spPr>
+        <p:style>
+          <a:lnRef idx="1">
+            <a:schemeClr val="accent4"/>
+          </a:lnRef>
+          <a:fillRef idx="2">
+            <a:schemeClr val="accent4"/>
+          </a:fillRef>
+          <a:effectRef idx="1">
+            <a:schemeClr val="accent4"/>
+          </a:effectRef>
+          <a:fontRef idx="minor">
+            <a:schemeClr val="dk1"/>
+          </a:fontRef>
+        </p:style>
+        <p:txBody>
+          <a:bodyPr rtlCol="0" anchor="ctr"/>
+          <a:lstStyle/>
+          <a:p>
+            <a:pPr algn="ctr"/>
+            <a:r>
+              <a:rPr lang="es-MX" dirty="0"/>
+              <a:t>BUSCAR</a:t>
+            </a:r>
+          </a:p>
+        </p:txBody>
+      </p:sp>
+      <p:graphicFrame>
+        <p:nvGraphicFramePr>
+          <p:cNvPr id="15" name="Tabla 15">
+            <a:extLst>
+              <a:ext uri="{FF2B5EF4-FFF2-40B4-BE49-F238E27FC236}">
+                <a16:creationId xmlns:a16="http://schemas.microsoft.com/office/drawing/2014/main" id="{06A2D3FA-763C-4C7E-BAA5-F901FBE6998B}"/>
+              </a:ext>
+            </a:extLst>
+          </p:cNvPr>
+          <p:cNvGraphicFramePr>
+            <a:graphicFrameLocks noGrp="1"/>
+          </p:cNvGraphicFramePr>
+          <p:nvPr/>
+        </p:nvGraphicFramePr>
+        <p:xfrm>
+          <a:off x="1894282" y="3809633"/>
+          <a:ext cx="8127999" cy="1483360"/>
+        </p:xfrm>
+        <a:graphic>
+          <a:graphicData uri="http://schemas.openxmlformats.org/drawingml/2006/table">
+            <a:tbl>
+              <a:tblPr firstRow="1" bandRow="1">
+                <a:tableStyleId>{85BE263C-DBD7-4A20-BB59-AAB30ACAA65A}</a:tableStyleId>
+              </a:tblPr>
+              <a:tblGrid>
+                <a:gridCol w="2022625">
+                  <a:extLst>
+                    <a:ext uri="{9D8B030D-6E8A-4147-A177-3AD203B41FA5}">
+                      <a16:colId xmlns:a16="http://schemas.microsoft.com/office/drawing/2014/main" val="4028176154"/>
+                    </a:ext>
+                  </a:extLst>
+                </a:gridCol>
+                <a:gridCol w="4299045">
+                  <a:extLst>
+                    <a:ext uri="{9D8B030D-6E8A-4147-A177-3AD203B41FA5}">
+                      <a16:colId xmlns:a16="http://schemas.microsoft.com/office/drawing/2014/main" val="1659947262"/>
+                    </a:ext>
+                  </a:extLst>
+                </a:gridCol>
+                <a:gridCol w="1806329">
+                  <a:extLst>
+                    <a:ext uri="{9D8B030D-6E8A-4147-A177-3AD203B41FA5}">
+                      <a16:colId xmlns:a16="http://schemas.microsoft.com/office/drawing/2014/main" val="610500583"/>
+                    </a:ext>
+                  </a:extLst>
+                </a:gridCol>
+              </a:tblGrid>
+              <a:tr h="370840">
+                <a:tc>
+                  <a:txBody>
+                    <a:bodyPr/>
+                    <a:lstStyle/>
+                    <a:p>
+                      <a:pPr algn="ctr"/>
+                      <a:r>
+                        <a:rPr lang="es-MX" dirty="0"/>
+                        <a:t>Clave</a:t>
+                      </a:r>
+                    </a:p>
+                  </a:txBody>
+                  <a:tcPr anchor="ctr"/>
+                </a:tc>
+                <a:tc>
+                  <a:txBody>
+                    <a:bodyPr/>
+                    <a:lstStyle/>
+                    <a:p>
+                      <a:pPr algn="ctr"/>
+                      <a:r>
+                        <a:rPr lang="es-MX" dirty="0"/>
+                        <a:t>Descripción</a:t>
+                      </a:r>
+                    </a:p>
+                  </a:txBody>
+                  <a:tcPr anchor="ctr"/>
+                </a:tc>
+                <a:tc>
+                  <a:txBody>
+                    <a:bodyPr/>
+                    <a:lstStyle/>
+                    <a:p>
+                      <a:pPr algn="ctr"/>
+                      <a:r>
+                        <a:rPr lang="es-MX" dirty="0"/>
+                        <a:t>Seleccionar</a:t>
+                      </a:r>
+                    </a:p>
+                  </a:txBody>
+                  <a:tcPr anchor="ctr"/>
+                </a:tc>
+                <a:extLst>
+                  <a:ext uri="{0D108BD9-81ED-4DB2-BD59-A6C34878D82A}">
+                    <a16:rowId xmlns:a16="http://schemas.microsoft.com/office/drawing/2014/main" val="234008647"/>
+                  </a:ext>
+                </a:extLst>
+              </a:tr>
+              <a:tr h="370840">
+                <a:tc>
+                  <a:txBody>
+                    <a:bodyPr/>
+                    <a:lstStyle/>
+                    <a:p>
+                      <a:pPr algn="ctr"/>
+                      <a:r>
+                        <a:rPr lang="es-MX" dirty="0"/>
+                        <a:t>1234</a:t>
+                      </a:r>
+                    </a:p>
+                  </a:txBody>
+                  <a:tcPr anchor="ctr"/>
+                </a:tc>
+                <a:tc>
+                  <a:txBody>
+                    <a:bodyPr/>
+                    <a:lstStyle/>
+                    <a:p>
+                      <a:pPr algn="ctr"/>
+                      <a:r>
+                        <a:rPr lang="es-MX" dirty="0"/>
+                        <a:t>Ejemplo 1</a:t>
+                      </a:r>
+                    </a:p>
+                  </a:txBody>
+                  <a:tcPr anchor="ctr"/>
+                </a:tc>
+                <a:tc>
+                  <a:txBody>
+                    <a:bodyPr/>
+                    <a:lstStyle/>
+                    <a:p>
+                      <a:pPr algn="ctr"/>
+                      <a:r>
+                        <a:rPr lang="es-MX" dirty="0">
+                          <a:solidFill>
+                            <a:srgbClr val="002060"/>
+                          </a:solidFill>
+                        </a:rPr>
+                        <a:t>Seleccionar</a:t>
+                      </a:r>
+                    </a:p>
+                  </a:txBody>
+                  <a:tcPr anchor="ctr"/>
+                </a:tc>
+                <a:extLst>
+                  <a:ext uri="{0D108BD9-81ED-4DB2-BD59-A6C34878D82A}">
+                    <a16:rowId xmlns:a16="http://schemas.microsoft.com/office/drawing/2014/main" val="1704262927"/>
+                  </a:ext>
+                </a:extLst>
+              </a:tr>
+              <a:tr h="370840">
+                <a:tc>
+                  <a:txBody>
+                    <a:bodyPr/>
+                    <a:lstStyle/>
+                    <a:p>
+                      <a:pPr algn="ctr"/>
+                      <a:r>
+                        <a:rPr lang="es-MX" dirty="0"/>
+                        <a:t>4567</a:t>
+                      </a:r>
+                    </a:p>
+                  </a:txBody>
+                  <a:tcPr anchor="ctr"/>
+                </a:tc>
+                <a:tc>
+                  <a:txBody>
+                    <a:bodyPr/>
+                    <a:lstStyle/>
+                    <a:p>
+                      <a:pPr algn="ctr"/>
+                      <a:r>
+                        <a:rPr lang="es-MX" dirty="0"/>
+                        <a:t>Ejemplo 2</a:t>
+                      </a:r>
+                    </a:p>
+                  </a:txBody>
+                  <a:tcPr anchor="ctr"/>
+                </a:tc>
+                <a:tc>
+                  <a:txBody>
+                    <a:bodyPr/>
+                    <a:lstStyle/>
+                    <a:p>
+                      <a:pPr algn="ctr"/>
+                      <a:r>
+                        <a:rPr lang="es-MX" dirty="0">
+                          <a:solidFill>
+                            <a:srgbClr val="002060"/>
+                          </a:solidFill>
+                        </a:rPr>
+                        <a:t>Seleccionar</a:t>
+                      </a:r>
+                    </a:p>
+                  </a:txBody>
+                  <a:tcPr anchor="ctr"/>
+                </a:tc>
+                <a:extLst>
+                  <a:ext uri="{0D108BD9-81ED-4DB2-BD59-A6C34878D82A}">
+                    <a16:rowId xmlns:a16="http://schemas.microsoft.com/office/drawing/2014/main" val="1560373243"/>
+                  </a:ext>
+                </a:extLst>
+              </a:tr>
+              <a:tr h="370840">
+                <a:tc>
+                  <a:txBody>
+                    <a:bodyPr/>
+                    <a:lstStyle/>
+                    <a:p>
+                      <a:pPr algn="ctr"/>
+                      <a:r>
+                        <a:rPr lang="es-MX" dirty="0"/>
+                        <a:t>7890</a:t>
+                      </a:r>
+                    </a:p>
+                  </a:txBody>
+                  <a:tcPr anchor="ctr"/>
+                </a:tc>
+                <a:tc>
+                  <a:txBody>
+                    <a:bodyPr/>
+                    <a:lstStyle/>
+                    <a:p>
+                      <a:pPr algn="ctr"/>
+                      <a:r>
+                        <a:rPr lang="es-MX" dirty="0"/>
+                        <a:t>Ejemplo 3</a:t>
+                      </a:r>
+                    </a:p>
+                  </a:txBody>
+                  <a:tcPr anchor="ctr"/>
+                </a:tc>
+                <a:tc>
+                  <a:txBody>
+                    <a:bodyPr/>
+                    <a:lstStyle/>
+                    <a:p>
+                      <a:pPr algn="ctr"/>
+                      <a:r>
+                        <a:rPr lang="es-MX" dirty="0">
+                          <a:solidFill>
+                            <a:srgbClr val="002060"/>
+                          </a:solidFill>
+                        </a:rPr>
+                        <a:t>Seleccionar</a:t>
+                      </a:r>
+                    </a:p>
+                  </a:txBody>
+                  <a:tcPr anchor="ctr"/>
+                </a:tc>
+                <a:extLst>
+                  <a:ext uri="{0D108BD9-81ED-4DB2-BD59-A6C34878D82A}">
+                    <a16:rowId xmlns:a16="http://schemas.microsoft.com/office/drawing/2014/main" val="3685194693"/>
+                  </a:ext>
+                </a:extLst>
+              </a:tr>
+            </a:tbl>
+          </a:graphicData>
+        </a:graphic>
+      </p:graphicFrame>
+      <p:sp>
+        <p:nvSpPr>
+          <p:cNvPr id="16" name="Rectángulo: esquinas superiores redondeadas 15">
+            <a:extLst>
+              <a:ext uri="{FF2B5EF4-FFF2-40B4-BE49-F238E27FC236}">
+                <a16:creationId xmlns:a16="http://schemas.microsoft.com/office/drawing/2014/main" id="{B51CCE0D-4D89-4D99-884B-6ABDD0A69D9F}"/>
+              </a:ext>
+            </a:extLst>
+          </p:cNvPr>
+          <p:cNvSpPr/>
+          <p:nvPr/>
+        </p:nvSpPr>
+        <p:spPr>
+          <a:xfrm>
+            <a:off x="4255828" y="1501252"/>
+            <a:ext cx="1501254" cy="559559"/>
+          </a:xfrm>
+          <a:prstGeom prst="round2SameRect">
+            <a:avLst/>
+          </a:prstGeom>
+          <a:ln/>
+        </p:spPr>
+        <p:style>
+          <a:lnRef idx="3">
+            <a:schemeClr val="lt1"/>
+          </a:lnRef>
+          <a:fillRef idx="1">
+            <a:schemeClr val="accent6"/>
+          </a:fillRef>
+          <a:effectRef idx="1">
+            <a:schemeClr val="accent6"/>
+          </a:effectRef>
+          <a:fontRef idx="minor">
+            <a:schemeClr val="lt1"/>
+          </a:fontRef>
+        </p:style>
+        <p:txBody>
+          <a:bodyPr rtlCol="0" anchor="ctr"/>
+          <a:lstStyle/>
+          <a:p>
+            <a:pPr algn="ctr"/>
+            <a:r>
+              <a:rPr lang="es-MX" dirty="0"/>
+              <a:t>Productos</a:t>
+            </a:r>
+          </a:p>
+        </p:txBody>
+      </p:sp>
+      <p:sp>
+        <p:nvSpPr>
+          <p:cNvPr id="18" name="Rectángulo: esquinas superiores redondeadas 17">
+            <a:extLst>
+              <a:ext uri="{FF2B5EF4-FFF2-40B4-BE49-F238E27FC236}">
+                <a16:creationId xmlns:a16="http://schemas.microsoft.com/office/drawing/2014/main" id="{AC07F985-5597-42BC-8DAD-9A16164362ED}"/>
+              </a:ext>
+            </a:extLst>
+          </p:cNvPr>
+          <p:cNvSpPr/>
+          <p:nvPr/>
+        </p:nvSpPr>
+        <p:spPr>
+          <a:xfrm>
+            <a:off x="6434919" y="1501252"/>
+            <a:ext cx="1501254" cy="559559"/>
+          </a:xfrm>
+          <a:prstGeom prst="round2SameRect">
+            <a:avLst/>
+          </a:prstGeom>
+          <a:ln/>
+        </p:spPr>
+        <p:style>
+          <a:lnRef idx="3">
+            <a:schemeClr val="lt1"/>
+          </a:lnRef>
+          <a:fillRef idx="1">
+            <a:schemeClr val="accent5"/>
+          </a:fillRef>
+          <a:effectRef idx="1">
+            <a:schemeClr val="accent5"/>
+          </a:effectRef>
+          <a:fontRef idx="minor">
+            <a:schemeClr val="lt1"/>
+          </a:fontRef>
+        </p:style>
+        <p:txBody>
+          <a:bodyPr rtlCol="0" anchor="ctr"/>
+          <a:lstStyle/>
+          <a:p>
+            <a:pPr algn="ctr"/>
+            <a:r>
+              <a:rPr lang="es-MX" dirty="0"/>
+              <a:t>Venta</a:t>
+            </a:r>
+          </a:p>
+        </p:txBody>
+      </p:sp>
+    </p:spTree>
+    <p:extLst>
+      <p:ext uri="{BB962C8B-B14F-4D97-AF65-F5344CB8AC3E}">
+        <p14:creationId xmlns:p14="http://schemas.microsoft.com/office/powerpoint/2010/main" val="1599209452"/>
+      </p:ext>
+    </p:extLst>
+  </p:cSld>
+  <p:clrMapOvr>
+    <a:masterClrMapping/>
+  </p:clrMapOvr>
+</p:sld>
+</file>
+
+<file path=ppt/slides/slide12.xml><?xml version="1.0" encoding="utf-8"?>
+<p:sld xmlns:a="http://schemas.openxmlformats.org/drawingml/2006/main" xmlns:r="http://schemas.openxmlformats.org/officeDocument/2006/relationships" xmlns:p="http://schemas.openxmlformats.org/presentationml/2006/main">
+  <p:cSld>
+    <p:spTree>
+      <p:nvGrpSpPr>
+        <p:cNvPr id="1" name=""/>
+        <p:cNvGrpSpPr/>
+        <p:nvPr/>
+      </p:nvGrpSpPr>
+      <p:grpSpPr>
+        <a:xfrm>
+          <a:off x="0" y="0"/>
+          <a:ext cx="0" cy="0"/>
+          <a:chOff x="0" y="0"/>
+          <a:chExt cx="0" cy="0"/>
+        </a:xfrm>
+      </p:grpSpPr>
+      <p:pic>
+        <p:nvPicPr>
+          <p:cNvPr id="10" name="Picture 2">
+            <a:extLst>
+              <a:ext uri="{FF2B5EF4-FFF2-40B4-BE49-F238E27FC236}">
+                <a16:creationId xmlns:a16="http://schemas.microsoft.com/office/drawing/2014/main" id="{F97E4313-B928-45CF-953D-014440A04D69}"/>
+              </a:ext>
+            </a:extLst>
+          </p:cNvPr>
+          <p:cNvPicPr>
+            <a:picLocks noChangeAspect="1" noChangeArrowheads="1"/>
+          </p:cNvPicPr>
+          <p:nvPr/>
+        </p:nvPicPr>
+        <p:blipFill>
+          <a:blip r:embed="rId3">
             <a:extLst>
               <a:ext uri="{28A0092B-C50C-407E-A947-70E740481C1C}">
                 <a14:useLocalDpi xmlns:a14="http://schemas.microsoft.com/office/drawing/2010/main" val="0"/>
@@ -4646,7 +7204,7 @@
 </p:sld>
 </file>
 
-<file path=ppt/slides/slide11.xml><?xml version="1.0" encoding="utf-8"?>
+<file path=ppt/slides/slide13.xml><?xml version="1.0" encoding="utf-8"?>
 <p:sld xmlns:a="http://schemas.openxmlformats.org/drawingml/2006/main" xmlns:r="http://schemas.openxmlformats.org/officeDocument/2006/relationships" xmlns:p="http://schemas.openxmlformats.org/presentationml/2006/main">
   <p:cSld>
     <p:spTree>
@@ -4678,7 +7236,7 @@
           <p:nvPr/>
         </p:nvPicPr>
         <p:blipFill>
-          <a:blip r:embed="rId2">
+          <a:blip r:embed="rId3">
             <a:extLst>
               <a:ext uri="{28A0092B-C50C-407E-A947-70E740481C1C}">
                 <a14:useLocalDpi xmlns:a14="http://schemas.microsoft.com/office/drawing/2010/main" val="0"/>
@@ -5890,7 +8448,65 @@
 </p:sld>
 </file>
 
-<file path=ppt/slides/slide12.xml><?xml version="1.0" encoding="utf-8"?>
+<file path=ppt/slides/slide14.xml><?xml version="1.0" encoding="utf-8"?>
+<p:sld xmlns:a="http://schemas.openxmlformats.org/drawingml/2006/main" xmlns:r="http://schemas.openxmlformats.org/officeDocument/2006/relationships" xmlns:p="http://schemas.openxmlformats.org/presentationml/2006/main">
+  <p:cSld>
+    <p:spTree>
+      <p:nvGrpSpPr>
+        <p:cNvPr id="1" name=""/>
+        <p:cNvGrpSpPr/>
+        <p:nvPr/>
+      </p:nvGrpSpPr>
+      <p:grpSpPr>
+        <a:xfrm>
+          <a:off x="0" y="0"/>
+          <a:ext cx="0" cy="0"/>
+          <a:chOff x="0" y="0"/>
+          <a:chExt cx="0" cy="0"/>
+        </a:xfrm>
+      </p:grpSpPr>
+      <p:sp>
+        <p:nvSpPr>
+          <p:cNvPr id="2" name="Título 1">
+            <a:extLst>
+              <a:ext uri="{FF2B5EF4-FFF2-40B4-BE49-F238E27FC236}">
+                <a16:creationId xmlns:a16="http://schemas.microsoft.com/office/drawing/2014/main" id="{83C1DB2A-295D-4B56-8581-8527B149BB25}"/>
+              </a:ext>
+            </a:extLst>
+          </p:cNvPr>
+          <p:cNvSpPr>
+            <a:spLocks noGrp="1"/>
+          </p:cNvSpPr>
+          <p:nvPr>
+            <p:ph type="ctrTitle"/>
+          </p:nvPr>
+        </p:nvSpPr>
+        <p:spPr/>
+        <p:txBody>
+          <a:bodyPr/>
+          <a:lstStyle/>
+          <a:p>
+            <a:r>
+              <a:rPr lang="es-MX" dirty="0"/>
+              <a:t>Recursos utilizados para el diseño</a:t>
+            </a:r>
+          </a:p>
+        </p:txBody>
+      </p:sp>
+    </p:spTree>
+    <p:extLst>
+      <p:ext uri="{BB962C8B-B14F-4D97-AF65-F5344CB8AC3E}">
+        <p14:creationId xmlns:p14="http://schemas.microsoft.com/office/powerpoint/2010/main" val="4004251927"/>
+      </p:ext>
+    </p:extLst>
+  </p:cSld>
+  <p:clrMapOvr>
+    <a:masterClrMapping/>
+  </p:clrMapOvr>
+</p:sld>
+</file>
+
+<file path=ppt/slides/slide15.xml><?xml version="1.0" encoding="utf-8"?>
 <p:sld xmlns:a="http://schemas.openxmlformats.org/drawingml/2006/main" xmlns:r="http://schemas.openxmlformats.org/officeDocument/2006/relationships" xmlns:p="http://schemas.openxmlformats.org/presentationml/2006/main">
   <p:cSld>
     <p:spTree>
@@ -5967,7 +8583,7 @@
 </p:sld>
 </file>
 
-<file path=ppt/slides/slide13.xml><?xml version="1.0" encoding="utf-8"?>
+<file path=ppt/slides/slide16.xml><?xml version="1.0" encoding="utf-8"?>
 <p:sld xmlns:a="http://schemas.openxmlformats.org/drawingml/2006/main" xmlns:r="http://schemas.openxmlformats.org/officeDocument/2006/relationships" xmlns:p="http://schemas.openxmlformats.org/presentationml/2006/main">
   <p:cSld>
     <p:spTree>
@@ -6168,6 +8784,297 @@
     <p:extLst>
       <p:ext uri="{BB962C8B-B14F-4D97-AF65-F5344CB8AC3E}">
         <p14:creationId xmlns:p14="http://schemas.microsoft.com/office/powerpoint/2010/main" val="2747025051"/>
+      </p:ext>
+    </p:extLst>
+  </p:cSld>
+  <p:clrMapOvr>
+    <a:masterClrMapping/>
+  </p:clrMapOvr>
+</p:sld>
+</file>
+
+<file path=ppt/slides/slide17.xml><?xml version="1.0" encoding="utf-8"?>
+<p:sld xmlns:a="http://schemas.openxmlformats.org/drawingml/2006/main" xmlns:r="http://schemas.openxmlformats.org/officeDocument/2006/relationships" xmlns:p="http://schemas.openxmlformats.org/presentationml/2006/main">
+  <p:cSld>
+    <p:spTree>
+      <p:nvGrpSpPr>
+        <p:cNvPr id="1" name=""/>
+        <p:cNvGrpSpPr/>
+        <p:nvPr/>
+      </p:nvGrpSpPr>
+      <p:grpSpPr>
+        <a:xfrm>
+          <a:off x="0" y="0"/>
+          <a:ext cx="0" cy="0"/>
+          <a:chOff x="0" y="0"/>
+          <a:chExt cx="0" cy="0"/>
+        </a:xfrm>
+      </p:grpSpPr>
+      <p:sp>
+        <p:nvSpPr>
+          <p:cNvPr id="2" name="Rectángulo 1">
+            <a:extLst>
+              <a:ext uri="{FF2B5EF4-FFF2-40B4-BE49-F238E27FC236}">
+                <a16:creationId xmlns:a16="http://schemas.microsoft.com/office/drawing/2014/main" id="{0EB50BEC-0E39-4583-9759-E2FF869577F0}"/>
+              </a:ext>
+            </a:extLst>
+          </p:cNvPr>
+          <p:cNvSpPr/>
+          <p:nvPr/>
+        </p:nvSpPr>
+        <p:spPr>
+          <a:xfrm>
+            <a:off x="1321466" y="2013345"/>
+            <a:ext cx="3741821" cy="733926"/>
+          </a:xfrm>
+          <a:prstGeom prst="rect">
+            <a:avLst/>
+          </a:prstGeom>
+        </p:spPr>
+        <p:style>
+          <a:lnRef idx="2">
+            <a:schemeClr val="accent2">
+              <a:shade val="50000"/>
+            </a:schemeClr>
+          </a:lnRef>
+          <a:fillRef idx="1">
+            <a:schemeClr val="accent2"/>
+          </a:fillRef>
+          <a:effectRef idx="0">
+            <a:schemeClr val="accent2"/>
+          </a:effectRef>
+          <a:fontRef idx="minor">
+            <a:schemeClr val="lt1"/>
+          </a:fontRef>
+        </p:style>
+        <p:txBody>
+          <a:bodyPr rtlCol="0" anchor="ctr"/>
+          <a:lstStyle/>
+          <a:p>
+            <a:pPr algn="ctr"/>
+            <a:r>
+              <a:rPr lang="es-MX" dirty="0">
+                <a:solidFill>
+                  <a:schemeClr val="tx1"/>
+                </a:solidFill>
+              </a:rPr>
+              <a:t>#69CCDE</a:t>
+            </a:r>
+          </a:p>
+        </p:txBody>
+      </p:sp>
+      <p:sp>
+        <p:nvSpPr>
+          <p:cNvPr id="3" name="Rectángulo 2">
+            <a:extLst>
+              <a:ext uri="{FF2B5EF4-FFF2-40B4-BE49-F238E27FC236}">
+                <a16:creationId xmlns:a16="http://schemas.microsoft.com/office/drawing/2014/main" id="{E357E70A-AA67-4389-BF27-BABB5F6027AA}"/>
+              </a:ext>
+            </a:extLst>
+          </p:cNvPr>
+          <p:cNvSpPr/>
+          <p:nvPr/>
+        </p:nvSpPr>
+        <p:spPr>
+          <a:xfrm>
+            <a:off x="1321466" y="5159421"/>
+            <a:ext cx="3741821" cy="733926"/>
+          </a:xfrm>
+          <a:prstGeom prst="rect">
+            <a:avLst/>
+          </a:prstGeom>
+        </p:spPr>
+        <p:style>
+          <a:lnRef idx="2">
+            <a:schemeClr val="accent6">
+              <a:shade val="50000"/>
+            </a:schemeClr>
+          </a:lnRef>
+          <a:fillRef idx="1">
+            <a:schemeClr val="accent6"/>
+          </a:fillRef>
+          <a:effectRef idx="0">
+            <a:schemeClr val="accent6"/>
+          </a:effectRef>
+          <a:fontRef idx="minor">
+            <a:schemeClr val="lt1"/>
+          </a:fontRef>
+        </p:style>
+        <p:txBody>
+          <a:bodyPr rtlCol="0" anchor="ctr"/>
+          <a:lstStyle/>
+          <a:p>
+            <a:pPr algn="ctr"/>
+            <a:r>
+              <a:rPr lang="es-MX" dirty="0"/>
+              <a:t>#BF5867</a:t>
+            </a:r>
+          </a:p>
+        </p:txBody>
+      </p:sp>
+      <p:sp>
+        <p:nvSpPr>
+          <p:cNvPr id="4" name="Rectángulo 3">
+            <a:extLst>
+              <a:ext uri="{FF2B5EF4-FFF2-40B4-BE49-F238E27FC236}">
+                <a16:creationId xmlns:a16="http://schemas.microsoft.com/office/drawing/2014/main" id="{01056A7B-BF63-4015-AEFC-337BE27BC8F2}"/>
+              </a:ext>
+            </a:extLst>
+          </p:cNvPr>
+          <p:cNvSpPr/>
+          <p:nvPr/>
+        </p:nvSpPr>
+        <p:spPr>
+          <a:xfrm>
+            <a:off x="1321466" y="964653"/>
+            <a:ext cx="3741821" cy="733926"/>
+          </a:xfrm>
+          <a:prstGeom prst="rect">
+            <a:avLst/>
+          </a:prstGeom>
+        </p:spPr>
+        <p:style>
+          <a:lnRef idx="2">
+            <a:schemeClr val="accent1">
+              <a:shade val="50000"/>
+            </a:schemeClr>
+          </a:lnRef>
+          <a:fillRef idx="1">
+            <a:schemeClr val="accent1"/>
+          </a:fillRef>
+          <a:effectRef idx="0">
+            <a:schemeClr val="accent1"/>
+          </a:effectRef>
+          <a:fontRef idx="minor">
+            <a:schemeClr val="lt1"/>
+          </a:fontRef>
+        </p:style>
+        <p:txBody>
+          <a:bodyPr rtlCol="0" anchor="ctr"/>
+          <a:lstStyle/>
+          <a:p>
+            <a:pPr algn="ctr"/>
+            <a:r>
+              <a:rPr lang="es-MX" dirty="0">
+                <a:solidFill>
+                  <a:schemeClr val="tx1"/>
+                </a:solidFill>
+              </a:rPr>
+              <a:t>#BFFAF7</a:t>
+            </a:r>
+          </a:p>
+        </p:txBody>
+      </p:sp>
+      <p:sp>
+        <p:nvSpPr>
+          <p:cNvPr id="5" name="Rectángulo 4">
+            <a:extLst>
+              <a:ext uri="{FF2B5EF4-FFF2-40B4-BE49-F238E27FC236}">
+                <a16:creationId xmlns:a16="http://schemas.microsoft.com/office/drawing/2014/main" id="{42B8E5A5-9FB3-43BF-81AD-913F9AB0C1D0}"/>
+              </a:ext>
+            </a:extLst>
+          </p:cNvPr>
+          <p:cNvSpPr/>
+          <p:nvPr/>
+        </p:nvSpPr>
+        <p:spPr>
+          <a:xfrm>
+            <a:off x="1321467" y="3062037"/>
+            <a:ext cx="3741821" cy="733926"/>
+          </a:xfrm>
+          <a:prstGeom prst="rect">
+            <a:avLst/>
+          </a:prstGeom>
+        </p:spPr>
+        <p:style>
+          <a:lnRef idx="2">
+            <a:schemeClr val="accent3">
+              <a:shade val="50000"/>
+            </a:schemeClr>
+          </a:lnRef>
+          <a:fillRef idx="1">
+            <a:schemeClr val="accent3"/>
+          </a:fillRef>
+          <a:effectRef idx="0">
+            <a:schemeClr val="accent3"/>
+          </a:effectRef>
+          <a:fontRef idx="minor">
+            <a:schemeClr val="lt1"/>
+          </a:fontRef>
+        </p:style>
+        <p:txBody>
+          <a:bodyPr rtlCol="0" anchor="ctr"/>
+          <a:lstStyle/>
+          <a:p>
+            <a:pPr algn="ctr"/>
+            <a:r>
+              <a:rPr lang="es-MX" dirty="0">
+                <a:solidFill>
+                  <a:schemeClr val="tx1"/>
+                </a:solidFill>
+              </a:rPr>
+              <a:t>#73DEF2</a:t>
+            </a:r>
+          </a:p>
+        </p:txBody>
+      </p:sp>
+      <p:sp>
+        <p:nvSpPr>
+          <p:cNvPr id="6" name="Rectángulo 5">
+            <a:extLst>
+              <a:ext uri="{FF2B5EF4-FFF2-40B4-BE49-F238E27FC236}">
+                <a16:creationId xmlns:a16="http://schemas.microsoft.com/office/drawing/2014/main" id="{0725E30B-94DE-4F1D-85E2-1EF14A4F7AC8}"/>
+              </a:ext>
+            </a:extLst>
+          </p:cNvPr>
+          <p:cNvSpPr/>
+          <p:nvPr/>
+        </p:nvSpPr>
+        <p:spPr>
+          <a:xfrm>
+            <a:off x="1321467" y="4110729"/>
+            <a:ext cx="3741821" cy="733926"/>
+          </a:xfrm>
+          <a:prstGeom prst="rect">
+            <a:avLst/>
+          </a:prstGeom>
+        </p:spPr>
+        <p:style>
+          <a:lnRef idx="2">
+            <a:schemeClr val="accent4">
+              <a:shade val="50000"/>
+            </a:schemeClr>
+          </a:lnRef>
+          <a:fillRef idx="1">
+            <a:schemeClr val="accent4"/>
+          </a:fillRef>
+          <a:effectRef idx="0">
+            <a:schemeClr val="accent4"/>
+          </a:effectRef>
+          <a:fontRef idx="minor">
+            <a:schemeClr val="lt1"/>
+          </a:fontRef>
+        </p:style>
+        <p:txBody>
+          <a:bodyPr rtlCol="0" anchor="ctr"/>
+          <a:lstStyle/>
+          <a:p>
+            <a:pPr algn="ctr"/>
+            <a:r>
+              <a:rPr lang="es-MX" dirty="0">
+                <a:solidFill>
+                  <a:schemeClr val="tx1"/>
+                </a:solidFill>
+              </a:rPr>
+              <a:t>#7AEAFF</a:t>
+            </a:r>
+          </a:p>
+        </p:txBody>
+      </p:sp>
+    </p:spTree>
+    <p:extLst>
+      <p:ext uri="{BB962C8B-B14F-4D97-AF65-F5344CB8AC3E}">
+        <p14:creationId xmlns:p14="http://schemas.microsoft.com/office/powerpoint/2010/main" val="2457245587"/>
       </p:ext>
     </p:extLst>
   </p:cSld>
@@ -6194,440 +9101,30 @@
           <a:chExt cx="0" cy="0"/>
         </a:xfrm>
       </p:grpSpPr>
-      <p:pic>
-        <p:nvPicPr>
-          <p:cNvPr id="10" name="Picture 2">
-            <a:extLst>
-              <a:ext uri="{FF2B5EF4-FFF2-40B4-BE49-F238E27FC236}">
-                <a16:creationId xmlns:a16="http://schemas.microsoft.com/office/drawing/2014/main" id="{F97E4313-B928-45CF-953D-014440A04D69}"/>
-              </a:ext>
-            </a:extLst>
-          </p:cNvPr>
-          <p:cNvPicPr>
-            <a:picLocks noChangeAspect="1" noChangeArrowheads="1"/>
-          </p:cNvPicPr>
-          <p:nvPr/>
-        </p:nvPicPr>
-        <p:blipFill>
-          <a:blip r:embed="rId2">
-            <a:extLst>
-              <a:ext uri="{28A0092B-C50C-407E-A947-70E740481C1C}">
-                <a14:useLocalDpi xmlns:a14="http://schemas.microsoft.com/office/drawing/2010/main" val="0"/>
-              </a:ext>
-            </a:extLst>
-          </a:blip>
-          <a:srcRect/>
-          <a:stretch>
-            <a:fillRect/>
-          </a:stretch>
-        </p:blipFill>
-        <p:spPr bwMode="auto">
-          <a:xfrm>
-            <a:off x="0" y="0"/>
-            <a:ext cx="12192000" cy="6858000"/>
-          </a:xfrm>
-          <a:prstGeom prst="rect">
-            <a:avLst/>
-          </a:prstGeom>
-          <a:noFill/>
-          <a:extLst>
-            <a:ext uri="{909E8E84-426E-40DD-AFC4-6F175D3DCCD1}">
-              <a14:hiddenFill xmlns:a14="http://schemas.microsoft.com/office/drawing/2010/main">
-                <a:solidFill>
-                  <a:srgbClr val="FFFFFF"/>
-                </a:solidFill>
-              </a14:hiddenFill>
-            </a:ext>
-          </a:extLst>
-        </p:spPr>
-      </p:pic>
-      <p:sp>
-        <p:nvSpPr>
-          <p:cNvPr id="2" name="Rectángulo 1">
-            <a:extLst>
-              <a:ext uri="{FF2B5EF4-FFF2-40B4-BE49-F238E27FC236}">
-                <a16:creationId xmlns:a16="http://schemas.microsoft.com/office/drawing/2014/main" id="{59B01730-D6F6-4AB8-A1E7-6B6266866797}"/>
-              </a:ext>
-            </a:extLst>
-          </p:cNvPr>
-          <p:cNvSpPr/>
-          <p:nvPr/>
-        </p:nvSpPr>
-        <p:spPr>
-          <a:xfrm>
-            <a:off x="1" y="0"/>
-            <a:ext cx="12192000" cy="2060812"/>
-          </a:xfrm>
-          <a:prstGeom prst="rect">
-            <a:avLst/>
-          </a:prstGeom>
-          <a:solidFill>
-            <a:schemeClr val="accent1"/>
-          </a:solidFill>
-          <a:ln>
-            <a:noFill/>
-          </a:ln>
-        </p:spPr>
-        <p:style>
-          <a:lnRef idx="2">
-            <a:schemeClr val="accent1">
-              <a:shade val="50000"/>
-            </a:schemeClr>
-          </a:lnRef>
-          <a:fillRef idx="1">
-            <a:schemeClr val="accent1"/>
-          </a:fillRef>
-          <a:effectRef idx="0">
-            <a:schemeClr val="accent1"/>
-          </a:effectRef>
-          <a:fontRef idx="minor">
-            <a:schemeClr val="lt1"/>
-          </a:fontRef>
-        </p:style>
-        <p:txBody>
-          <a:bodyPr rtlCol="0" anchor="ctr"/>
-          <a:lstStyle/>
-          <a:p>
-            <a:pPr algn="ctr"/>
-            <a:endParaRPr lang="es-MX" dirty="0"/>
-          </a:p>
-        </p:txBody>
-      </p:sp>
-      <p:sp>
-        <p:nvSpPr>
-          <p:cNvPr id="3" name="Rectángulo: esquinas redondeadas 2">
-            <a:extLst>
-              <a:ext uri="{FF2B5EF4-FFF2-40B4-BE49-F238E27FC236}">
-                <a16:creationId xmlns:a16="http://schemas.microsoft.com/office/drawing/2014/main" id="{621DA4F7-3F91-4D5B-918E-63448EA177F0}"/>
-              </a:ext>
-            </a:extLst>
-          </p:cNvPr>
-          <p:cNvSpPr/>
-          <p:nvPr/>
-        </p:nvSpPr>
-        <p:spPr>
-          <a:xfrm>
-            <a:off x="561832" y="177419"/>
-            <a:ext cx="1173500" cy="1050879"/>
-          </a:xfrm>
-          <a:prstGeom prst="roundRect">
-            <a:avLst/>
-          </a:prstGeom>
-        </p:spPr>
-        <p:style>
-          <a:lnRef idx="1">
-            <a:schemeClr val="accent2"/>
-          </a:lnRef>
-          <a:fillRef idx="2">
-            <a:schemeClr val="accent2"/>
-          </a:fillRef>
-          <a:effectRef idx="1">
-            <a:schemeClr val="accent2"/>
-          </a:effectRef>
-          <a:fontRef idx="minor">
-            <a:schemeClr val="dk1"/>
-          </a:fontRef>
-        </p:style>
-        <p:txBody>
-          <a:bodyPr rtlCol="0" anchor="ctr"/>
-          <a:lstStyle/>
-          <a:p>
-            <a:pPr algn="ctr"/>
-            <a:r>
-              <a:rPr lang="es-MX" sz="2800" b="1" dirty="0"/>
-              <a:t>LOGO</a:t>
-            </a:r>
-            <a:endParaRPr lang="es-MX" sz="1200" b="1" dirty="0"/>
-          </a:p>
-        </p:txBody>
-      </p:sp>
-      <p:sp>
-        <p:nvSpPr>
-          <p:cNvPr id="4" name="CuadroTexto 3">
-            <a:extLst>
-              <a:ext uri="{FF2B5EF4-FFF2-40B4-BE49-F238E27FC236}">
-                <a16:creationId xmlns:a16="http://schemas.microsoft.com/office/drawing/2014/main" id="{BABAC0A5-4532-433C-A136-652A44CCB19A}"/>
-              </a:ext>
-            </a:extLst>
-          </p:cNvPr>
-          <p:cNvSpPr txBox="1"/>
-          <p:nvPr/>
-        </p:nvSpPr>
-        <p:spPr>
-          <a:xfrm>
-            <a:off x="9455832" y="211541"/>
-            <a:ext cx="2174336" cy="461665"/>
-          </a:xfrm>
-          <a:prstGeom prst="rect">
-            <a:avLst/>
-          </a:prstGeom>
-          <a:noFill/>
-        </p:spPr>
-        <p:txBody>
-          <a:bodyPr wrap="square" rtlCol="0">
-            <a:spAutoFit/>
-          </a:bodyPr>
-          <a:lstStyle/>
-          <a:p>
-            <a:pPr algn="r"/>
-            <a:r>
-              <a:rPr lang="es-MX" sz="2400" dirty="0" err="1"/>
-              <a:t>User</a:t>
-            </a:r>
-            <a:r>
-              <a:rPr lang="es-MX" sz="2400" dirty="0"/>
-              <a:t> </a:t>
-            </a:r>
-            <a:r>
-              <a:rPr lang="es-MX" sz="2400" dirty="0" err="1"/>
-              <a:t>Name</a:t>
-            </a:r>
-            <a:endParaRPr lang="es-MX" sz="2400" dirty="0"/>
-          </a:p>
-        </p:txBody>
-      </p:sp>
-      <p:sp>
-        <p:nvSpPr>
-          <p:cNvPr id="5" name="CuadroTexto 4">
-            <a:extLst>
-              <a:ext uri="{FF2B5EF4-FFF2-40B4-BE49-F238E27FC236}">
-                <a16:creationId xmlns:a16="http://schemas.microsoft.com/office/drawing/2014/main" id="{FD9E610A-FBE1-4931-98C5-7EF6E3E99B41}"/>
-              </a:ext>
-            </a:extLst>
-          </p:cNvPr>
-          <p:cNvSpPr txBox="1"/>
-          <p:nvPr/>
-        </p:nvSpPr>
-        <p:spPr>
-          <a:xfrm flipH="1">
-            <a:off x="8584442" y="941696"/>
-            <a:ext cx="3045726" cy="369332"/>
-          </a:xfrm>
-          <a:prstGeom prst="rect">
-            <a:avLst/>
-          </a:prstGeom>
-          <a:noFill/>
-        </p:spPr>
-        <p:txBody>
-          <a:bodyPr wrap="square" rtlCol="0">
-            <a:spAutoFit/>
-          </a:bodyPr>
+      <p:sp>
+        <p:nvSpPr>
+          <p:cNvPr id="2" name="Título 1">
+            <a:extLst>
+              <a:ext uri="{FF2B5EF4-FFF2-40B4-BE49-F238E27FC236}">
+                <a16:creationId xmlns:a16="http://schemas.microsoft.com/office/drawing/2014/main" id="{83C1DB2A-295D-4B56-8581-8527B149BB25}"/>
+              </a:ext>
+            </a:extLst>
+          </p:cNvPr>
+          <p:cNvSpPr>
+            <a:spLocks noGrp="1"/>
+          </p:cNvSpPr>
+          <p:nvPr>
+            <p:ph type="ctrTitle"/>
+          </p:nvPr>
+        </p:nvSpPr>
+        <p:spPr/>
+        <p:txBody>
+          <a:bodyPr/>
           <a:lstStyle/>
           <a:p>
             <a:r>
               <a:rPr lang="es-MX" dirty="0"/>
-              <a:t>Miércoles, 29 de abril de 2020</a:t>
-            </a:r>
-          </a:p>
-        </p:txBody>
-      </p:sp>
-      <p:sp>
-        <p:nvSpPr>
-          <p:cNvPr id="6" name="Rectángulo: esquinas superiores redondeadas 5">
-            <a:extLst>
-              <a:ext uri="{FF2B5EF4-FFF2-40B4-BE49-F238E27FC236}">
-                <a16:creationId xmlns:a16="http://schemas.microsoft.com/office/drawing/2014/main" id="{28351434-4AA8-4ADC-8F9A-BABFCB6E088C}"/>
-              </a:ext>
-            </a:extLst>
-          </p:cNvPr>
-          <p:cNvSpPr/>
-          <p:nvPr/>
-        </p:nvSpPr>
-        <p:spPr>
-          <a:xfrm>
-            <a:off x="3607559" y="1501252"/>
-            <a:ext cx="1501254" cy="559559"/>
-          </a:xfrm>
-          <a:prstGeom prst="round2SameRect">
-            <a:avLst/>
-          </a:prstGeom>
-          <a:ln/>
-        </p:spPr>
-        <p:style>
-          <a:lnRef idx="3">
-            <a:schemeClr val="lt1"/>
-          </a:lnRef>
-          <a:fillRef idx="1">
-            <a:schemeClr val="accent5"/>
-          </a:fillRef>
-          <a:effectRef idx="1">
-            <a:schemeClr val="accent5"/>
-          </a:effectRef>
-          <a:fontRef idx="minor">
-            <a:schemeClr val="lt1"/>
-          </a:fontRef>
-        </p:style>
-        <p:txBody>
-          <a:bodyPr rtlCol="0" anchor="ctr"/>
-          <a:lstStyle/>
-          <a:p>
-            <a:pPr algn="ctr"/>
-            <a:r>
-              <a:rPr lang="es-MX" dirty="0"/>
-              <a:t>Productos</a:t>
-            </a:r>
-          </a:p>
-        </p:txBody>
-      </p:sp>
-      <p:sp>
-        <p:nvSpPr>
-          <p:cNvPr id="7" name="Rectángulo: esquinas superiores redondeadas 6">
-            <a:extLst>
-              <a:ext uri="{FF2B5EF4-FFF2-40B4-BE49-F238E27FC236}">
-                <a16:creationId xmlns:a16="http://schemas.microsoft.com/office/drawing/2014/main" id="{8B7AC154-1731-4299-BFDB-DF392E9622A1}"/>
-              </a:ext>
-            </a:extLst>
-          </p:cNvPr>
-          <p:cNvSpPr/>
-          <p:nvPr/>
-        </p:nvSpPr>
-        <p:spPr>
-          <a:xfrm>
-            <a:off x="5345373" y="1501251"/>
-            <a:ext cx="1501254" cy="559559"/>
-          </a:xfrm>
-          <a:prstGeom prst="round2SameRect">
-            <a:avLst/>
-          </a:prstGeom>
-          <a:ln/>
-        </p:spPr>
-        <p:style>
-          <a:lnRef idx="3">
-            <a:schemeClr val="lt1"/>
-          </a:lnRef>
-          <a:fillRef idx="1">
-            <a:schemeClr val="accent5"/>
-          </a:fillRef>
-          <a:effectRef idx="1">
-            <a:schemeClr val="accent5"/>
-          </a:effectRef>
-          <a:fontRef idx="minor">
-            <a:schemeClr val="lt1"/>
-          </a:fontRef>
-        </p:style>
-        <p:txBody>
-          <a:bodyPr rtlCol="0" anchor="ctr"/>
-          <a:lstStyle/>
-          <a:p>
-            <a:pPr algn="ctr"/>
-            <a:r>
-              <a:rPr lang="es-MX" dirty="0"/>
-              <a:t>Inventario</a:t>
-            </a:r>
-          </a:p>
-        </p:txBody>
-      </p:sp>
-      <p:sp>
-        <p:nvSpPr>
-          <p:cNvPr id="8" name="Rectángulo: esquinas superiores redondeadas 7">
-            <a:extLst>
-              <a:ext uri="{FF2B5EF4-FFF2-40B4-BE49-F238E27FC236}">
-                <a16:creationId xmlns:a16="http://schemas.microsoft.com/office/drawing/2014/main" id="{46461807-2BA4-4134-A9F5-C5662AD1117D}"/>
-              </a:ext>
-            </a:extLst>
-          </p:cNvPr>
-          <p:cNvSpPr/>
-          <p:nvPr/>
-        </p:nvSpPr>
-        <p:spPr>
-          <a:xfrm>
-            <a:off x="7083188" y="1501252"/>
-            <a:ext cx="1501254" cy="559559"/>
-          </a:xfrm>
-          <a:prstGeom prst="round2SameRect">
-            <a:avLst/>
-          </a:prstGeom>
-          <a:ln/>
-        </p:spPr>
-        <p:style>
-          <a:lnRef idx="3">
-            <a:schemeClr val="lt1"/>
-          </a:lnRef>
-          <a:fillRef idx="1">
-            <a:schemeClr val="accent5"/>
-          </a:fillRef>
-          <a:effectRef idx="1">
-            <a:schemeClr val="accent5"/>
-          </a:effectRef>
-          <a:fontRef idx="minor">
-            <a:schemeClr val="lt1"/>
-          </a:fontRef>
-        </p:style>
-        <p:txBody>
-          <a:bodyPr rtlCol="0" anchor="ctr"/>
-          <a:lstStyle/>
-          <a:p>
-            <a:pPr algn="ctr"/>
-            <a:r>
-              <a:rPr lang="es-MX" dirty="0"/>
-              <a:t>Usuarios</a:t>
-            </a:r>
-          </a:p>
-        </p:txBody>
-      </p:sp>
-      <p:sp>
-        <p:nvSpPr>
-          <p:cNvPr id="9" name="Rectángulo 8">
-            <a:extLst>
-              <a:ext uri="{FF2B5EF4-FFF2-40B4-BE49-F238E27FC236}">
-                <a16:creationId xmlns:a16="http://schemas.microsoft.com/office/drawing/2014/main" id="{3AD50EBC-6C2F-4516-8562-1A9B7AA0EC6A}"/>
-              </a:ext>
-            </a:extLst>
-          </p:cNvPr>
-          <p:cNvSpPr/>
-          <p:nvPr/>
-        </p:nvSpPr>
-        <p:spPr>
-          <a:xfrm>
-            <a:off x="4201236" y="2313295"/>
-            <a:ext cx="3789528" cy="2231409"/>
-          </a:xfrm>
-          <a:prstGeom prst="rect">
-            <a:avLst/>
-          </a:prstGeom>
-          <a:solidFill>
-            <a:schemeClr val="bg1"/>
-          </a:solidFill>
-          <a:ln>
-            <a:noFill/>
-          </a:ln>
-        </p:spPr>
-        <p:style>
-          <a:lnRef idx="1">
-            <a:schemeClr val="accent1"/>
-          </a:lnRef>
-          <a:fillRef idx="2">
-            <a:schemeClr val="accent1"/>
-          </a:fillRef>
-          <a:effectRef idx="1">
-            <a:schemeClr val="accent1"/>
-          </a:effectRef>
-          <a:fontRef idx="minor">
-            <a:schemeClr val="dk1"/>
-          </a:fontRef>
-        </p:style>
-        <p:txBody>
-          <a:bodyPr rtlCol="0" anchor="ctr"/>
-          <a:lstStyle/>
-          <a:p>
-            <a:pPr algn="ctr"/>
-            <a:r>
-              <a:rPr lang="es-MX" dirty="0"/>
-              <a:t>Texto de bienvenida</a:t>
-            </a:r>
-          </a:p>
-          <a:p>
-            <a:pPr algn="ctr"/>
-            <a:r>
-              <a:rPr lang="es-MX" dirty="0"/>
-              <a:t>Y</a:t>
-            </a:r>
-          </a:p>
-          <a:p>
-            <a:pPr algn="ctr"/>
-            <a:r>
-              <a:rPr lang="es-MX" dirty="0"/>
-              <a:t>Breve explicación</a:t>
+              <a:t>Pantallas del usuario Administrador</a:t>
             </a:r>
           </a:p>
         </p:txBody>
@@ -6635,7 +9132,7 @@
     </p:spTree>
     <p:extLst>
       <p:ext uri="{BB962C8B-B14F-4D97-AF65-F5344CB8AC3E}">
-        <p14:creationId xmlns:p14="http://schemas.microsoft.com/office/powerpoint/2010/main" val="709874640"/>
+        <p14:creationId xmlns:p14="http://schemas.microsoft.com/office/powerpoint/2010/main" val="2604447899"/>
       </p:ext>
     </p:extLst>
   </p:cSld>
@@ -6677,7 +9174,475 @@
           <p:nvPr/>
         </p:nvPicPr>
         <p:blipFill>
-          <a:blip r:embed="rId2">
+          <a:blip r:embed="rId3">
+            <a:extLst>
+              <a:ext uri="{28A0092B-C50C-407E-A947-70E740481C1C}">
+                <a14:useLocalDpi xmlns:a14="http://schemas.microsoft.com/office/drawing/2010/main" val="0"/>
+              </a:ext>
+            </a:extLst>
+          </a:blip>
+          <a:srcRect/>
+          <a:stretch>
+            <a:fillRect/>
+          </a:stretch>
+        </p:blipFill>
+        <p:spPr bwMode="auto">
+          <a:xfrm>
+            <a:off x="0" y="0"/>
+            <a:ext cx="12192000" cy="6858000"/>
+          </a:xfrm>
+          <a:prstGeom prst="rect">
+            <a:avLst/>
+          </a:prstGeom>
+          <a:noFill/>
+          <a:extLst>
+            <a:ext uri="{909E8E84-426E-40DD-AFC4-6F175D3DCCD1}">
+              <a14:hiddenFill xmlns:a14="http://schemas.microsoft.com/office/drawing/2010/main">
+                <a:solidFill>
+                  <a:srgbClr val="FFFFFF"/>
+                </a:solidFill>
+              </a14:hiddenFill>
+            </a:ext>
+          </a:extLst>
+        </p:spPr>
+      </p:pic>
+      <p:sp>
+        <p:nvSpPr>
+          <p:cNvPr id="2" name="Rectángulo 1">
+            <a:extLst>
+              <a:ext uri="{FF2B5EF4-FFF2-40B4-BE49-F238E27FC236}">
+                <a16:creationId xmlns:a16="http://schemas.microsoft.com/office/drawing/2014/main" id="{59B01730-D6F6-4AB8-A1E7-6B6266866797}"/>
+              </a:ext>
+            </a:extLst>
+          </p:cNvPr>
+          <p:cNvSpPr/>
+          <p:nvPr/>
+        </p:nvSpPr>
+        <p:spPr>
+          <a:xfrm>
+            <a:off x="1" y="0"/>
+            <a:ext cx="12192000" cy="2060812"/>
+          </a:xfrm>
+          <a:prstGeom prst="rect">
+            <a:avLst/>
+          </a:prstGeom>
+          <a:solidFill>
+            <a:schemeClr val="accent1"/>
+          </a:solidFill>
+          <a:ln>
+            <a:noFill/>
+          </a:ln>
+        </p:spPr>
+        <p:style>
+          <a:lnRef idx="2">
+            <a:schemeClr val="accent1">
+              <a:shade val="50000"/>
+            </a:schemeClr>
+          </a:lnRef>
+          <a:fillRef idx="1">
+            <a:schemeClr val="accent1"/>
+          </a:fillRef>
+          <a:effectRef idx="0">
+            <a:schemeClr val="accent1"/>
+          </a:effectRef>
+          <a:fontRef idx="minor">
+            <a:schemeClr val="lt1"/>
+          </a:fontRef>
+        </p:style>
+        <p:txBody>
+          <a:bodyPr rtlCol="0" anchor="ctr"/>
+          <a:lstStyle/>
+          <a:p>
+            <a:pPr algn="ctr"/>
+            <a:endParaRPr lang="es-MX" dirty="0"/>
+          </a:p>
+        </p:txBody>
+      </p:sp>
+      <p:sp>
+        <p:nvSpPr>
+          <p:cNvPr id="3" name="Rectángulo: esquinas redondeadas 2">
+            <a:extLst>
+              <a:ext uri="{FF2B5EF4-FFF2-40B4-BE49-F238E27FC236}">
+                <a16:creationId xmlns:a16="http://schemas.microsoft.com/office/drawing/2014/main" id="{621DA4F7-3F91-4D5B-918E-63448EA177F0}"/>
+              </a:ext>
+            </a:extLst>
+          </p:cNvPr>
+          <p:cNvSpPr/>
+          <p:nvPr/>
+        </p:nvSpPr>
+        <p:spPr>
+          <a:xfrm>
+            <a:off x="561832" y="177419"/>
+            <a:ext cx="1173500" cy="1050879"/>
+          </a:xfrm>
+          <a:prstGeom prst="roundRect">
+            <a:avLst/>
+          </a:prstGeom>
+        </p:spPr>
+        <p:style>
+          <a:lnRef idx="1">
+            <a:schemeClr val="accent2"/>
+          </a:lnRef>
+          <a:fillRef idx="2">
+            <a:schemeClr val="accent2"/>
+          </a:fillRef>
+          <a:effectRef idx="1">
+            <a:schemeClr val="accent2"/>
+          </a:effectRef>
+          <a:fontRef idx="minor">
+            <a:schemeClr val="dk1"/>
+          </a:fontRef>
+        </p:style>
+        <p:txBody>
+          <a:bodyPr rtlCol="0" anchor="ctr"/>
+          <a:lstStyle/>
+          <a:p>
+            <a:pPr algn="ctr"/>
+            <a:r>
+              <a:rPr lang="es-MX" sz="2800" b="1" dirty="0"/>
+              <a:t>LOGO</a:t>
+            </a:r>
+            <a:endParaRPr lang="es-MX" sz="1200" b="1" dirty="0"/>
+          </a:p>
+        </p:txBody>
+      </p:sp>
+      <p:sp>
+        <p:nvSpPr>
+          <p:cNvPr id="4" name="CuadroTexto 3">
+            <a:extLst>
+              <a:ext uri="{FF2B5EF4-FFF2-40B4-BE49-F238E27FC236}">
+                <a16:creationId xmlns:a16="http://schemas.microsoft.com/office/drawing/2014/main" id="{BABAC0A5-4532-433C-A136-652A44CCB19A}"/>
+              </a:ext>
+            </a:extLst>
+          </p:cNvPr>
+          <p:cNvSpPr txBox="1"/>
+          <p:nvPr/>
+        </p:nvSpPr>
+        <p:spPr>
+          <a:xfrm>
+            <a:off x="9455832" y="211541"/>
+            <a:ext cx="2174336" cy="461665"/>
+          </a:xfrm>
+          <a:prstGeom prst="rect">
+            <a:avLst/>
+          </a:prstGeom>
+          <a:noFill/>
+        </p:spPr>
+        <p:txBody>
+          <a:bodyPr wrap="square" rtlCol="0">
+            <a:spAutoFit/>
+          </a:bodyPr>
+          <a:lstStyle/>
+          <a:p>
+            <a:pPr algn="r"/>
+            <a:r>
+              <a:rPr lang="es-MX" sz="2400" dirty="0" err="1"/>
+              <a:t>User</a:t>
+            </a:r>
+            <a:r>
+              <a:rPr lang="es-MX" sz="2400" dirty="0"/>
+              <a:t> </a:t>
+            </a:r>
+            <a:r>
+              <a:rPr lang="es-MX" sz="2400" dirty="0" err="1"/>
+              <a:t>Name</a:t>
+            </a:r>
+            <a:endParaRPr lang="es-MX" sz="2400" dirty="0"/>
+          </a:p>
+        </p:txBody>
+      </p:sp>
+      <p:sp>
+        <p:nvSpPr>
+          <p:cNvPr id="5" name="CuadroTexto 4">
+            <a:extLst>
+              <a:ext uri="{FF2B5EF4-FFF2-40B4-BE49-F238E27FC236}">
+                <a16:creationId xmlns:a16="http://schemas.microsoft.com/office/drawing/2014/main" id="{FD9E610A-FBE1-4931-98C5-7EF6E3E99B41}"/>
+              </a:ext>
+            </a:extLst>
+          </p:cNvPr>
+          <p:cNvSpPr txBox="1"/>
+          <p:nvPr/>
+        </p:nvSpPr>
+        <p:spPr>
+          <a:xfrm flipH="1">
+            <a:off x="8584442" y="941696"/>
+            <a:ext cx="3045726" cy="369332"/>
+          </a:xfrm>
+          <a:prstGeom prst="rect">
+            <a:avLst/>
+          </a:prstGeom>
+          <a:noFill/>
+        </p:spPr>
+        <p:txBody>
+          <a:bodyPr wrap="square" rtlCol="0">
+            <a:spAutoFit/>
+          </a:bodyPr>
+          <a:lstStyle/>
+          <a:p>
+            <a:r>
+              <a:rPr lang="es-MX" dirty="0"/>
+              <a:t>Miércoles, 29 de abril de 2020</a:t>
+            </a:r>
+          </a:p>
+        </p:txBody>
+      </p:sp>
+      <p:sp>
+        <p:nvSpPr>
+          <p:cNvPr id="6" name="Rectángulo: esquinas superiores redondeadas 5">
+            <a:extLst>
+              <a:ext uri="{FF2B5EF4-FFF2-40B4-BE49-F238E27FC236}">
+                <a16:creationId xmlns:a16="http://schemas.microsoft.com/office/drawing/2014/main" id="{28351434-4AA8-4ADC-8F9A-BABFCB6E088C}"/>
+              </a:ext>
+            </a:extLst>
+          </p:cNvPr>
+          <p:cNvSpPr/>
+          <p:nvPr/>
+        </p:nvSpPr>
+        <p:spPr>
+          <a:xfrm>
+            <a:off x="3607559" y="1501252"/>
+            <a:ext cx="1501254" cy="559559"/>
+          </a:xfrm>
+          <a:prstGeom prst="round2SameRect">
+            <a:avLst/>
+          </a:prstGeom>
+          <a:ln/>
+        </p:spPr>
+        <p:style>
+          <a:lnRef idx="3">
+            <a:schemeClr val="lt1"/>
+          </a:lnRef>
+          <a:fillRef idx="1">
+            <a:schemeClr val="accent5"/>
+          </a:fillRef>
+          <a:effectRef idx="1">
+            <a:schemeClr val="accent5"/>
+          </a:effectRef>
+          <a:fontRef idx="minor">
+            <a:schemeClr val="lt1"/>
+          </a:fontRef>
+        </p:style>
+        <p:txBody>
+          <a:bodyPr rtlCol="0" anchor="ctr"/>
+          <a:lstStyle/>
+          <a:p>
+            <a:pPr algn="ctr"/>
+            <a:r>
+              <a:rPr lang="es-MX" dirty="0"/>
+              <a:t>Productos</a:t>
+            </a:r>
+          </a:p>
+        </p:txBody>
+      </p:sp>
+      <p:sp>
+        <p:nvSpPr>
+          <p:cNvPr id="7" name="Rectángulo: esquinas superiores redondeadas 6">
+            <a:extLst>
+              <a:ext uri="{FF2B5EF4-FFF2-40B4-BE49-F238E27FC236}">
+                <a16:creationId xmlns:a16="http://schemas.microsoft.com/office/drawing/2014/main" id="{8B7AC154-1731-4299-BFDB-DF392E9622A1}"/>
+              </a:ext>
+            </a:extLst>
+          </p:cNvPr>
+          <p:cNvSpPr/>
+          <p:nvPr/>
+        </p:nvSpPr>
+        <p:spPr>
+          <a:xfrm>
+            <a:off x="5345373" y="1501251"/>
+            <a:ext cx="1501254" cy="559559"/>
+          </a:xfrm>
+          <a:prstGeom prst="round2SameRect">
+            <a:avLst/>
+          </a:prstGeom>
+          <a:ln/>
+        </p:spPr>
+        <p:style>
+          <a:lnRef idx="3">
+            <a:schemeClr val="lt1"/>
+          </a:lnRef>
+          <a:fillRef idx="1">
+            <a:schemeClr val="accent5"/>
+          </a:fillRef>
+          <a:effectRef idx="1">
+            <a:schemeClr val="accent5"/>
+          </a:effectRef>
+          <a:fontRef idx="minor">
+            <a:schemeClr val="lt1"/>
+          </a:fontRef>
+        </p:style>
+        <p:txBody>
+          <a:bodyPr rtlCol="0" anchor="ctr"/>
+          <a:lstStyle/>
+          <a:p>
+            <a:pPr algn="ctr"/>
+            <a:r>
+              <a:rPr lang="es-MX" dirty="0"/>
+              <a:t>Inventario</a:t>
+            </a:r>
+          </a:p>
+        </p:txBody>
+      </p:sp>
+      <p:sp>
+        <p:nvSpPr>
+          <p:cNvPr id="8" name="Rectángulo: esquinas superiores redondeadas 7">
+            <a:extLst>
+              <a:ext uri="{FF2B5EF4-FFF2-40B4-BE49-F238E27FC236}">
+                <a16:creationId xmlns:a16="http://schemas.microsoft.com/office/drawing/2014/main" id="{46461807-2BA4-4134-A9F5-C5662AD1117D}"/>
+              </a:ext>
+            </a:extLst>
+          </p:cNvPr>
+          <p:cNvSpPr/>
+          <p:nvPr/>
+        </p:nvSpPr>
+        <p:spPr>
+          <a:xfrm>
+            <a:off x="7083188" y="1501252"/>
+            <a:ext cx="1501254" cy="559559"/>
+          </a:xfrm>
+          <a:prstGeom prst="round2SameRect">
+            <a:avLst/>
+          </a:prstGeom>
+          <a:ln/>
+        </p:spPr>
+        <p:style>
+          <a:lnRef idx="3">
+            <a:schemeClr val="lt1"/>
+          </a:lnRef>
+          <a:fillRef idx="1">
+            <a:schemeClr val="accent5"/>
+          </a:fillRef>
+          <a:effectRef idx="1">
+            <a:schemeClr val="accent5"/>
+          </a:effectRef>
+          <a:fontRef idx="minor">
+            <a:schemeClr val="lt1"/>
+          </a:fontRef>
+        </p:style>
+        <p:txBody>
+          <a:bodyPr rtlCol="0" anchor="ctr"/>
+          <a:lstStyle/>
+          <a:p>
+            <a:pPr algn="ctr"/>
+            <a:r>
+              <a:rPr lang="es-MX" dirty="0"/>
+              <a:t>Usuarios</a:t>
+            </a:r>
+          </a:p>
+        </p:txBody>
+      </p:sp>
+      <p:sp>
+        <p:nvSpPr>
+          <p:cNvPr id="9" name="Rectángulo 8">
+            <a:extLst>
+              <a:ext uri="{FF2B5EF4-FFF2-40B4-BE49-F238E27FC236}">
+                <a16:creationId xmlns:a16="http://schemas.microsoft.com/office/drawing/2014/main" id="{3AD50EBC-6C2F-4516-8562-1A9B7AA0EC6A}"/>
+              </a:ext>
+            </a:extLst>
+          </p:cNvPr>
+          <p:cNvSpPr/>
+          <p:nvPr/>
+        </p:nvSpPr>
+        <p:spPr>
+          <a:xfrm>
+            <a:off x="4201236" y="2313295"/>
+            <a:ext cx="3789528" cy="2231409"/>
+          </a:xfrm>
+          <a:prstGeom prst="rect">
+            <a:avLst/>
+          </a:prstGeom>
+          <a:solidFill>
+            <a:schemeClr val="bg1"/>
+          </a:solidFill>
+          <a:ln>
+            <a:noFill/>
+          </a:ln>
+        </p:spPr>
+        <p:style>
+          <a:lnRef idx="1">
+            <a:schemeClr val="accent1"/>
+          </a:lnRef>
+          <a:fillRef idx="2">
+            <a:schemeClr val="accent1"/>
+          </a:fillRef>
+          <a:effectRef idx="1">
+            <a:schemeClr val="accent1"/>
+          </a:effectRef>
+          <a:fontRef idx="minor">
+            <a:schemeClr val="dk1"/>
+          </a:fontRef>
+        </p:style>
+        <p:txBody>
+          <a:bodyPr rtlCol="0" anchor="ctr"/>
+          <a:lstStyle/>
+          <a:p>
+            <a:pPr algn="ctr"/>
+            <a:r>
+              <a:rPr lang="es-MX" dirty="0"/>
+              <a:t>Texto de bienvenida</a:t>
+            </a:r>
+          </a:p>
+          <a:p>
+            <a:pPr algn="ctr"/>
+            <a:r>
+              <a:rPr lang="es-MX" dirty="0"/>
+              <a:t>Y</a:t>
+            </a:r>
+          </a:p>
+          <a:p>
+            <a:pPr algn="ctr"/>
+            <a:r>
+              <a:rPr lang="es-MX" dirty="0"/>
+              <a:t>Breve explicación</a:t>
+            </a:r>
+          </a:p>
+        </p:txBody>
+      </p:sp>
+    </p:spTree>
+    <p:extLst>
+      <p:ext uri="{BB962C8B-B14F-4D97-AF65-F5344CB8AC3E}">
+        <p14:creationId xmlns:p14="http://schemas.microsoft.com/office/powerpoint/2010/main" val="709874640"/>
+      </p:ext>
+    </p:extLst>
+  </p:cSld>
+  <p:clrMapOvr>
+    <a:masterClrMapping/>
+  </p:clrMapOvr>
+</p:sld>
+</file>
+
+<file path=ppt/slides/slide4.xml><?xml version="1.0" encoding="utf-8"?>
+<p:sld xmlns:a="http://schemas.openxmlformats.org/drawingml/2006/main" xmlns:r="http://schemas.openxmlformats.org/officeDocument/2006/relationships" xmlns:p="http://schemas.openxmlformats.org/presentationml/2006/main">
+  <p:cSld>
+    <p:spTree>
+      <p:nvGrpSpPr>
+        <p:cNvPr id="1" name=""/>
+        <p:cNvGrpSpPr/>
+        <p:nvPr/>
+      </p:nvGrpSpPr>
+      <p:grpSpPr>
+        <a:xfrm>
+          <a:off x="0" y="0"/>
+          <a:ext cx="0" cy="0"/>
+          <a:chOff x="0" y="0"/>
+          <a:chExt cx="0" cy="0"/>
+        </a:xfrm>
+      </p:grpSpPr>
+      <p:pic>
+        <p:nvPicPr>
+          <p:cNvPr id="10" name="Picture 2">
+            <a:extLst>
+              <a:ext uri="{FF2B5EF4-FFF2-40B4-BE49-F238E27FC236}">
+                <a16:creationId xmlns:a16="http://schemas.microsoft.com/office/drawing/2014/main" id="{F97E4313-B928-45CF-953D-014440A04D69}"/>
+              </a:ext>
+            </a:extLst>
+          </p:cNvPr>
+          <p:cNvPicPr>
+            <a:picLocks noChangeAspect="1" noChangeArrowheads="1"/>
+          </p:cNvPicPr>
+          <p:nvPr/>
+        </p:nvPicPr>
+        <p:blipFill>
+          <a:blip r:embed="rId3">
             <a:extLst>
               <a:ext uri="{28A0092B-C50C-407E-A947-70E740481C1C}">
                 <a14:useLocalDpi xmlns:a14="http://schemas.microsoft.com/office/drawing/2010/main" val="0"/>
@@ -7508,7 +10473,7 @@
           <p:nvPr/>
         </p:nvPicPr>
         <p:blipFill>
-          <a:blip r:embed="rId3">
+          <a:blip r:embed="rId4">
             <a:duotone>
               <a:schemeClr val="accent4">
                 <a:shade val="45000"/>
@@ -7551,7 +10516,7 @@
 </p:sld>
 </file>
 
-<file path=ppt/slides/slide4.xml><?xml version="1.0" encoding="utf-8"?>
+<file path=ppt/slides/slide5.xml><?xml version="1.0" encoding="utf-8"?>
 <p:sld xmlns:a="http://schemas.openxmlformats.org/drawingml/2006/main" xmlns:r="http://schemas.openxmlformats.org/officeDocument/2006/relationships" xmlns:p="http://schemas.openxmlformats.org/presentationml/2006/main">
   <p:cSld>
     <p:spTree>
@@ -7583,7 +10548,7 @@
           <p:nvPr/>
         </p:nvPicPr>
         <p:blipFill>
-          <a:blip r:embed="rId2">
+          <a:blip r:embed="rId3">
             <a:extLst>
               <a:ext uri="{28A0092B-C50C-407E-A947-70E740481C1C}">
                 <a14:useLocalDpi xmlns:a14="http://schemas.microsoft.com/office/drawing/2010/main" val="0"/>
@@ -8693,7 +11658,7 @@
 </p:sld>
 </file>
 
-<file path=ppt/slides/slide5.xml><?xml version="1.0" encoding="utf-8"?>
+<file path=ppt/slides/slide6.xml><?xml version="1.0" encoding="utf-8"?>
 <p:sld xmlns:a="http://schemas.openxmlformats.org/drawingml/2006/main" xmlns:r="http://schemas.openxmlformats.org/officeDocument/2006/relationships" xmlns:p="http://schemas.openxmlformats.org/presentationml/2006/main">
   <p:cSld>
     <p:spTree>
@@ -8725,7 +11690,7 @@
           <p:nvPr/>
         </p:nvPicPr>
         <p:blipFill>
-          <a:blip r:embed="rId2">
+          <a:blip r:embed="rId3">
             <a:extLst>
               <a:ext uri="{28A0092B-C50C-407E-A947-70E740481C1C}">
                 <a14:useLocalDpi xmlns:a14="http://schemas.microsoft.com/office/drawing/2010/main" val="0"/>
@@ -9528,7 +12493,7 @@
 </p:sld>
 </file>
 
-<file path=ppt/slides/slide6.xml><?xml version="1.0" encoding="utf-8"?>
+<file path=ppt/slides/slide7.xml><?xml version="1.0" encoding="utf-8"?>
 <p:sld xmlns:a="http://schemas.openxmlformats.org/drawingml/2006/main" xmlns:r="http://schemas.openxmlformats.org/officeDocument/2006/relationships" xmlns:p="http://schemas.openxmlformats.org/presentationml/2006/main">
   <p:cSld>
     <p:spTree>
@@ -9560,7 +12525,7 @@
           <p:nvPr/>
         </p:nvPicPr>
         <p:blipFill>
-          <a:blip r:embed="rId2">
+          <a:blip r:embed="rId3">
             <a:extLst>
               <a:ext uri="{28A0092B-C50C-407E-A947-70E740481C1C}">
                 <a14:useLocalDpi xmlns:a14="http://schemas.microsoft.com/office/drawing/2010/main" val="0"/>
@@ -10391,7 +13356,7 @@
           <p:nvPr/>
         </p:nvPicPr>
         <p:blipFill>
-          <a:blip r:embed="rId3">
+          <a:blip r:embed="rId4">
             <a:duotone>
               <a:schemeClr val="accent4">
                 <a:shade val="45000"/>
@@ -10434,7 +13399,7 @@
 </p:sld>
 </file>
 
-<file path=ppt/slides/slide7.xml><?xml version="1.0" encoding="utf-8"?>
+<file path=ppt/slides/slide8.xml><?xml version="1.0" encoding="utf-8"?>
 <p:sld xmlns:a="http://schemas.openxmlformats.org/drawingml/2006/main" xmlns:r="http://schemas.openxmlformats.org/officeDocument/2006/relationships" xmlns:p="http://schemas.openxmlformats.org/presentationml/2006/main">
   <p:cSld>
     <p:spTree>
@@ -10466,7 +13431,7 @@
           <p:nvPr/>
         </p:nvPicPr>
         <p:blipFill>
-          <a:blip r:embed="rId2">
+          <a:blip r:embed="rId3">
             <a:extLst>
               <a:ext uri="{28A0092B-C50C-407E-A947-70E740481C1C}">
                 <a14:useLocalDpi xmlns:a14="http://schemas.microsoft.com/office/drawing/2010/main" val="0"/>
@@ -11525,7 +14490,7 @@
           <p:nvPr/>
         </p:nvPicPr>
         <p:blipFill rotWithShape="1">
-          <a:blip r:embed="rId3">
+          <a:blip r:embed="rId4">
             <a:extLst>
               <a:ext uri="{28A0092B-C50C-407E-A947-70E740481C1C}">
                 <a14:useLocalDpi xmlns:a14="http://schemas.microsoft.com/office/drawing/2010/main" val="0"/>
@@ -11620,7 +14585,7 @@
           <p:nvPr/>
         </p:nvPicPr>
         <p:blipFill rotWithShape="1">
-          <a:blip r:embed="rId3">
+          <a:blip r:embed="rId4">
             <a:extLst>
               <a:ext uri="{28A0092B-C50C-407E-A947-70E740481C1C}">
                 <a14:useLocalDpi xmlns:a14="http://schemas.microsoft.com/office/drawing/2010/main" val="0"/>
@@ -11657,426 +14622,6 @@
     <p:extLst>
       <p:ext uri="{BB962C8B-B14F-4D97-AF65-F5344CB8AC3E}">
         <p14:creationId xmlns:p14="http://schemas.microsoft.com/office/powerpoint/2010/main" val="11033719"/>
-      </p:ext>
-    </p:extLst>
-  </p:cSld>
-  <p:clrMapOvr>
-    <a:masterClrMapping/>
-  </p:clrMapOvr>
-</p:sld>
-</file>
-
-<file path=ppt/slides/slide8.xml><?xml version="1.0" encoding="utf-8"?>
-<p:sld xmlns:a="http://schemas.openxmlformats.org/drawingml/2006/main" xmlns:r="http://schemas.openxmlformats.org/officeDocument/2006/relationships" xmlns:p="http://schemas.openxmlformats.org/presentationml/2006/main">
-  <p:cSld>
-    <p:spTree>
-      <p:nvGrpSpPr>
-        <p:cNvPr id="1" name=""/>
-        <p:cNvGrpSpPr/>
-        <p:nvPr/>
-      </p:nvGrpSpPr>
-      <p:grpSpPr>
-        <a:xfrm>
-          <a:off x="0" y="0"/>
-          <a:ext cx="0" cy="0"/>
-          <a:chOff x="0" y="0"/>
-          <a:chExt cx="0" cy="0"/>
-        </a:xfrm>
-      </p:grpSpPr>
-      <p:pic>
-        <p:nvPicPr>
-          <p:cNvPr id="10" name="Picture 2">
-            <a:extLst>
-              <a:ext uri="{FF2B5EF4-FFF2-40B4-BE49-F238E27FC236}">
-                <a16:creationId xmlns:a16="http://schemas.microsoft.com/office/drawing/2014/main" id="{F97E4313-B928-45CF-953D-014440A04D69}"/>
-              </a:ext>
-            </a:extLst>
-          </p:cNvPr>
-          <p:cNvPicPr>
-            <a:picLocks noChangeAspect="1" noChangeArrowheads="1"/>
-          </p:cNvPicPr>
-          <p:nvPr/>
-        </p:nvPicPr>
-        <p:blipFill>
-          <a:blip r:embed="rId2">
-            <a:extLst>
-              <a:ext uri="{28A0092B-C50C-407E-A947-70E740481C1C}">
-                <a14:useLocalDpi xmlns:a14="http://schemas.microsoft.com/office/drawing/2010/main" val="0"/>
-              </a:ext>
-            </a:extLst>
-          </a:blip>
-          <a:srcRect/>
-          <a:stretch>
-            <a:fillRect/>
-          </a:stretch>
-        </p:blipFill>
-        <p:spPr bwMode="auto">
-          <a:xfrm>
-            <a:off x="0" y="0"/>
-            <a:ext cx="12192000" cy="6858000"/>
-          </a:xfrm>
-          <a:prstGeom prst="rect">
-            <a:avLst/>
-          </a:prstGeom>
-          <a:noFill/>
-          <a:extLst>
-            <a:ext uri="{909E8E84-426E-40DD-AFC4-6F175D3DCCD1}">
-              <a14:hiddenFill xmlns:a14="http://schemas.microsoft.com/office/drawing/2010/main">
-                <a:solidFill>
-                  <a:srgbClr val="FFFFFF"/>
-                </a:solidFill>
-              </a14:hiddenFill>
-            </a:ext>
-          </a:extLst>
-        </p:spPr>
-      </p:pic>
-      <p:sp>
-        <p:nvSpPr>
-          <p:cNvPr id="2" name="Rectángulo 1">
-            <a:extLst>
-              <a:ext uri="{FF2B5EF4-FFF2-40B4-BE49-F238E27FC236}">
-                <a16:creationId xmlns:a16="http://schemas.microsoft.com/office/drawing/2014/main" id="{59B01730-D6F6-4AB8-A1E7-6B6266866797}"/>
-              </a:ext>
-            </a:extLst>
-          </p:cNvPr>
-          <p:cNvSpPr/>
-          <p:nvPr/>
-        </p:nvSpPr>
-        <p:spPr>
-          <a:xfrm>
-            <a:off x="1" y="0"/>
-            <a:ext cx="12192000" cy="2060812"/>
-          </a:xfrm>
-          <a:prstGeom prst="rect">
-            <a:avLst/>
-          </a:prstGeom>
-          <a:solidFill>
-            <a:schemeClr val="accent1"/>
-          </a:solidFill>
-          <a:ln>
-            <a:noFill/>
-          </a:ln>
-        </p:spPr>
-        <p:style>
-          <a:lnRef idx="2">
-            <a:schemeClr val="accent1">
-              <a:shade val="50000"/>
-            </a:schemeClr>
-          </a:lnRef>
-          <a:fillRef idx="1">
-            <a:schemeClr val="accent1"/>
-          </a:fillRef>
-          <a:effectRef idx="0">
-            <a:schemeClr val="accent1"/>
-          </a:effectRef>
-          <a:fontRef idx="minor">
-            <a:schemeClr val="lt1"/>
-          </a:fontRef>
-        </p:style>
-        <p:txBody>
-          <a:bodyPr rtlCol="0" anchor="ctr"/>
-          <a:lstStyle/>
-          <a:p>
-            <a:pPr algn="ctr"/>
-            <a:endParaRPr lang="es-MX" dirty="0"/>
-          </a:p>
-        </p:txBody>
-      </p:sp>
-      <p:sp>
-        <p:nvSpPr>
-          <p:cNvPr id="3" name="Rectángulo: esquinas redondeadas 2">
-            <a:extLst>
-              <a:ext uri="{FF2B5EF4-FFF2-40B4-BE49-F238E27FC236}">
-                <a16:creationId xmlns:a16="http://schemas.microsoft.com/office/drawing/2014/main" id="{621DA4F7-3F91-4D5B-918E-63448EA177F0}"/>
-              </a:ext>
-            </a:extLst>
-          </p:cNvPr>
-          <p:cNvSpPr/>
-          <p:nvPr/>
-        </p:nvSpPr>
-        <p:spPr>
-          <a:xfrm>
-            <a:off x="561832" y="177419"/>
-            <a:ext cx="1173500" cy="1050879"/>
-          </a:xfrm>
-          <a:prstGeom prst="roundRect">
-            <a:avLst/>
-          </a:prstGeom>
-        </p:spPr>
-        <p:style>
-          <a:lnRef idx="1">
-            <a:schemeClr val="accent2"/>
-          </a:lnRef>
-          <a:fillRef idx="2">
-            <a:schemeClr val="accent2"/>
-          </a:fillRef>
-          <a:effectRef idx="1">
-            <a:schemeClr val="accent2"/>
-          </a:effectRef>
-          <a:fontRef idx="minor">
-            <a:schemeClr val="dk1"/>
-          </a:fontRef>
-        </p:style>
-        <p:txBody>
-          <a:bodyPr rtlCol="0" anchor="ctr"/>
-          <a:lstStyle/>
-          <a:p>
-            <a:pPr algn="ctr"/>
-            <a:r>
-              <a:rPr lang="es-MX" sz="2800" b="1" dirty="0"/>
-              <a:t>LOGO</a:t>
-            </a:r>
-            <a:endParaRPr lang="es-MX" sz="1200" b="1" dirty="0"/>
-          </a:p>
-        </p:txBody>
-      </p:sp>
-      <p:sp>
-        <p:nvSpPr>
-          <p:cNvPr id="4" name="CuadroTexto 3">
-            <a:extLst>
-              <a:ext uri="{FF2B5EF4-FFF2-40B4-BE49-F238E27FC236}">
-                <a16:creationId xmlns:a16="http://schemas.microsoft.com/office/drawing/2014/main" id="{BABAC0A5-4532-433C-A136-652A44CCB19A}"/>
-              </a:ext>
-            </a:extLst>
-          </p:cNvPr>
-          <p:cNvSpPr txBox="1"/>
-          <p:nvPr/>
-        </p:nvSpPr>
-        <p:spPr>
-          <a:xfrm>
-            <a:off x="9455832" y="211541"/>
-            <a:ext cx="2174336" cy="461665"/>
-          </a:xfrm>
-          <a:prstGeom prst="rect">
-            <a:avLst/>
-          </a:prstGeom>
-          <a:noFill/>
-        </p:spPr>
-        <p:txBody>
-          <a:bodyPr wrap="square" rtlCol="0">
-            <a:spAutoFit/>
-          </a:bodyPr>
-          <a:lstStyle/>
-          <a:p>
-            <a:pPr algn="r"/>
-            <a:r>
-              <a:rPr lang="es-MX" sz="2400" dirty="0" err="1"/>
-              <a:t>User</a:t>
-            </a:r>
-            <a:r>
-              <a:rPr lang="es-MX" sz="2400" dirty="0"/>
-              <a:t> </a:t>
-            </a:r>
-            <a:r>
-              <a:rPr lang="es-MX" sz="2400" dirty="0" err="1"/>
-              <a:t>Name</a:t>
-            </a:r>
-            <a:endParaRPr lang="es-MX" sz="2400" dirty="0"/>
-          </a:p>
-        </p:txBody>
-      </p:sp>
-      <p:sp>
-        <p:nvSpPr>
-          <p:cNvPr id="5" name="CuadroTexto 4">
-            <a:extLst>
-              <a:ext uri="{FF2B5EF4-FFF2-40B4-BE49-F238E27FC236}">
-                <a16:creationId xmlns:a16="http://schemas.microsoft.com/office/drawing/2014/main" id="{FD9E610A-FBE1-4931-98C5-7EF6E3E99B41}"/>
-              </a:ext>
-            </a:extLst>
-          </p:cNvPr>
-          <p:cNvSpPr txBox="1"/>
-          <p:nvPr/>
-        </p:nvSpPr>
-        <p:spPr>
-          <a:xfrm flipH="1">
-            <a:off x="8584442" y="941696"/>
-            <a:ext cx="3045726" cy="369332"/>
-          </a:xfrm>
-          <a:prstGeom prst="rect">
-            <a:avLst/>
-          </a:prstGeom>
-          <a:noFill/>
-        </p:spPr>
-        <p:txBody>
-          <a:bodyPr wrap="square" rtlCol="0">
-            <a:spAutoFit/>
-          </a:bodyPr>
-          <a:lstStyle/>
-          <a:p>
-            <a:r>
-              <a:rPr lang="es-MX" dirty="0"/>
-              <a:t>Miércoles, 29 de abril de 2020</a:t>
-            </a:r>
-          </a:p>
-        </p:txBody>
-      </p:sp>
-      <p:sp>
-        <p:nvSpPr>
-          <p:cNvPr id="6" name="Rectángulo: esquinas superiores redondeadas 5">
-            <a:extLst>
-              <a:ext uri="{FF2B5EF4-FFF2-40B4-BE49-F238E27FC236}">
-                <a16:creationId xmlns:a16="http://schemas.microsoft.com/office/drawing/2014/main" id="{28351434-4AA8-4ADC-8F9A-BABFCB6E088C}"/>
-              </a:ext>
-            </a:extLst>
-          </p:cNvPr>
-          <p:cNvSpPr/>
-          <p:nvPr/>
-        </p:nvSpPr>
-        <p:spPr>
-          <a:xfrm>
-            <a:off x="4255828" y="1501252"/>
-            <a:ext cx="1501254" cy="559559"/>
-          </a:xfrm>
-          <a:prstGeom prst="round2SameRect">
-            <a:avLst/>
-          </a:prstGeom>
-          <a:ln/>
-        </p:spPr>
-        <p:style>
-          <a:lnRef idx="3">
-            <a:schemeClr val="lt1"/>
-          </a:lnRef>
-          <a:fillRef idx="1">
-            <a:schemeClr val="accent5"/>
-          </a:fillRef>
-          <a:effectRef idx="1">
-            <a:schemeClr val="accent5"/>
-          </a:effectRef>
-          <a:fontRef idx="minor">
-            <a:schemeClr val="lt1"/>
-          </a:fontRef>
-        </p:style>
-        <p:txBody>
-          <a:bodyPr rtlCol="0" anchor="ctr"/>
-          <a:lstStyle/>
-          <a:p>
-            <a:pPr algn="ctr"/>
-            <a:r>
-              <a:rPr lang="es-MX" dirty="0"/>
-              <a:t>Productos</a:t>
-            </a:r>
-          </a:p>
-        </p:txBody>
-      </p:sp>
-      <p:sp>
-        <p:nvSpPr>
-          <p:cNvPr id="7" name="Rectángulo: esquinas superiores redondeadas 6">
-            <a:extLst>
-              <a:ext uri="{FF2B5EF4-FFF2-40B4-BE49-F238E27FC236}">
-                <a16:creationId xmlns:a16="http://schemas.microsoft.com/office/drawing/2014/main" id="{8B7AC154-1731-4299-BFDB-DF392E9622A1}"/>
-              </a:ext>
-            </a:extLst>
-          </p:cNvPr>
-          <p:cNvSpPr/>
-          <p:nvPr/>
-        </p:nvSpPr>
-        <p:spPr>
-          <a:xfrm>
-            <a:off x="6434919" y="1501252"/>
-            <a:ext cx="1501254" cy="559559"/>
-          </a:xfrm>
-          <a:prstGeom prst="round2SameRect">
-            <a:avLst/>
-          </a:prstGeom>
-          <a:ln/>
-        </p:spPr>
-        <p:style>
-          <a:lnRef idx="3">
-            <a:schemeClr val="lt1"/>
-          </a:lnRef>
-          <a:fillRef idx="1">
-            <a:schemeClr val="accent5"/>
-          </a:fillRef>
-          <a:effectRef idx="1">
-            <a:schemeClr val="accent5"/>
-          </a:effectRef>
-          <a:fontRef idx="minor">
-            <a:schemeClr val="lt1"/>
-          </a:fontRef>
-        </p:style>
-        <p:txBody>
-          <a:bodyPr rtlCol="0" anchor="ctr"/>
-          <a:lstStyle/>
-          <a:p>
-            <a:pPr algn="ctr"/>
-            <a:r>
-              <a:rPr lang="es-MX" dirty="0"/>
-              <a:t>Venta</a:t>
-            </a:r>
-          </a:p>
-        </p:txBody>
-      </p:sp>
-      <p:sp>
-        <p:nvSpPr>
-          <p:cNvPr id="9" name="Rectángulo 8">
-            <a:extLst>
-              <a:ext uri="{FF2B5EF4-FFF2-40B4-BE49-F238E27FC236}">
-                <a16:creationId xmlns:a16="http://schemas.microsoft.com/office/drawing/2014/main" id="{3AD50EBC-6C2F-4516-8562-1A9B7AA0EC6A}"/>
-              </a:ext>
-            </a:extLst>
-          </p:cNvPr>
-          <p:cNvSpPr/>
-          <p:nvPr/>
-        </p:nvSpPr>
-        <p:spPr>
-          <a:xfrm>
-            <a:off x="4201236" y="2313295"/>
-            <a:ext cx="3789528" cy="2231409"/>
-          </a:xfrm>
-          <a:prstGeom prst="rect">
-            <a:avLst/>
-          </a:prstGeom>
-          <a:solidFill>
-            <a:schemeClr val="bg1"/>
-          </a:solidFill>
-          <a:ln>
-            <a:noFill/>
-          </a:ln>
-        </p:spPr>
-        <p:style>
-          <a:lnRef idx="1">
-            <a:schemeClr val="accent1"/>
-          </a:lnRef>
-          <a:fillRef idx="2">
-            <a:schemeClr val="accent1"/>
-          </a:fillRef>
-          <a:effectRef idx="1">
-            <a:schemeClr val="accent1"/>
-          </a:effectRef>
-          <a:fontRef idx="minor">
-            <a:schemeClr val="dk1"/>
-          </a:fontRef>
-        </p:style>
-        <p:txBody>
-          <a:bodyPr rtlCol="0" anchor="ctr"/>
-          <a:lstStyle/>
-          <a:p>
-            <a:pPr algn="ctr"/>
-            <a:r>
-              <a:rPr lang="es-MX" dirty="0"/>
-              <a:t>Texto de bienvenida</a:t>
-            </a:r>
-          </a:p>
-          <a:p>
-            <a:pPr algn="ctr"/>
-            <a:r>
-              <a:rPr lang="es-MX" dirty="0"/>
-              <a:t>Y</a:t>
-            </a:r>
-          </a:p>
-          <a:p>
-            <a:pPr algn="ctr"/>
-            <a:r>
-              <a:rPr lang="es-MX" dirty="0"/>
-              <a:t>Breve explicación</a:t>
-            </a:r>
-          </a:p>
-        </p:txBody>
-      </p:sp>
-    </p:spTree>
-    <p:extLst>
-      <p:ext uri="{BB962C8B-B14F-4D97-AF65-F5344CB8AC3E}">
-        <p14:creationId xmlns:p14="http://schemas.microsoft.com/office/powerpoint/2010/main" val="2279937437"/>
       </p:ext>
     </p:extLst>
   </p:cSld>
@@ -12103,779 +14648,30 @@
           <a:chExt cx="0" cy="0"/>
         </a:xfrm>
       </p:grpSpPr>
-      <p:pic>
-        <p:nvPicPr>
-          <p:cNvPr id="10" name="Picture 2">
-            <a:extLst>
-              <a:ext uri="{FF2B5EF4-FFF2-40B4-BE49-F238E27FC236}">
-                <a16:creationId xmlns:a16="http://schemas.microsoft.com/office/drawing/2014/main" id="{F97E4313-B928-45CF-953D-014440A04D69}"/>
-              </a:ext>
-            </a:extLst>
-          </p:cNvPr>
-          <p:cNvPicPr>
-            <a:picLocks noChangeAspect="1" noChangeArrowheads="1"/>
-          </p:cNvPicPr>
-          <p:nvPr/>
-        </p:nvPicPr>
-        <p:blipFill>
-          <a:blip r:embed="rId2">
-            <a:extLst>
-              <a:ext uri="{28A0092B-C50C-407E-A947-70E740481C1C}">
-                <a14:useLocalDpi xmlns:a14="http://schemas.microsoft.com/office/drawing/2010/main" val="0"/>
-              </a:ext>
-            </a:extLst>
-          </a:blip>
-          <a:srcRect/>
-          <a:stretch>
-            <a:fillRect/>
-          </a:stretch>
-        </p:blipFill>
-        <p:spPr bwMode="auto">
-          <a:xfrm>
-            <a:off x="0" y="0"/>
-            <a:ext cx="12192000" cy="6858000"/>
-          </a:xfrm>
-          <a:prstGeom prst="rect">
-            <a:avLst/>
-          </a:prstGeom>
-          <a:noFill/>
-          <a:extLst>
-            <a:ext uri="{909E8E84-426E-40DD-AFC4-6F175D3DCCD1}">
-              <a14:hiddenFill xmlns:a14="http://schemas.microsoft.com/office/drawing/2010/main">
-                <a:solidFill>
-                  <a:srgbClr val="FFFFFF"/>
-                </a:solidFill>
-              </a14:hiddenFill>
-            </a:ext>
-          </a:extLst>
-        </p:spPr>
-      </p:pic>
-      <p:sp>
-        <p:nvSpPr>
-          <p:cNvPr id="2" name="Rectángulo 1">
-            <a:extLst>
-              <a:ext uri="{FF2B5EF4-FFF2-40B4-BE49-F238E27FC236}">
-                <a16:creationId xmlns:a16="http://schemas.microsoft.com/office/drawing/2014/main" id="{59B01730-D6F6-4AB8-A1E7-6B6266866797}"/>
-              </a:ext>
-            </a:extLst>
-          </p:cNvPr>
-          <p:cNvSpPr/>
-          <p:nvPr/>
-        </p:nvSpPr>
-        <p:spPr>
-          <a:xfrm>
-            <a:off x="1" y="0"/>
-            <a:ext cx="12192000" cy="2060812"/>
-          </a:xfrm>
-          <a:prstGeom prst="rect">
-            <a:avLst/>
-          </a:prstGeom>
-          <a:solidFill>
-            <a:schemeClr val="accent1"/>
-          </a:solidFill>
-          <a:ln>
-            <a:noFill/>
-          </a:ln>
-        </p:spPr>
-        <p:style>
-          <a:lnRef idx="2">
-            <a:schemeClr val="accent1">
-              <a:shade val="50000"/>
-            </a:schemeClr>
-          </a:lnRef>
-          <a:fillRef idx="1">
-            <a:schemeClr val="accent1"/>
-          </a:fillRef>
-          <a:effectRef idx="0">
-            <a:schemeClr val="accent1"/>
-          </a:effectRef>
-          <a:fontRef idx="minor">
-            <a:schemeClr val="lt1"/>
-          </a:fontRef>
-        </p:style>
-        <p:txBody>
-          <a:bodyPr rtlCol="0" anchor="ctr"/>
-          <a:lstStyle/>
-          <a:p>
-            <a:pPr algn="ctr"/>
-            <a:endParaRPr lang="es-MX" dirty="0"/>
-          </a:p>
-        </p:txBody>
-      </p:sp>
-      <p:sp>
-        <p:nvSpPr>
-          <p:cNvPr id="3" name="Rectángulo: esquinas redondeadas 2">
-            <a:extLst>
-              <a:ext uri="{FF2B5EF4-FFF2-40B4-BE49-F238E27FC236}">
-                <a16:creationId xmlns:a16="http://schemas.microsoft.com/office/drawing/2014/main" id="{621DA4F7-3F91-4D5B-918E-63448EA177F0}"/>
-              </a:ext>
-            </a:extLst>
-          </p:cNvPr>
-          <p:cNvSpPr/>
-          <p:nvPr/>
-        </p:nvSpPr>
-        <p:spPr>
-          <a:xfrm>
-            <a:off x="561832" y="177419"/>
-            <a:ext cx="1173500" cy="1050879"/>
-          </a:xfrm>
-          <a:prstGeom prst="roundRect">
-            <a:avLst/>
-          </a:prstGeom>
-        </p:spPr>
-        <p:style>
-          <a:lnRef idx="1">
-            <a:schemeClr val="accent2"/>
-          </a:lnRef>
-          <a:fillRef idx="2">
-            <a:schemeClr val="accent2"/>
-          </a:fillRef>
-          <a:effectRef idx="1">
-            <a:schemeClr val="accent2"/>
-          </a:effectRef>
-          <a:fontRef idx="minor">
-            <a:schemeClr val="dk1"/>
-          </a:fontRef>
-        </p:style>
-        <p:txBody>
-          <a:bodyPr rtlCol="0" anchor="ctr"/>
-          <a:lstStyle/>
-          <a:p>
-            <a:pPr algn="ctr"/>
-            <a:r>
-              <a:rPr lang="es-MX" sz="2800" b="1" dirty="0"/>
-              <a:t>LOGO</a:t>
-            </a:r>
-            <a:endParaRPr lang="es-MX" sz="1200" b="1" dirty="0"/>
-          </a:p>
-        </p:txBody>
-      </p:sp>
-      <p:sp>
-        <p:nvSpPr>
-          <p:cNvPr id="4" name="CuadroTexto 3">
-            <a:extLst>
-              <a:ext uri="{FF2B5EF4-FFF2-40B4-BE49-F238E27FC236}">
-                <a16:creationId xmlns:a16="http://schemas.microsoft.com/office/drawing/2014/main" id="{BABAC0A5-4532-433C-A136-652A44CCB19A}"/>
-              </a:ext>
-            </a:extLst>
-          </p:cNvPr>
-          <p:cNvSpPr txBox="1"/>
-          <p:nvPr/>
-        </p:nvSpPr>
-        <p:spPr>
-          <a:xfrm>
-            <a:off x="9455832" y="211541"/>
-            <a:ext cx="2174336" cy="461665"/>
-          </a:xfrm>
-          <a:prstGeom prst="rect">
-            <a:avLst/>
-          </a:prstGeom>
-          <a:noFill/>
-        </p:spPr>
-        <p:txBody>
-          <a:bodyPr wrap="square" rtlCol="0">
-            <a:spAutoFit/>
-          </a:bodyPr>
-          <a:lstStyle/>
-          <a:p>
-            <a:pPr algn="r"/>
-            <a:r>
-              <a:rPr lang="es-MX" sz="2400" dirty="0" err="1"/>
-              <a:t>User</a:t>
-            </a:r>
-            <a:r>
-              <a:rPr lang="es-MX" sz="2400" dirty="0"/>
-              <a:t> </a:t>
-            </a:r>
-            <a:r>
-              <a:rPr lang="es-MX" sz="2400" dirty="0" err="1"/>
-              <a:t>Name</a:t>
-            </a:r>
-            <a:endParaRPr lang="es-MX" sz="2400" dirty="0"/>
-          </a:p>
-        </p:txBody>
-      </p:sp>
-      <p:sp>
-        <p:nvSpPr>
-          <p:cNvPr id="5" name="CuadroTexto 4">
-            <a:extLst>
-              <a:ext uri="{FF2B5EF4-FFF2-40B4-BE49-F238E27FC236}">
-                <a16:creationId xmlns:a16="http://schemas.microsoft.com/office/drawing/2014/main" id="{FD9E610A-FBE1-4931-98C5-7EF6E3E99B41}"/>
-              </a:ext>
-            </a:extLst>
-          </p:cNvPr>
-          <p:cNvSpPr txBox="1"/>
-          <p:nvPr/>
-        </p:nvSpPr>
-        <p:spPr>
-          <a:xfrm flipH="1">
-            <a:off x="8584442" y="941696"/>
-            <a:ext cx="3045726" cy="369332"/>
-          </a:xfrm>
-          <a:prstGeom prst="rect">
-            <a:avLst/>
-          </a:prstGeom>
-          <a:noFill/>
-        </p:spPr>
-        <p:txBody>
-          <a:bodyPr wrap="square" rtlCol="0">
-            <a:spAutoFit/>
-          </a:bodyPr>
+      <p:sp>
+        <p:nvSpPr>
+          <p:cNvPr id="2" name="Título 1">
+            <a:extLst>
+              <a:ext uri="{FF2B5EF4-FFF2-40B4-BE49-F238E27FC236}">
+                <a16:creationId xmlns:a16="http://schemas.microsoft.com/office/drawing/2014/main" id="{83C1DB2A-295D-4B56-8581-8527B149BB25}"/>
+              </a:ext>
+            </a:extLst>
+          </p:cNvPr>
+          <p:cNvSpPr>
+            <a:spLocks noGrp="1"/>
+          </p:cNvSpPr>
+          <p:nvPr>
+            <p:ph type="ctrTitle"/>
+          </p:nvPr>
+        </p:nvSpPr>
+        <p:spPr/>
+        <p:txBody>
+          <a:bodyPr/>
           <a:lstStyle/>
           <a:p>
             <a:r>
               <a:rPr lang="es-MX" dirty="0"/>
-              <a:t>Miércoles, 29 de abril de 2020</a:t>
-            </a:r>
-          </a:p>
-        </p:txBody>
-      </p:sp>
-      <p:sp>
-        <p:nvSpPr>
-          <p:cNvPr id="11" name="Rectángulo 10">
-            <a:extLst>
-              <a:ext uri="{FF2B5EF4-FFF2-40B4-BE49-F238E27FC236}">
-                <a16:creationId xmlns:a16="http://schemas.microsoft.com/office/drawing/2014/main" id="{4712A57A-C1B3-4678-AB53-2811910AC39F}"/>
-              </a:ext>
-            </a:extLst>
-          </p:cNvPr>
-          <p:cNvSpPr/>
-          <p:nvPr/>
-        </p:nvSpPr>
-        <p:spPr>
-          <a:xfrm>
-            <a:off x="1735333" y="2251034"/>
-            <a:ext cx="8445898" cy="4606966"/>
-          </a:xfrm>
-          <a:prstGeom prst="rect">
-            <a:avLst/>
-          </a:prstGeom>
-          <a:solidFill>
-            <a:schemeClr val="bg1"/>
-          </a:solidFill>
-          <a:ln>
-            <a:noFill/>
-          </a:ln>
-        </p:spPr>
-        <p:style>
-          <a:lnRef idx="1">
-            <a:schemeClr val="accent1"/>
-          </a:lnRef>
-          <a:fillRef idx="2">
-            <a:schemeClr val="accent1"/>
-          </a:fillRef>
-          <a:effectRef idx="1">
-            <a:schemeClr val="accent1"/>
-          </a:effectRef>
-          <a:fontRef idx="minor">
-            <a:schemeClr val="dk1"/>
-          </a:fontRef>
-        </p:style>
-        <p:txBody>
-          <a:bodyPr rtlCol="0" anchor="ctr"/>
-          <a:lstStyle/>
-          <a:p>
-            <a:pPr algn="ctr"/>
-            <a:endParaRPr lang="es-MX"/>
-          </a:p>
-        </p:txBody>
-      </p:sp>
-      <p:sp>
-        <p:nvSpPr>
-          <p:cNvPr id="12" name="CuadroTexto 11">
-            <a:extLst>
-              <a:ext uri="{FF2B5EF4-FFF2-40B4-BE49-F238E27FC236}">
-                <a16:creationId xmlns:a16="http://schemas.microsoft.com/office/drawing/2014/main" id="{BEC64E75-25B1-4F39-A2EE-BFFCBB1246B4}"/>
-              </a:ext>
-            </a:extLst>
-          </p:cNvPr>
-          <p:cNvSpPr txBox="1"/>
-          <p:nvPr/>
-        </p:nvSpPr>
-        <p:spPr>
-          <a:xfrm>
-            <a:off x="4164841" y="2430142"/>
-            <a:ext cx="3862317" cy="523220"/>
-          </a:xfrm>
-          <a:prstGeom prst="rect">
-            <a:avLst/>
-          </a:prstGeom>
-          <a:noFill/>
-        </p:spPr>
-        <p:txBody>
-          <a:bodyPr wrap="square" rtlCol="0">
-            <a:spAutoFit/>
-          </a:bodyPr>
-          <a:lstStyle/>
-          <a:p>
-            <a:pPr algn="ctr"/>
-            <a:r>
-              <a:rPr lang="es-MX" sz="2800" dirty="0"/>
-              <a:t>Lista de productos</a:t>
-            </a:r>
-          </a:p>
-        </p:txBody>
-      </p:sp>
-      <p:sp>
-        <p:nvSpPr>
-          <p:cNvPr id="13" name="Rectángulo: esquinas redondeadas 12">
-            <a:extLst>
-              <a:ext uri="{FF2B5EF4-FFF2-40B4-BE49-F238E27FC236}">
-                <a16:creationId xmlns:a16="http://schemas.microsoft.com/office/drawing/2014/main" id="{4594CF18-72ED-4D79-AFD6-A0F33278D4F1}"/>
-              </a:ext>
-            </a:extLst>
-          </p:cNvPr>
-          <p:cNvSpPr/>
-          <p:nvPr/>
-        </p:nvSpPr>
-        <p:spPr>
-          <a:xfrm>
-            <a:off x="3952163" y="3002508"/>
-            <a:ext cx="4287671" cy="426492"/>
-          </a:xfrm>
-          <a:prstGeom prst="roundRect">
-            <a:avLst/>
-          </a:prstGeom>
-          <a:solidFill>
-            <a:schemeClr val="bg1"/>
-          </a:solidFill>
-          <a:ln>
-            <a:solidFill>
-              <a:schemeClr val="tx1"/>
-            </a:solidFill>
-          </a:ln>
-        </p:spPr>
-        <p:style>
-          <a:lnRef idx="2">
-            <a:schemeClr val="accent1">
-              <a:shade val="50000"/>
-            </a:schemeClr>
-          </a:lnRef>
-          <a:fillRef idx="1">
-            <a:schemeClr val="accent1"/>
-          </a:fillRef>
-          <a:effectRef idx="0">
-            <a:schemeClr val="accent1"/>
-          </a:effectRef>
-          <a:fontRef idx="minor">
-            <a:schemeClr val="lt1"/>
-          </a:fontRef>
-        </p:style>
-        <p:txBody>
-          <a:bodyPr rtlCol="0" anchor="ctr"/>
-          <a:lstStyle/>
-          <a:p>
-            <a:r>
-              <a:rPr lang="es-MX" dirty="0">
-                <a:solidFill>
-                  <a:schemeClr val="bg2">
-                    <a:lumMod val="90000"/>
-                  </a:schemeClr>
-                </a:solidFill>
-              </a:rPr>
-              <a:t>Palabra</a:t>
-            </a:r>
-          </a:p>
-        </p:txBody>
-      </p:sp>
-      <p:sp>
-        <p:nvSpPr>
-          <p:cNvPr id="14" name="Rectángulo: esquinas redondeadas 13">
-            <a:extLst>
-              <a:ext uri="{FF2B5EF4-FFF2-40B4-BE49-F238E27FC236}">
-                <a16:creationId xmlns:a16="http://schemas.microsoft.com/office/drawing/2014/main" id="{D37DC2B6-D082-4485-AA27-8E216A37CC82}"/>
-              </a:ext>
-            </a:extLst>
-          </p:cNvPr>
-          <p:cNvSpPr/>
-          <p:nvPr/>
-        </p:nvSpPr>
-        <p:spPr>
-          <a:xfrm>
-            <a:off x="6844560" y="3002508"/>
-            <a:ext cx="1392071" cy="426491"/>
-          </a:xfrm>
-          <a:prstGeom prst="roundRect">
-            <a:avLst/>
-          </a:prstGeom>
-        </p:spPr>
-        <p:style>
-          <a:lnRef idx="1">
-            <a:schemeClr val="accent4"/>
-          </a:lnRef>
-          <a:fillRef idx="2">
-            <a:schemeClr val="accent4"/>
-          </a:fillRef>
-          <a:effectRef idx="1">
-            <a:schemeClr val="accent4"/>
-          </a:effectRef>
-          <a:fontRef idx="minor">
-            <a:schemeClr val="dk1"/>
-          </a:fontRef>
-        </p:style>
-        <p:txBody>
-          <a:bodyPr rtlCol="0" anchor="ctr"/>
-          <a:lstStyle/>
-          <a:p>
-            <a:pPr algn="ctr"/>
-            <a:r>
-              <a:rPr lang="es-MX" dirty="0"/>
-              <a:t>BUSCAR</a:t>
-            </a:r>
-          </a:p>
-        </p:txBody>
-      </p:sp>
-      <p:graphicFrame>
-        <p:nvGraphicFramePr>
-          <p:cNvPr id="15" name="Tabla 15">
-            <a:extLst>
-              <a:ext uri="{FF2B5EF4-FFF2-40B4-BE49-F238E27FC236}">
-                <a16:creationId xmlns:a16="http://schemas.microsoft.com/office/drawing/2014/main" id="{06A2D3FA-763C-4C7E-BAA5-F901FBE6998B}"/>
-              </a:ext>
-            </a:extLst>
-          </p:cNvPr>
-          <p:cNvGraphicFramePr>
-            <a:graphicFrameLocks noGrp="1"/>
-          </p:cNvGraphicFramePr>
-          <p:nvPr/>
-        </p:nvGraphicFramePr>
-        <p:xfrm>
-          <a:off x="1894282" y="3809633"/>
-          <a:ext cx="8127999" cy="1483360"/>
-        </p:xfrm>
-        <a:graphic>
-          <a:graphicData uri="http://schemas.openxmlformats.org/drawingml/2006/table">
-            <a:tbl>
-              <a:tblPr firstRow="1" bandRow="1">
-                <a:tableStyleId>{85BE263C-DBD7-4A20-BB59-AAB30ACAA65A}</a:tableStyleId>
-              </a:tblPr>
-              <a:tblGrid>
-                <a:gridCol w="2022625">
-                  <a:extLst>
-                    <a:ext uri="{9D8B030D-6E8A-4147-A177-3AD203B41FA5}">
-                      <a16:colId xmlns:a16="http://schemas.microsoft.com/office/drawing/2014/main" val="4028176154"/>
-                    </a:ext>
-                  </a:extLst>
-                </a:gridCol>
-                <a:gridCol w="4299045">
-                  <a:extLst>
-                    <a:ext uri="{9D8B030D-6E8A-4147-A177-3AD203B41FA5}">
-                      <a16:colId xmlns:a16="http://schemas.microsoft.com/office/drawing/2014/main" val="1659947262"/>
-                    </a:ext>
-                  </a:extLst>
-                </a:gridCol>
-                <a:gridCol w="1806329">
-                  <a:extLst>
-                    <a:ext uri="{9D8B030D-6E8A-4147-A177-3AD203B41FA5}">
-                      <a16:colId xmlns:a16="http://schemas.microsoft.com/office/drawing/2014/main" val="610500583"/>
-                    </a:ext>
-                  </a:extLst>
-                </a:gridCol>
-              </a:tblGrid>
-              <a:tr h="370840">
-                <a:tc>
-                  <a:txBody>
-                    <a:bodyPr/>
-                    <a:lstStyle/>
-                    <a:p>
-                      <a:pPr algn="ctr"/>
-                      <a:r>
-                        <a:rPr lang="es-MX" dirty="0"/>
-                        <a:t>Clave</a:t>
-                      </a:r>
-                    </a:p>
-                  </a:txBody>
-                  <a:tcPr anchor="ctr"/>
-                </a:tc>
-                <a:tc>
-                  <a:txBody>
-                    <a:bodyPr/>
-                    <a:lstStyle/>
-                    <a:p>
-                      <a:pPr algn="ctr"/>
-                      <a:r>
-                        <a:rPr lang="es-MX" dirty="0"/>
-                        <a:t>Descripción</a:t>
-                      </a:r>
-                    </a:p>
-                  </a:txBody>
-                  <a:tcPr anchor="ctr"/>
-                </a:tc>
-                <a:tc>
-                  <a:txBody>
-                    <a:bodyPr/>
-                    <a:lstStyle/>
-                    <a:p>
-                      <a:pPr algn="ctr"/>
-                      <a:r>
-                        <a:rPr lang="es-MX" dirty="0"/>
-                        <a:t>Seleccionar</a:t>
-                      </a:r>
-                    </a:p>
-                  </a:txBody>
-                  <a:tcPr anchor="ctr"/>
-                </a:tc>
-                <a:extLst>
-                  <a:ext uri="{0D108BD9-81ED-4DB2-BD59-A6C34878D82A}">
-                    <a16:rowId xmlns:a16="http://schemas.microsoft.com/office/drawing/2014/main" val="234008647"/>
-                  </a:ext>
-                </a:extLst>
-              </a:tr>
-              <a:tr h="370840">
-                <a:tc>
-                  <a:txBody>
-                    <a:bodyPr/>
-                    <a:lstStyle/>
-                    <a:p>
-                      <a:pPr algn="ctr"/>
-                      <a:r>
-                        <a:rPr lang="es-MX" dirty="0"/>
-                        <a:t>1234</a:t>
-                      </a:r>
-                    </a:p>
-                  </a:txBody>
-                  <a:tcPr anchor="ctr"/>
-                </a:tc>
-                <a:tc>
-                  <a:txBody>
-                    <a:bodyPr/>
-                    <a:lstStyle/>
-                    <a:p>
-                      <a:pPr algn="ctr"/>
-                      <a:r>
-                        <a:rPr lang="es-MX" dirty="0"/>
-                        <a:t>Ejemplo 1</a:t>
-                      </a:r>
-                    </a:p>
-                  </a:txBody>
-                  <a:tcPr anchor="ctr"/>
-                </a:tc>
-                <a:tc>
-                  <a:txBody>
-                    <a:bodyPr/>
-                    <a:lstStyle/>
-                    <a:p>
-                      <a:pPr algn="ctr"/>
-                      <a:r>
-                        <a:rPr lang="es-MX" dirty="0">
-                          <a:solidFill>
-                            <a:srgbClr val="002060"/>
-                          </a:solidFill>
-                        </a:rPr>
-                        <a:t>Seleccionar</a:t>
-                      </a:r>
-                    </a:p>
-                  </a:txBody>
-                  <a:tcPr anchor="ctr"/>
-                </a:tc>
-                <a:extLst>
-                  <a:ext uri="{0D108BD9-81ED-4DB2-BD59-A6C34878D82A}">
-                    <a16:rowId xmlns:a16="http://schemas.microsoft.com/office/drawing/2014/main" val="1704262927"/>
-                  </a:ext>
-                </a:extLst>
-              </a:tr>
-              <a:tr h="370840">
-                <a:tc>
-                  <a:txBody>
-                    <a:bodyPr/>
-                    <a:lstStyle/>
-                    <a:p>
-                      <a:pPr algn="ctr"/>
-                      <a:r>
-                        <a:rPr lang="es-MX" dirty="0"/>
-                        <a:t>4567</a:t>
-                      </a:r>
-                    </a:p>
-                  </a:txBody>
-                  <a:tcPr anchor="ctr"/>
-                </a:tc>
-                <a:tc>
-                  <a:txBody>
-                    <a:bodyPr/>
-                    <a:lstStyle/>
-                    <a:p>
-                      <a:pPr algn="ctr"/>
-                      <a:r>
-                        <a:rPr lang="es-MX" dirty="0"/>
-                        <a:t>Ejemplo 2</a:t>
-                      </a:r>
-                    </a:p>
-                  </a:txBody>
-                  <a:tcPr anchor="ctr"/>
-                </a:tc>
-                <a:tc>
-                  <a:txBody>
-                    <a:bodyPr/>
-                    <a:lstStyle/>
-                    <a:p>
-                      <a:pPr algn="ctr"/>
-                      <a:r>
-                        <a:rPr lang="es-MX" dirty="0">
-                          <a:solidFill>
-                            <a:srgbClr val="002060"/>
-                          </a:solidFill>
-                        </a:rPr>
-                        <a:t>Seleccionar</a:t>
-                      </a:r>
-                    </a:p>
-                  </a:txBody>
-                  <a:tcPr anchor="ctr"/>
-                </a:tc>
-                <a:extLst>
-                  <a:ext uri="{0D108BD9-81ED-4DB2-BD59-A6C34878D82A}">
-                    <a16:rowId xmlns:a16="http://schemas.microsoft.com/office/drawing/2014/main" val="1560373243"/>
-                  </a:ext>
-                </a:extLst>
-              </a:tr>
-              <a:tr h="370840">
-                <a:tc>
-                  <a:txBody>
-                    <a:bodyPr/>
-                    <a:lstStyle/>
-                    <a:p>
-                      <a:pPr algn="ctr"/>
-                      <a:r>
-                        <a:rPr lang="es-MX" dirty="0"/>
-                        <a:t>7890</a:t>
-                      </a:r>
-                    </a:p>
-                  </a:txBody>
-                  <a:tcPr anchor="ctr"/>
-                </a:tc>
-                <a:tc>
-                  <a:txBody>
-                    <a:bodyPr/>
-                    <a:lstStyle/>
-                    <a:p>
-                      <a:pPr algn="ctr"/>
-                      <a:r>
-                        <a:rPr lang="es-MX" dirty="0"/>
-                        <a:t>Ejemplo 3</a:t>
-                      </a:r>
-                    </a:p>
-                  </a:txBody>
-                  <a:tcPr anchor="ctr"/>
-                </a:tc>
-                <a:tc>
-                  <a:txBody>
-                    <a:bodyPr/>
-                    <a:lstStyle/>
-                    <a:p>
-                      <a:pPr algn="ctr"/>
-                      <a:r>
-                        <a:rPr lang="es-MX" dirty="0">
-                          <a:solidFill>
-                            <a:srgbClr val="002060"/>
-                          </a:solidFill>
-                        </a:rPr>
-                        <a:t>Seleccionar</a:t>
-                      </a:r>
-                    </a:p>
-                  </a:txBody>
-                  <a:tcPr anchor="ctr"/>
-                </a:tc>
-                <a:extLst>
-                  <a:ext uri="{0D108BD9-81ED-4DB2-BD59-A6C34878D82A}">
-                    <a16:rowId xmlns:a16="http://schemas.microsoft.com/office/drawing/2014/main" val="3685194693"/>
-                  </a:ext>
-                </a:extLst>
-              </a:tr>
-            </a:tbl>
-          </a:graphicData>
-        </a:graphic>
-      </p:graphicFrame>
-      <p:sp>
-        <p:nvSpPr>
-          <p:cNvPr id="16" name="Rectángulo: esquinas superiores redondeadas 15">
-            <a:extLst>
-              <a:ext uri="{FF2B5EF4-FFF2-40B4-BE49-F238E27FC236}">
-                <a16:creationId xmlns:a16="http://schemas.microsoft.com/office/drawing/2014/main" id="{B51CCE0D-4D89-4D99-884B-6ABDD0A69D9F}"/>
-              </a:ext>
-            </a:extLst>
-          </p:cNvPr>
-          <p:cNvSpPr/>
-          <p:nvPr/>
-        </p:nvSpPr>
-        <p:spPr>
-          <a:xfrm>
-            <a:off x="4255828" y="1501252"/>
-            <a:ext cx="1501254" cy="559559"/>
-          </a:xfrm>
-          <a:prstGeom prst="round2SameRect">
-            <a:avLst/>
-          </a:prstGeom>
-          <a:ln/>
-        </p:spPr>
-        <p:style>
-          <a:lnRef idx="3">
-            <a:schemeClr val="lt1"/>
-          </a:lnRef>
-          <a:fillRef idx="1">
-            <a:schemeClr val="accent6"/>
-          </a:fillRef>
-          <a:effectRef idx="1">
-            <a:schemeClr val="accent6"/>
-          </a:effectRef>
-          <a:fontRef idx="minor">
-            <a:schemeClr val="lt1"/>
-          </a:fontRef>
-        </p:style>
-        <p:txBody>
-          <a:bodyPr rtlCol="0" anchor="ctr"/>
-          <a:lstStyle/>
-          <a:p>
-            <a:pPr algn="ctr"/>
-            <a:r>
-              <a:rPr lang="es-MX" dirty="0"/>
-              <a:t>Productos</a:t>
-            </a:r>
-          </a:p>
-        </p:txBody>
-      </p:sp>
-      <p:sp>
-        <p:nvSpPr>
-          <p:cNvPr id="18" name="Rectángulo: esquinas superiores redondeadas 17">
-            <a:extLst>
-              <a:ext uri="{FF2B5EF4-FFF2-40B4-BE49-F238E27FC236}">
-                <a16:creationId xmlns:a16="http://schemas.microsoft.com/office/drawing/2014/main" id="{AC07F985-5597-42BC-8DAD-9A16164362ED}"/>
-              </a:ext>
-            </a:extLst>
-          </p:cNvPr>
-          <p:cNvSpPr/>
-          <p:nvPr/>
-        </p:nvSpPr>
-        <p:spPr>
-          <a:xfrm>
-            <a:off x="6434919" y="1501252"/>
-            <a:ext cx="1501254" cy="559559"/>
-          </a:xfrm>
-          <a:prstGeom prst="round2SameRect">
-            <a:avLst/>
-          </a:prstGeom>
-          <a:ln/>
-        </p:spPr>
-        <p:style>
-          <a:lnRef idx="3">
-            <a:schemeClr val="lt1"/>
-          </a:lnRef>
-          <a:fillRef idx="1">
-            <a:schemeClr val="accent5"/>
-          </a:fillRef>
-          <a:effectRef idx="1">
-            <a:schemeClr val="accent5"/>
-          </a:effectRef>
-          <a:fontRef idx="minor">
-            <a:schemeClr val="lt1"/>
-          </a:fontRef>
-        </p:style>
-        <p:txBody>
-          <a:bodyPr rtlCol="0" anchor="ctr"/>
-          <a:lstStyle/>
-          <a:p>
-            <a:pPr algn="ctr"/>
-            <a:r>
-              <a:rPr lang="es-MX" dirty="0"/>
-              <a:t>Venta</a:t>
+              <a:t>Pantallas del usuario de VENTAS</a:t>
             </a:r>
           </a:p>
         </p:txBody>
@@ -12883,7 +14679,7 @@
     </p:spTree>
     <p:extLst>
       <p:ext uri="{BB962C8B-B14F-4D97-AF65-F5344CB8AC3E}">
-        <p14:creationId xmlns:p14="http://schemas.microsoft.com/office/powerpoint/2010/main" val="1599209452"/>
+        <p14:creationId xmlns:p14="http://schemas.microsoft.com/office/powerpoint/2010/main" val="3003904771"/>
       </p:ext>
     </p:extLst>
   </p:cSld>
@@ -13186,4 +14982,299 @@
     </a:ext>
   </a:extLst>
 </a:theme>
+</file>
+
+<file path=ppt/theme/theme2.xml><?xml version="1.0" encoding="utf-8"?>
+<a:theme xmlns:a="http://schemas.openxmlformats.org/drawingml/2006/main" name="Tema de Office">
+  <a:themeElements>
+    <a:clrScheme name="Office">
+      <a:dk1>
+        <a:sysClr val="windowText" lastClr="000000"/>
+      </a:dk1>
+      <a:lt1>
+        <a:sysClr val="window" lastClr="FFFFFF"/>
+      </a:lt1>
+      <a:dk2>
+        <a:srgbClr val="44546A"/>
+      </a:dk2>
+      <a:lt2>
+        <a:srgbClr val="E7E6E6"/>
+      </a:lt2>
+      <a:accent1>
+        <a:srgbClr val="4472C4"/>
+      </a:accent1>
+      <a:accent2>
+        <a:srgbClr val="ED7D31"/>
+      </a:accent2>
+      <a:accent3>
+        <a:srgbClr val="A5A5A5"/>
+      </a:accent3>
+      <a:accent4>
+        <a:srgbClr val="FFC000"/>
+      </a:accent4>
+      <a:accent5>
+        <a:srgbClr val="5B9BD5"/>
+      </a:accent5>
+      <a:accent6>
+        <a:srgbClr val="70AD47"/>
+      </a:accent6>
+      <a:hlink>
+        <a:srgbClr val="0563C1"/>
+      </a:hlink>
+      <a:folHlink>
+        <a:srgbClr val="954F72"/>
+      </a:folHlink>
+    </a:clrScheme>
+    <a:fontScheme name="Office">
+      <a:majorFont>
+        <a:latin typeface="Calibri Light" panose="020F0302020204030204"/>
+        <a:ea typeface=""/>
+        <a:cs typeface=""/>
+        <a:font script="Jpan" typeface="游ゴシック Light"/>
+        <a:font script="Hang" typeface="맑은 고딕"/>
+        <a:font script="Hans" typeface="等线 Light"/>
+        <a:font script="Hant" typeface="新細明體"/>
+        <a:font script="Arab" typeface="Times New Roman"/>
+        <a:font script="Hebr" typeface="Times New Roman"/>
+        <a:font script="Thai" typeface="Angsana New"/>
+        <a:font script="Ethi" typeface="Nyala"/>
+        <a:font script="Beng" typeface="Vrinda"/>
+        <a:font script="Gujr" typeface="Shruti"/>
+        <a:font script="Khmr" typeface="MoolBoran"/>
+        <a:font script="Knda" typeface="Tunga"/>
+        <a:font script="Guru" typeface="Raavi"/>
+        <a:font script="Cans" typeface="Euphemia"/>
+        <a:font script="Cher" typeface="Plantagenet Cherokee"/>
+        <a:font script="Yiii" typeface="Microsoft Yi Baiti"/>
+        <a:font script="Tibt" typeface="Microsoft Himalaya"/>
+        <a:font script="Thaa" typeface="MV Boli"/>
+        <a:font script="Deva" typeface="Mangal"/>
+        <a:font script="Telu" typeface="Gautami"/>
+        <a:font script="Taml" typeface="Latha"/>
+        <a:font script="Syrc" typeface="Estrangelo Edessa"/>
+        <a:font script="Orya" typeface="Kalinga"/>
+        <a:font script="Mlym" typeface="Kartika"/>
+        <a:font script="Laoo" typeface="DokChampa"/>
+        <a:font script="Sinh" typeface="Iskoola Pota"/>
+        <a:font script="Mong" typeface="Mongolian Baiti"/>
+        <a:font script="Viet" typeface="Times New Roman"/>
+        <a:font script="Uigh" typeface="Microsoft Uighur"/>
+        <a:font script="Geor" typeface="Sylfaen"/>
+        <a:font script="Armn" typeface="Arial"/>
+        <a:font script="Bugi" typeface="Leelawadee UI"/>
+        <a:font script="Bopo" typeface="Microsoft JhengHei"/>
+        <a:font script="Java" typeface="Javanese Text"/>
+        <a:font script="Lisu" typeface="Segoe UI"/>
+        <a:font script="Mymr" typeface="Myanmar Text"/>
+        <a:font script="Nkoo" typeface="Ebrima"/>
+        <a:font script="Olck" typeface="Nirmala UI"/>
+        <a:font script="Osma" typeface="Ebrima"/>
+        <a:font script="Phag" typeface="Phagspa"/>
+        <a:font script="Syrn" typeface="Estrangelo Edessa"/>
+        <a:font script="Syrj" typeface="Estrangelo Edessa"/>
+        <a:font script="Syre" typeface="Estrangelo Edessa"/>
+        <a:font script="Sora" typeface="Nirmala UI"/>
+        <a:font script="Tale" typeface="Microsoft Tai Le"/>
+        <a:font script="Talu" typeface="Microsoft New Tai Lue"/>
+        <a:font script="Tfng" typeface="Ebrima"/>
+      </a:majorFont>
+      <a:minorFont>
+        <a:latin typeface="Calibri" panose="020F0502020204030204"/>
+        <a:ea typeface=""/>
+        <a:cs typeface=""/>
+        <a:font script="Jpan" typeface="游ゴシック"/>
+        <a:font script="Hang" typeface="맑은 고딕"/>
+        <a:font script="Hans" typeface="等线"/>
+        <a:font script="Hant" typeface="新細明體"/>
+        <a:font script="Arab" typeface="Arial"/>
+        <a:font script="Hebr" typeface="Arial"/>
+        <a:font script="Thai" typeface="Cordia New"/>
+        <a:font script="Ethi" typeface="Nyala"/>
+        <a:font script="Beng" typeface="Vrinda"/>
+        <a:font script="Gujr" typeface="Shruti"/>
+        <a:font script="Khmr" typeface="DaunPenh"/>
+        <a:font script="Knda" typeface="Tunga"/>
+        <a:font script="Guru" typeface="Raavi"/>
+        <a:font script="Cans" typeface="Euphemia"/>
+        <a:font script="Cher" typeface="Plantagenet Cherokee"/>
+        <a:font script="Yiii" typeface="Microsoft Yi Baiti"/>
+        <a:font script="Tibt" typeface="Microsoft Himalaya"/>
+        <a:font script="Thaa" typeface="MV Boli"/>
+        <a:font script="Deva" typeface="Mangal"/>
+        <a:font script="Telu" typeface="Gautami"/>
+        <a:font script="Taml" typeface="Latha"/>
+        <a:font script="Syrc" typeface="Estrangelo Edessa"/>
+        <a:font script="Orya" typeface="Kalinga"/>
+        <a:font script="Mlym" typeface="Kartika"/>
+        <a:font script="Laoo" typeface="DokChampa"/>
+        <a:font script="Sinh" typeface="Iskoola Pota"/>
+        <a:font script="Mong" typeface="Mongolian Baiti"/>
+        <a:font script="Viet" typeface="Arial"/>
+        <a:font script="Uigh" typeface="Microsoft Uighur"/>
+        <a:font script="Geor" typeface="Sylfaen"/>
+        <a:font script="Armn" typeface="Arial"/>
+        <a:font script="Bugi" typeface="Leelawadee UI"/>
+        <a:font script="Bopo" typeface="Microsoft JhengHei"/>
+        <a:font script="Java" typeface="Javanese Text"/>
+        <a:font script="Lisu" typeface="Segoe UI"/>
+        <a:font script="Mymr" typeface="Myanmar Text"/>
+        <a:font script="Nkoo" typeface="Ebrima"/>
+        <a:font script="Olck" typeface="Nirmala UI"/>
+        <a:font script="Osma" typeface="Ebrima"/>
+        <a:font script="Phag" typeface="Phagspa"/>
+        <a:font script="Syrn" typeface="Estrangelo Edessa"/>
+        <a:font script="Syrj" typeface="Estrangelo Edessa"/>
+        <a:font script="Syre" typeface="Estrangelo Edessa"/>
+        <a:font script="Sora" typeface="Nirmala UI"/>
+        <a:font script="Tale" typeface="Microsoft Tai Le"/>
+        <a:font script="Talu" typeface="Microsoft New Tai Lue"/>
+        <a:font script="Tfng" typeface="Ebrima"/>
+      </a:minorFont>
+    </a:fontScheme>
+    <a:fmtScheme name="Office">
+      <a:fillStyleLst>
+        <a:solidFill>
+          <a:schemeClr val="phClr"/>
+        </a:solidFill>
+        <a:gradFill rotWithShape="1">
+          <a:gsLst>
+            <a:gs pos="0">
+              <a:schemeClr val="phClr">
+                <a:lumMod val="110000"/>
+                <a:satMod val="105000"/>
+                <a:tint val="67000"/>
+              </a:schemeClr>
+            </a:gs>
+            <a:gs pos="50000">
+              <a:schemeClr val="phClr">
+                <a:lumMod val="105000"/>
+                <a:satMod val="103000"/>
+                <a:tint val="73000"/>
+              </a:schemeClr>
+            </a:gs>
+            <a:gs pos="100000">
+              <a:schemeClr val="phClr">
+                <a:lumMod val="105000"/>
+                <a:satMod val="109000"/>
+                <a:tint val="81000"/>
+              </a:schemeClr>
+            </a:gs>
+          </a:gsLst>
+          <a:lin ang="5400000" scaled="0"/>
+        </a:gradFill>
+        <a:gradFill rotWithShape="1">
+          <a:gsLst>
+            <a:gs pos="0">
+              <a:schemeClr val="phClr">
+                <a:satMod val="103000"/>
+                <a:lumMod val="102000"/>
+                <a:tint val="94000"/>
+              </a:schemeClr>
+            </a:gs>
+            <a:gs pos="50000">
+              <a:schemeClr val="phClr">
+                <a:satMod val="110000"/>
+                <a:lumMod val="100000"/>
+                <a:shade val="100000"/>
+              </a:schemeClr>
+            </a:gs>
+            <a:gs pos="100000">
+              <a:schemeClr val="phClr">
+                <a:lumMod val="99000"/>
+                <a:satMod val="120000"/>
+                <a:shade val="78000"/>
+              </a:schemeClr>
+            </a:gs>
+          </a:gsLst>
+          <a:lin ang="5400000" scaled="0"/>
+        </a:gradFill>
+      </a:fillStyleLst>
+      <a:lnStyleLst>
+        <a:ln w="6350" cap="flat" cmpd="sng" algn="ctr">
+          <a:solidFill>
+            <a:schemeClr val="phClr"/>
+          </a:solidFill>
+          <a:prstDash val="solid"/>
+          <a:miter lim="800000"/>
+        </a:ln>
+        <a:ln w="12700" cap="flat" cmpd="sng" algn="ctr">
+          <a:solidFill>
+            <a:schemeClr val="phClr"/>
+          </a:solidFill>
+          <a:prstDash val="solid"/>
+          <a:miter lim="800000"/>
+        </a:ln>
+        <a:ln w="19050" cap="flat" cmpd="sng" algn="ctr">
+          <a:solidFill>
+            <a:schemeClr val="phClr"/>
+          </a:solidFill>
+          <a:prstDash val="solid"/>
+          <a:miter lim="800000"/>
+        </a:ln>
+      </a:lnStyleLst>
+      <a:effectStyleLst>
+        <a:effectStyle>
+          <a:effectLst/>
+        </a:effectStyle>
+        <a:effectStyle>
+          <a:effectLst/>
+        </a:effectStyle>
+        <a:effectStyle>
+          <a:effectLst>
+            <a:outerShdw blurRad="57150" dist="19050" dir="5400000" algn="ctr" rotWithShape="0">
+              <a:srgbClr val="000000">
+                <a:alpha val="63000"/>
+              </a:srgbClr>
+            </a:outerShdw>
+          </a:effectLst>
+        </a:effectStyle>
+      </a:effectStyleLst>
+      <a:bgFillStyleLst>
+        <a:solidFill>
+          <a:schemeClr val="phClr"/>
+        </a:solidFill>
+        <a:solidFill>
+          <a:schemeClr val="phClr">
+            <a:tint val="95000"/>
+            <a:satMod val="170000"/>
+          </a:schemeClr>
+        </a:solidFill>
+        <a:gradFill rotWithShape="1">
+          <a:gsLst>
+            <a:gs pos="0">
+              <a:schemeClr val="phClr">
+                <a:tint val="93000"/>
+                <a:satMod val="150000"/>
+                <a:shade val="98000"/>
+                <a:lumMod val="102000"/>
+              </a:schemeClr>
+            </a:gs>
+            <a:gs pos="50000">
+              <a:schemeClr val="phClr">
+                <a:tint val="98000"/>
+                <a:satMod val="130000"/>
+                <a:shade val="90000"/>
+                <a:lumMod val="103000"/>
+              </a:schemeClr>
+            </a:gs>
+            <a:gs pos="100000">
+              <a:schemeClr val="phClr">
+                <a:shade val="63000"/>
+                <a:satMod val="120000"/>
+              </a:schemeClr>
+            </a:gs>
+          </a:gsLst>
+          <a:lin ang="5400000" scaled="0"/>
+        </a:gradFill>
+      </a:bgFillStyleLst>
+    </a:fmtScheme>
+  </a:themeElements>
+  <a:objectDefaults/>
+  <a:extraClrSchemeLst/>
+  <a:extLst>
+    <a:ext uri="{05A4C25C-085E-4340-85A3-A5531E510DB2}">
+      <thm15:themeFamily xmlns:thm15="http://schemas.microsoft.com/office/thememl/2012/main" name="Office Theme" id="{62F939B6-93AF-4DB8-9C6B-D6C7DFDC589F}" vid="{4A3C46E8-61CC-4603-A589-7422A47A8E4A}"/>
+    </a:ext>
+  </a:extLst>
+</a:theme>
 </file>